--- a/documents/hinh_ve_trong_cao_cao_do_an.pptx
+++ b/documents/hinh_ve_trong_cao_cao_do_an.pptx
@@ -5,7 +5,11 @@
     <p:sldMasterId id="2147483648" r:id="rId1"/>
   </p:sldMasterIdLst>
   <p:sldIdLst>
-    <p:sldId id="256" r:id="rId2"/>
+    <p:sldId id="257" r:id="rId2"/>
+    <p:sldId id="256" r:id="rId3"/>
+    <p:sldId id="258" r:id="rId4"/>
+    <p:sldId id="259" r:id="rId5"/>
+    <p:sldId id="260" r:id="rId6"/>
   </p:sldIdLst>
   <p:sldSz cx="12192000" cy="6858000"/>
   <p:notesSz cx="6858000" cy="9144000"/>
@@ -104,6 +108,11 @@
       </a:defRPr>
     </a:lvl9pPr>
   </p:defaultTextStyle>
+  <p:extLst>
+    <p:ext uri="{EFAFB233-063F-42B5-8137-9DF3F51BA10A}">
+      <p15:sldGuideLst xmlns:p15="http://schemas.microsoft.com/office/powerpoint/2012/main"/>
+    </p:ext>
+  </p:extLst>
 </p:presentation>
 </file>
 
@@ -254,7 +263,7 @@
           <a:p>
             <a:fld id="{1274BF1E-CB95-4284-9B4D-720351FD5384}" type="datetimeFigureOut">
               <a:rPr lang="en-US" smtClean="0"/>
-              <a:t>5/23/2025</a:t>
+              <a:t>5/24/2025</a:t>
             </a:fld>
             <a:endParaRPr lang="en-US"/>
           </a:p>
@@ -452,7 +461,7 @@
           <a:p>
             <a:fld id="{1274BF1E-CB95-4284-9B4D-720351FD5384}" type="datetimeFigureOut">
               <a:rPr lang="en-US" smtClean="0"/>
-              <a:t>5/23/2025</a:t>
+              <a:t>5/24/2025</a:t>
             </a:fld>
             <a:endParaRPr lang="en-US"/>
           </a:p>
@@ -660,7 +669,7 @@
           <a:p>
             <a:fld id="{1274BF1E-CB95-4284-9B4D-720351FD5384}" type="datetimeFigureOut">
               <a:rPr lang="en-US" smtClean="0"/>
-              <a:t>5/23/2025</a:t>
+              <a:t>5/24/2025</a:t>
             </a:fld>
             <a:endParaRPr lang="en-US"/>
           </a:p>
@@ -858,7 +867,7 @@
           <a:p>
             <a:fld id="{1274BF1E-CB95-4284-9B4D-720351FD5384}" type="datetimeFigureOut">
               <a:rPr lang="en-US" smtClean="0"/>
-              <a:t>5/23/2025</a:t>
+              <a:t>5/24/2025</a:t>
             </a:fld>
             <a:endParaRPr lang="en-US"/>
           </a:p>
@@ -1133,7 +1142,7 @@
           <a:p>
             <a:fld id="{1274BF1E-CB95-4284-9B4D-720351FD5384}" type="datetimeFigureOut">
               <a:rPr lang="en-US" smtClean="0"/>
-              <a:t>5/23/2025</a:t>
+              <a:t>5/24/2025</a:t>
             </a:fld>
             <a:endParaRPr lang="en-US"/>
           </a:p>
@@ -1398,7 +1407,7 @@
           <a:p>
             <a:fld id="{1274BF1E-CB95-4284-9B4D-720351FD5384}" type="datetimeFigureOut">
               <a:rPr lang="en-US" smtClean="0"/>
-              <a:t>5/23/2025</a:t>
+              <a:t>5/24/2025</a:t>
             </a:fld>
             <a:endParaRPr lang="en-US"/>
           </a:p>
@@ -1810,7 +1819,7 @@
           <a:p>
             <a:fld id="{1274BF1E-CB95-4284-9B4D-720351FD5384}" type="datetimeFigureOut">
               <a:rPr lang="en-US" smtClean="0"/>
-              <a:t>5/23/2025</a:t>
+              <a:t>5/24/2025</a:t>
             </a:fld>
             <a:endParaRPr lang="en-US"/>
           </a:p>
@@ -1951,7 +1960,7 @@
           <a:p>
             <a:fld id="{1274BF1E-CB95-4284-9B4D-720351FD5384}" type="datetimeFigureOut">
               <a:rPr lang="en-US" smtClean="0"/>
-              <a:t>5/23/2025</a:t>
+              <a:t>5/24/2025</a:t>
             </a:fld>
             <a:endParaRPr lang="en-US"/>
           </a:p>
@@ -2064,7 +2073,7 @@
           <a:p>
             <a:fld id="{1274BF1E-CB95-4284-9B4D-720351FD5384}" type="datetimeFigureOut">
               <a:rPr lang="en-US" smtClean="0"/>
-              <a:t>5/23/2025</a:t>
+              <a:t>5/24/2025</a:t>
             </a:fld>
             <a:endParaRPr lang="en-US"/>
           </a:p>
@@ -2375,7 +2384,7 @@
           <a:p>
             <a:fld id="{1274BF1E-CB95-4284-9B4D-720351FD5384}" type="datetimeFigureOut">
               <a:rPr lang="en-US" smtClean="0"/>
-              <a:t>5/23/2025</a:t>
+              <a:t>5/24/2025</a:t>
             </a:fld>
             <a:endParaRPr lang="en-US"/>
           </a:p>
@@ -2663,7 +2672,7 @@
           <a:p>
             <a:fld id="{1274BF1E-CB95-4284-9B4D-720351FD5384}" type="datetimeFigureOut">
               <a:rPr lang="en-US" smtClean="0"/>
-              <a:t>5/23/2025</a:t>
+              <a:t>5/24/2025</a:t>
             </a:fld>
             <a:endParaRPr lang="en-US"/>
           </a:p>
@@ -2904,7 +2913,7 @@
           <a:p>
             <a:fld id="{1274BF1E-CB95-4284-9B4D-720351FD5384}" type="datetimeFigureOut">
               <a:rPr lang="en-US" smtClean="0"/>
-              <a:t>5/23/2025</a:t>
+              <a:t>5/24/2025</a:t>
             </a:fld>
             <a:endParaRPr lang="en-US"/>
           </a:p>
@@ -3321,6 +3330,2326 @@
           <a:chExt cx="0" cy="0"/>
         </a:xfrm>
       </p:grpSpPr>
+      <p:sp>
+        <p:nvSpPr>
+          <p:cNvPr id="2" name="TextBox 1">
+            <a:extLst>
+              <a:ext uri="{FF2B5EF4-FFF2-40B4-BE49-F238E27FC236}">
+                <a16:creationId xmlns:a16="http://schemas.microsoft.com/office/drawing/2014/main" id="{73848F27-9E02-524C-BD0D-8267EB4471BA}"/>
+              </a:ext>
+            </a:extLst>
+          </p:cNvPr>
+          <p:cNvSpPr txBox="1"/>
+          <p:nvPr/>
+        </p:nvSpPr>
+        <p:spPr>
+          <a:xfrm>
+            <a:off x="470647" y="349624"/>
+            <a:ext cx="1838965" cy="369332"/>
+          </a:xfrm>
+          <a:prstGeom prst="rect">
+            <a:avLst/>
+          </a:prstGeom>
+          <a:noFill/>
+        </p:spPr>
+        <p:txBody>
+          <a:bodyPr wrap="none" rtlCol="0">
+            <a:spAutoFit/>
+          </a:bodyPr>
+          <a:lstStyle/>
+          <a:p>
+            <a:r>
+              <a:rPr lang="en-US" b="1" dirty="0" err="1">
+                <a:latin typeface="Times New Roman" panose="02020603050405020304" pitchFamily="18" charset="0"/>
+                <a:cs typeface="Times New Roman" panose="02020603050405020304" pitchFamily="18" charset="0"/>
+              </a:rPr>
+              <a:t>Sơ</a:t>
+            </a:r>
+            <a:r>
+              <a:rPr lang="en-US" b="1" dirty="0">
+                <a:latin typeface="Times New Roman" panose="02020603050405020304" pitchFamily="18" charset="0"/>
+                <a:cs typeface="Times New Roman" panose="02020603050405020304" pitchFamily="18" charset="0"/>
+              </a:rPr>
+              <a:t> </a:t>
+            </a:r>
+            <a:r>
+              <a:rPr lang="en-US" b="1" dirty="0" err="1">
+                <a:latin typeface="Times New Roman" panose="02020603050405020304" pitchFamily="18" charset="0"/>
+                <a:cs typeface="Times New Roman" panose="02020603050405020304" pitchFamily="18" charset="0"/>
+              </a:rPr>
+              <a:t>đồ</a:t>
+            </a:r>
+            <a:r>
+              <a:rPr lang="en-US" b="1" dirty="0">
+                <a:latin typeface="Times New Roman" panose="02020603050405020304" pitchFamily="18" charset="0"/>
+                <a:cs typeface="Times New Roman" panose="02020603050405020304" pitchFamily="18" charset="0"/>
+              </a:rPr>
+              <a:t> pp </a:t>
+            </a:r>
+            <a:r>
+              <a:rPr lang="en-US" b="1" dirty="0" err="1">
+                <a:latin typeface="Times New Roman" panose="02020603050405020304" pitchFamily="18" charset="0"/>
+                <a:cs typeface="Times New Roman" panose="02020603050405020304" pitchFamily="18" charset="0"/>
+              </a:rPr>
+              <a:t>đề</a:t>
+            </a:r>
+            <a:r>
+              <a:rPr lang="en-US" b="1" dirty="0">
+                <a:latin typeface="Times New Roman" panose="02020603050405020304" pitchFamily="18" charset="0"/>
+                <a:cs typeface="Times New Roman" panose="02020603050405020304" pitchFamily="18" charset="0"/>
+              </a:rPr>
+              <a:t> </a:t>
+            </a:r>
+            <a:r>
+              <a:rPr lang="en-US" b="1" dirty="0" err="1">
+                <a:latin typeface="Times New Roman" panose="02020603050405020304" pitchFamily="18" charset="0"/>
+                <a:cs typeface="Times New Roman" panose="02020603050405020304" pitchFamily="18" charset="0"/>
+              </a:rPr>
+              <a:t>xuất</a:t>
+            </a:r>
+            <a:endParaRPr lang="en-US" b="1" dirty="0">
+              <a:latin typeface="Times New Roman" panose="02020603050405020304" pitchFamily="18" charset="0"/>
+              <a:cs typeface="Times New Roman" panose="02020603050405020304" pitchFamily="18" charset="0"/>
+            </a:endParaRPr>
+          </a:p>
+        </p:txBody>
+      </p:sp>
+      <p:sp>
+        <p:nvSpPr>
+          <p:cNvPr id="5" name="Rectangle: Rounded Corners 4">
+            <a:extLst>
+              <a:ext uri="{FF2B5EF4-FFF2-40B4-BE49-F238E27FC236}">
+                <a16:creationId xmlns:a16="http://schemas.microsoft.com/office/drawing/2014/main" id="{4C53F684-CADB-23ED-A84A-15C9C0DCBACB}"/>
+              </a:ext>
+            </a:extLst>
+          </p:cNvPr>
+          <p:cNvSpPr/>
+          <p:nvPr/>
+        </p:nvSpPr>
+        <p:spPr>
+          <a:xfrm>
+            <a:off x="9784977" y="367656"/>
+            <a:ext cx="1936376" cy="621928"/>
+          </a:xfrm>
+          <a:prstGeom prst="roundRect">
+            <a:avLst/>
+          </a:prstGeom>
+          <a:ln>
+            <a:solidFill>
+              <a:schemeClr val="bg2">
+                <a:lumMod val="75000"/>
+              </a:schemeClr>
+            </a:solidFill>
+          </a:ln>
+        </p:spPr>
+        <p:style>
+          <a:lnRef idx="2">
+            <a:schemeClr val="accent6"/>
+          </a:lnRef>
+          <a:fillRef idx="1">
+            <a:schemeClr val="lt1"/>
+          </a:fillRef>
+          <a:effectRef idx="0">
+            <a:schemeClr val="accent6"/>
+          </a:effectRef>
+          <a:fontRef idx="minor">
+            <a:schemeClr val="dk1"/>
+          </a:fontRef>
+        </p:style>
+        <p:txBody>
+          <a:bodyPr rtlCol="0" anchor="ctr"/>
+          <a:lstStyle/>
+          <a:p>
+            <a:pPr algn="ctr"/>
+            <a:r>
+              <a:rPr lang="en-US" sz="1400" dirty="0" err="1">
+                <a:latin typeface="Times New Roman" panose="02020603050405020304" pitchFamily="18" charset="0"/>
+                <a:cs typeface="Times New Roman" panose="02020603050405020304" pitchFamily="18" charset="0"/>
+              </a:rPr>
+              <a:t>Đánh</a:t>
+            </a:r>
+            <a:r>
+              <a:rPr lang="en-US" sz="1400" dirty="0">
+                <a:latin typeface="Times New Roman" panose="02020603050405020304" pitchFamily="18" charset="0"/>
+                <a:cs typeface="Times New Roman" panose="02020603050405020304" pitchFamily="18" charset="0"/>
+              </a:rPr>
+              <a:t> </a:t>
+            </a:r>
+            <a:r>
+              <a:rPr lang="en-US" sz="1400" dirty="0" err="1">
+                <a:latin typeface="Times New Roman" panose="02020603050405020304" pitchFamily="18" charset="0"/>
+                <a:cs typeface="Times New Roman" panose="02020603050405020304" pitchFamily="18" charset="0"/>
+              </a:rPr>
+              <a:t>giá</a:t>
+            </a:r>
+            <a:r>
+              <a:rPr lang="en-US" sz="1400" dirty="0">
+                <a:latin typeface="Times New Roman" panose="02020603050405020304" pitchFamily="18" charset="0"/>
+                <a:cs typeface="Times New Roman" panose="02020603050405020304" pitchFamily="18" charset="0"/>
+              </a:rPr>
+              <a:t> </a:t>
+            </a:r>
+            <a:r>
+              <a:rPr lang="en-US" sz="1400" dirty="0" err="1">
+                <a:latin typeface="Times New Roman" panose="02020603050405020304" pitchFamily="18" charset="0"/>
+                <a:cs typeface="Times New Roman" panose="02020603050405020304" pitchFamily="18" charset="0"/>
+              </a:rPr>
+              <a:t>mô</a:t>
+            </a:r>
+            <a:r>
+              <a:rPr lang="en-US" sz="1400" dirty="0">
+                <a:latin typeface="Times New Roman" panose="02020603050405020304" pitchFamily="18" charset="0"/>
+                <a:cs typeface="Times New Roman" panose="02020603050405020304" pitchFamily="18" charset="0"/>
+              </a:rPr>
+              <a:t> </a:t>
+            </a:r>
+            <a:r>
+              <a:rPr lang="en-US" sz="1400" dirty="0" err="1">
+                <a:latin typeface="Times New Roman" panose="02020603050405020304" pitchFamily="18" charset="0"/>
+                <a:cs typeface="Times New Roman" panose="02020603050405020304" pitchFamily="18" charset="0"/>
+              </a:rPr>
+              <a:t>hình</a:t>
+            </a:r>
+            <a:endParaRPr lang="en-US" sz="1400" dirty="0">
+              <a:latin typeface="Times New Roman" panose="02020603050405020304" pitchFamily="18" charset="0"/>
+              <a:cs typeface="Times New Roman" panose="02020603050405020304" pitchFamily="18" charset="0"/>
+            </a:endParaRPr>
+          </a:p>
+          <a:p>
+            <a:pPr algn="ctr"/>
+            <a:r>
+              <a:rPr lang="en-US" sz="1400" dirty="0">
+                <a:latin typeface="Times New Roman" panose="02020603050405020304" pitchFamily="18" charset="0"/>
+                <a:cs typeface="Times New Roman" panose="02020603050405020304" pitchFamily="18" charset="0"/>
+              </a:rPr>
+              <a:t>tokenization</a:t>
+            </a:r>
+          </a:p>
+        </p:txBody>
+      </p:sp>
+      <p:sp>
+        <p:nvSpPr>
+          <p:cNvPr id="6" name="Rectangle: Rounded Corners 5">
+            <a:extLst>
+              <a:ext uri="{FF2B5EF4-FFF2-40B4-BE49-F238E27FC236}">
+                <a16:creationId xmlns:a16="http://schemas.microsoft.com/office/drawing/2014/main" id="{43506012-F42C-6E7E-895E-7031032EF19C}"/>
+              </a:ext>
+            </a:extLst>
+          </p:cNvPr>
+          <p:cNvSpPr/>
+          <p:nvPr/>
+        </p:nvSpPr>
+        <p:spPr>
+          <a:xfrm>
+            <a:off x="9784977" y="2019306"/>
+            <a:ext cx="1936376" cy="621928"/>
+          </a:xfrm>
+          <a:prstGeom prst="roundRect">
+            <a:avLst/>
+          </a:prstGeom>
+          <a:ln>
+            <a:solidFill>
+              <a:schemeClr val="bg2">
+                <a:lumMod val="75000"/>
+              </a:schemeClr>
+            </a:solidFill>
+          </a:ln>
+        </p:spPr>
+        <p:style>
+          <a:lnRef idx="2">
+            <a:schemeClr val="accent6"/>
+          </a:lnRef>
+          <a:fillRef idx="1">
+            <a:schemeClr val="lt1"/>
+          </a:fillRef>
+          <a:effectRef idx="0">
+            <a:schemeClr val="accent6"/>
+          </a:effectRef>
+          <a:fontRef idx="minor">
+            <a:schemeClr val="dk1"/>
+          </a:fontRef>
+        </p:style>
+        <p:txBody>
+          <a:bodyPr rtlCol="0" anchor="ctr"/>
+          <a:lstStyle/>
+          <a:p>
+            <a:pPr algn="ctr"/>
+            <a:r>
+              <a:rPr lang="en-US" sz="1400" dirty="0" err="1">
+                <a:latin typeface="Times New Roman" panose="02020603050405020304" pitchFamily="18" charset="0"/>
+                <a:cs typeface="Times New Roman" panose="02020603050405020304" pitchFamily="18" charset="0"/>
+              </a:rPr>
+              <a:t>Đánh</a:t>
+            </a:r>
+            <a:r>
+              <a:rPr lang="en-US" sz="1400" dirty="0">
+                <a:latin typeface="Times New Roman" panose="02020603050405020304" pitchFamily="18" charset="0"/>
+                <a:cs typeface="Times New Roman" panose="02020603050405020304" pitchFamily="18" charset="0"/>
+              </a:rPr>
+              <a:t> </a:t>
+            </a:r>
+            <a:r>
+              <a:rPr lang="en-US" sz="1400" dirty="0" err="1">
+                <a:latin typeface="Times New Roman" panose="02020603050405020304" pitchFamily="18" charset="0"/>
+                <a:cs typeface="Times New Roman" panose="02020603050405020304" pitchFamily="18" charset="0"/>
+              </a:rPr>
+              <a:t>giá</a:t>
+            </a:r>
+            <a:r>
+              <a:rPr lang="en-US" sz="1400" dirty="0">
+                <a:latin typeface="Times New Roman" panose="02020603050405020304" pitchFamily="18" charset="0"/>
+                <a:cs typeface="Times New Roman" panose="02020603050405020304" pitchFamily="18" charset="0"/>
+              </a:rPr>
+              <a:t> </a:t>
+            </a:r>
+            <a:r>
+              <a:rPr lang="en-US" sz="1400" dirty="0" err="1">
+                <a:latin typeface="Times New Roman" panose="02020603050405020304" pitchFamily="18" charset="0"/>
+                <a:cs typeface="Times New Roman" panose="02020603050405020304" pitchFamily="18" charset="0"/>
+              </a:rPr>
+              <a:t>mô</a:t>
+            </a:r>
+            <a:r>
+              <a:rPr lang="en-US" sz="1400" dirty="0">
+                <a:latin typeface="Times New Roman" panose="02020603050405020304" pitchFamily="18" charset="0"/>
+                <a:cs typeface="Times New Roman" panose="02020603050405020304" pitchFamily="18" charset="0"/>
+              </a:rPr>
+              <a:t> </a:t>
+            </a:r>
+            <a:r>
+              <a:rPr lang="en-US" sz="1400" dirty="0" err="1">
+                <a:latin typeface="Times New Roman" panose="02020603050405020304" pitchFamily="18" charset="0"/>
+                <a:cs typeface="Times New Roman" panose="02020603050405020304" pitchFamily="18" charset="0"/>
+              </a:rPr>
+              <a:t>hình</a:t>
+            </a:r>
+            <a:endParaRPr lang="en-US" sz="1400" dirty="0">
+              <a:latin typeface="Times New Roman" panose="02020603050405020304" pitchFamily="18" charset="0"/>
+              <a:cs typeface="Times New Roman" panose="02020603050405020304" pitchFamily="18" charset="0"/>
+            </a:endParaRPr>
+          </a:p>
+          <a:p>
+            <a:pPr algn="ctr"/>
+            <a:r>
+              <a:rPr lang="en-US" sz="1400" dirty="0">
+                <a:latin typeface="Times New Roman" panose="02020603050405020304" pitchFamily="18" charset="0"/>
+                <a:cs typeface="Times New Roman" panose="02020603050405020304" pitchFamily="18" charset="0"/>
+              </a:rPr>
+              <a:t>embedding</a:t>
+            </a:r>
+          </a:p>
+        </p:txBody>
+      </p:sp>
+      <p:sp>
+        <p:nvSpPr>
+          <p:cNvPr id="7" name="Rectangle: Rounded Corners 6">
+            <a:extLst>
+              <a:ext uri="{FF2B5EF4-FFF2-40B4-BE49-F238E27FC236}">
+                <a16:creationId xmlns:a16="http://schemas.microsoft.com/office/drawing/2014/main" id="{B3C3D5F3-8156-2DF9-F403-84583266D6BC}"/>
+              </a:ext>
+            </a:extLst>
+          </p:cNvPr>
+          <p:cNvSpPr/>
+          <p:nvPr/>
+        </p:nvSpPr>
+        <p:spPr>
+          <a:xfrm>
+            <a:off x="9784977" y="3255786"/>
+            <a:ext cx="1936376" cy="616890"/>
+          </a:xfrm>
+          <a:prstGeom prst="roundRect">
+            <a:avLst/>
+          </a:prstGeom>
+          <a:ln>
+            <a:solidFill>
+              <a:schemeClr val="bg2">
+                <a:lumMod val="75000"/>
+              </a:schemeClr>
+            </a:solidFill>
+          </a:ln>
+        </p:spPr>
+        <p:style>
+          <a:lnRef idx="2">
+            <a:schemeClr val="accent6"/>
+          </a:lnRef>
+          <a:fillRef idx="1">
+            <a:schemeClr val="lt1"/>
+          </a:fillRef>
+          <a:effectRef idx="0">
+            <a:schemeClr val="accent6"/>
+          </a:effectRef>
+          <a:fontRef idx="minor">
+            <a:schemeClr val="dk1"/>
+          </a:fontRef>
+        </p:style>
+        <p:txBody>
+          <a:bodyPr rtlCol="0" anchor="ctr"/>
+          <a:lstStyle/>
+          <a:p>
+            <a:pPr algn="ctr"/>
+            <a:r>
+              <a:rPr lang="en-US" sz="1400" dirty="0" err="1">
+                <a:latin typeface="Times New Roman" panose="02020603050405020304" pitchFamily="18" charset="0"/>
+                <a:cs typeface="Times New Roman" panose="02020603050405020304" pitchFamily="18" charset="0"/>
+              </a:rPr>
+              <a:t>Đánh</a:t>
+            </a:r>
+            <a:r>
+              <a:rPr lang="en-US" sz="1400" dirty="0">
+                <a:latin typeface="Times New Roman" panose="02020603050405020304" pitchFamily="18" charset="0"/>
+                <a:cs typeface="Times New Roman" panose="02020603050405020304" pitchFamily="18" charset="0"/>
+              </a:rPr>
+              <a:t> </a:t>
+            </a:r>
+            <a:r>
+              <a:rPr lang="en-US" sz="1400" dirty="0" err="1">
+                <a:latin typeface="Times New Roman" panose="02020603050405020304" pitchFamily="18" charset="0"/>
+                <a:cs typeface="Times New Roman" panose="02020603050405020304" pitchFamily="18" charset="0"/>
+              </a:rPr>
+              <a:t>giá</a:t>
+            </a:r>
+            <a:r>
+              <a:rPr lang="en-US" sz="1400" dirty="0">
+                <a:latin typeface="Times New Roman" panose="02020603050405020304" pitchFamily="18" charset="0"/>
+                <a:cs typeface="Times New Roman" panose="02020603050405020304" pitchFamily="18" charset="0"/>
+              </a:rPr>
+              <a:t> </a:t>
+            </a:r>
+            <a:r>
+              <a:rPr lang="en-US" sz="1400" dirty="0" err="1">
+                <a:latin typeface="Times New Roman" panose="02020603050405020304" pitchFamily="18" charset="0"/>
+                <a:cs typeface="Times New Roman" panose="02020603050405020304" pitchFamily="18" charset="0"/>
+              </a:rPr>
+              <a:t>độ</a:t>
+            </a:r>
+            <a:r>
+              <a:rPr lang="en-US" sz="1400" dirty="0">
+                <a:latin typeface="Times New Roman" panose="02020603050405020304" pitchFamily="18" charset="0"/>
+                <a:cs typeface="Times New Roman" panose="02020603050405020304" pitchFamily="18" charset="0"/>
+              </a:rPr>
+              <a:t> </a:t>
+            </a:r>
+            <a:r>
+              <a:rPr lang="en-US" sz="1400" dirty="0" err="1">
+                <a:latin typeface="Times New Roman" panose="02020603050405020304" pitchFamily="18" charset="0"/>
+                <a:cs typeface="Times New Roman" panose="02020603050405020304" pitchFamily="18" charset="0"/>
+              </a:rPr>
+              <a:t>dài</a:t>
+            </a:r>
+            <a:r>
+              <a:rPr lang="en-US" sz="1400" dirty="0">
+                <a:latin typeface="Times New Roman" panose="02020603050405020304" pitchFamily="18" charset="0"/>
+                <a:cs typeface="Times New Roman" panose="02020603050405020304" pitchFamily="18" charset="0"/>
+              </a:rPr>
+              <a:t> </a:t>
+            </a:r>
+            <a:r>
+              <a:rPr lang="en-US" sz="1400" dirty="0" err="1">
+                <a:latin typeface="Times New Roman" panose="02020603050405020304" pitchFamily="18" charset="0"/>
+                <a:cs typeface="Times New Roman" panose="02020603050405020304" pitchFamily="18" charset="0"/>
+              </a:rPr>
+              <a:t>tối</a:t>
+            </a:r>
+            <a:r>
+              <a:rPr lang="en-US" sz="1400" dirty="0">
+                <a:latin typeface="Times New Roman" panose="02020603050405020304" pitchFamily="18" charset="0"/>
+                <a:cs typeface="Times New Roman" panose="02020603050405020304" pitchFamily="18" charset="0"/>
+              </a:rPr>
+              <a:t> </a:t>
+            </a:r>
+            <a:r>
+              <a:rPr lang="en-US" sz="1400" dirty="0" err="1">
+                <a:latin typeface="Times New Roman" panose="02020603050405020304" pitchFamily="18" charset="0"/>
+                <a:cs typeface="Times New Roman" panose="02020603050405020304" pitchFamily="18" charset="0"/>
+              </a:rPr>
+              <a:t>đa</a:t>
+            </a:r>
+            <a:r>
+              <a:rPr lang="en-US" sz="1400" dirty="0">
+                <a:latin typeface="Times New Roman" panose="02020603050405020304" pitchFamily="18" charset="0"/>
+                <a:cs typeface="Times New Roman" panose="02020603050405020304" pitchFamily="18" charset="0"/>
+              </a:rPr>
+              <a:t> </a:t>
+            </a:r>
+            <a:r>
+              <a:rPr lang="en-US" sz="1400" dirty="0" err="1">
+                <a:latin typeface="Times New Roman" panose="02020603050405020304" pitchFamily="18" charset="0"/>
+                <a:cs typeface="Times New Roman" panose="02020603050405020304" pitchFamily="18" charset="0"/>
+              </a:rPr>
+              <a:t>tốt</a:t>
+            </a:r>
+            <a:r>
+              <a:rPr lang="en-US" sz="1400" dirty="0">
+                <a:latin typeface="Times New Roman" panose="02020603050405020304" pitchFamily="18" charset="0"/>
+                <a:cs typeface="Times New Roman" panose="02020603050405020304" pitchFamily="18" charset="0"/>
+              </a:rPr>
+              <a:t> </a:t>
+            </a:r>
+            <a:r>
+              <a:rPr lang="en-US" sz="1400" dirty="0" err="1">
+                <a:latin typeface="Times New Roman" panose="02020603050405020304" pitchFamily="18" charset="0"/>
+                <a:cs typeface="Times New Roman" panose="02020603050405020304" pitchFamily="18" charset="0"/>
+              </a:rPr>
+              <a:t>nhất</a:t>
+            </a:r>
+            <a:r>
+              <a:rPr lang="en-US" sz="1400" dirty="0">
+                <a:latin typeface="Times New Roman" panose="02020603050405020304" pitchFamily="18" charset="0"/>
+                <a:cs typeface="Times New Roman" panose="02020603050405020304" pitchFamily="18" charset="0"/>
+              </a:rPr>
+              <a:t> </a:t>
+            </a:r>
+            <a:r>
+              <a:rPr lang="en-US" sz="1400" dirty="0" err="1">
+                <a:latin typeface="Times New Roman" panose="02020603050405020304" pitchFamily="18" charset="0"/>
+                <a:cs typeface="Times New Roman" panose="02020603050405020304" pitchFamily="18" charset="0"/>
+              </a:rPr>
+              <a:t>cho</a:t>
+            </a:r>
+            <a:r>
+              <a:rPr lang="en-US" sz="1400" dirty="0">
+                <a:latin typeface="Times New Roman" panose="02020603050405020304" pitchFamily="18" charset="0"/>
+                <a:cs typeface="Times New Roman" panose="02020603050405020304" pitchFamily="18" charset="0"/>
+              </a:rPr>
+              <a:t> </a:t>
+            </a:r>
+            <a:r>
+              <a:rPr lang="en-US" sz="1400" dirty="0" err="1">
+                <a:latin typeface="Times New Roman" panose="02020603050405020304" pitchFamily="18" charset="0"/>
+                <a:cs typeface="Times New Roman" panose="02020603050405020304" pitchFamily="18" charset="0"/>
+              </a:rPr>
+              <a:t>phân</a:t>
+            </a:r>
+            <a:r>
+              <a:rPr lang="en-US" sz="1400" dirty="0">
+                <a:latin typeface="Times New Roman" panose="02020603050405020304" pitchFamily="18" charset="0"/>
+                <a:cs typeface="Times New Roman" panose="02020603050405020304" pitchFamily="18" charset="0"/>
+              </a:rPr>
+              <a:t> </a:t>
+            </a:r>
+            <a:r>
+              <a:rPr lang="en-US" sz="1400" dirty="0" err="1">
+                <a:latin typeface="Times New Roman" panose="02020603050405020304" pitchFamily="18" charset="0"/>
+                <a:cs typeface="Times New Roman" panose="02020603050405020304" pitchFamily="18" charset="0"/>
+              </a:rPr>
+              <a:t>đoạn</a:t>
+            </a:r>
+            <a:endParaRPr lang="en-US" sz="1400" dirty="0">
+              <a:latin typeface="Times New Roman" panose="02020603050405020304" pitchFamily="18" charset="0"/>
+              <a:cs typeface="Times New Roman" panose="02020603050405020304" pitchFamily="18" charset="0"/>
+            </a:endParaRPr>
+          </a:p>
+        </p:txBody>
+      </p:sp>
+      <p:sp>
+        <p:nvSpPr>
+          <p:cNvPr id="8" name="Rectangle: Rounded Corners 7">
+            <a:extLst>
+              <a:ext uri="{FF2B5EF4-FFF2-40B4-BE49-F238E27FC236}">
+                <a16:creationId xmlns:a16="http://schemas.microsoft.com/office/drawing/2014/main" id="{D37418CE-22B3-0FFE-480A-E08203B38E07}"/>
+              </a:ext>
+            </a:extLst>
+          </p:cNvPr>
+          <p:cNvSpPr/>
+          <p:nvPr/>
+        </p:nvSpPr>
+        <p:spPr>
+          <a:xfrm>
+            <a:off x="7464335" y="2640064"/>
+            <a:ext cx="1498507" cy="616890"/>
+          </a:xfrm>
+          <a:prstGeom prst="roundRect">
+            <a:avLst/>
+          </a:prstGeom>
+          <a:ln>
+            <a:solidFill>
+              <a:schemeClr val="bg2">
+                <a:lumMod val="75000"/>
+              </a:schemeClr>
+            </a:solidFill>
+          </a:ln>
+        </p:spPr>
+        <p:style>
+          <a:lnRef idx="2">
+            <a:schemeClr val="accent6"/>
+          </a:lnRef>
+          <a:fillRef idx="1">
+            <a:schemeClr val="lt1"/>
+          </a:fillRef>
+          <a:effectRef idx="0">
+            <a:schemeClr val="accent6"/>
+          </a:effectRef>
+          <a:fontRef idx="minor">
+            <a:schemeClr val="dk1"/>
+          </a:fontRef>
+        </p:style>
+        <p:txBody>
+          <a:bodyPr rtlCol="0" anchor="ctr"/>
+          <a:lstStyle/>
+          <a:p>
+            <a:pPr algn="ctr"/>
+            <a:r>
+              <a:rPr lang="en-US" sz="1400" dirty="0">
+                <a:latin typeface="Times New Roman" panose="02020603050405020304" pitchFamily="18" charset="0"/>
+                <a:cs typeface="Times New Roman" panose="02020603050405020304" pitchFamily="18" charset="0"/>
+              </a:rPr>
+              <a:t>Embedding</a:t>
+            </a:r>
+          </a:p>
+          <a:p>
+            <a:pPr algn="ctr"/>
+            <a:r>
+              <a:rPr lang="en-US" sz="1400" dirty="0" err="1">
+                <a:latin typeface="Times New Roman" panose="02020603050405020304" pitchFamily="18" charset="0"/>
+                <a:cs typeface="Times New Roman" panose="02020603050405020304" pitchFamily="18" charset="0"/>
+              </a:rPr>
+              <a:t>dữ</a:t>
+            </a:r>
+            <a:r>
+              <a:rPr lang="en-US" sz="1400" dirty="0">
+                <a:latin typeface="Times New Roman" panose="02020603050405020304" pitchFamily="18" charset="0"/>
+                <a:cs typeface="Times New Roman" panose="02020603050405020304" pitchFamily="18" charset="0"/>
+              </a:rPr>
+              <a:t> </a:t>
+            </a:r>
+            <a:r>
+              <a:rPr lang="en-US" sz="1400" dirty="0" err="1">
+                <a:latin typeface="Times New Roman" panose="02020603050405020304" pitchFamily="18" charset="0"/>
+                <a:cs typeface="Times New Roman" panose="02020603050405020304" pitchFamily="18" charset="0"/>
+              </a:rPr>
+              <a:t>liệu</a:t>
+            </a:r>
+            <a:endParaRPr lang="en-US" sz="1400" dirty="0">
+              <a:latin typeface="Times New Roman" panose="02020603050405020304" pitchFamily="18" charset="0"/>
+              <a:cs typeface="Times New Roman" panose="02020603050405020304" pitchFamily="18" charset="0"/>
+            </a:endParaRPr>
+          </a:p>
+        </p:txBody>
+      </p:sp>
+      <p:sp>
+        <p:nvSpPr>
+          <p:cNvPr id="9" name="Rectangle: Rounded Corners 8">
+            <a:extLst>
+              <a:ext uri="{FF2B5EF4-FFF2-40B4-BE49-F238E27FC236}">
+                <a16:creationId xmlns:a16="http://schemas.microsoft.com/office/drawing/2014/main" id="{637A3E2C-DFA4-FB1B-DC0F-8D8321EE7010}"/>
+              </a:ext>
+            </a:extLst>
+          </p:cNvPr>
+          <p:cNvSpPr/>
+          <p:nvPr/>
+        </p:nvSpPr>
+        <p:spPr>
+          <a:xfrm>
+            <a:off x="7454899" y="4174870"/>
+            <a:ext cx="1498507" cy="616890"/>
+          </a:xfrm>
+          <a:prstGeom prst="roundRect">
+            <a:avLst/>
+          </a:prstGeom>
+          <a:ln>
+            <a:solidFill>
+              <a:schemeClr val="bg2">
+                <a:lumMod val="75000"/>
+              </a:schemeClr>
+            </a:solidFill>
+          </a:ln>
+        </p:spPr>
+        <p:style>
+          <a:lnRef idx="2">
+            <a:schemeClr val="accent6"/>
+          </a:lnRef>
+          <a:fillRef idx="1">
+            <a:schemeClr val="lt1"/>
+          </a:fillRef>
+          <a:effectRef idx="0">
+            <a:schemeClr val="accent6"/>
+          </a:effectRef>
+          <a:fontRef idx="minor">
+            <a:schemeClr val="dk1"/>
+          </a:fontRef>
+        </p:style>
+        <p:txBody>
+          <a:bodyPr rtlCol="0" anchor="ctr"/>
+          <a:lstStyle/>
+          <a:p>
+            <a:pPr algn="ctr"/>
+            <a:r>
+              <a:rPr lang="en-US" sz="1400" dirty="0" err="1">
+                <a:latin typeface="Times New Roman" panose="02020603050405020304" pitchFamily="18" charset="0"/>
+                <a:cs typeface="Times New Roman" panose="02020603050405020304" pitchFamily="18" charset="0"/>
+              </a:rPr>
+              <a:t>Xử</a:t>
+            </a:r>
+            <a:r>
+              <a:rPr lang="en-US" sz="1400" dirty="0">
+                <a:latin typeface="Times New Roman" panose="02020603050405020304" pitchFamily="18" charset="0"/>
+                <a:cs typeface="Times New Roman" panose="02020603050405020304" pitchFamily="18" charset="0"/>
+              </a:rPr>
+              <a:t> </a:t>
+            </a:r>
+            <a:r>
+              <a:rPr lang="en-US" sz="1400" dirty="0" err="1">
+                <a:latin typeface="Times New Roman" panose="02020603050405020304" pitchFamily="18" charset="0"/>
+                <a:cs typeface="Times New Roman" panose="02020603050405020304" pitchFamily="18" charset="0"/>
+              </a:rPr>
+              <a:t>lý</a:t>
+            </a:r>
+            <a:r>
+              <a:rPr lang="en-US" sz="1400" dirty="0">
+                <a:latin typeface="Times New Roman" panose="02020603050405020304" pitchFamily="18" charset="0"/>
+                <a:cs typeface="Times New Roman" panose="02020603050405020304" pitchFamily="18" charset="0"/>
+              </a:rPr>
+              <a:t> </a:t>
+            </a:r>
+            <a:r>
+              <a:rPr lang="en-US" sz="1400" dirty="0" err="1">
+                <a:latin typeface="Times New Roman" panose="02020603050405020304" pitchFamily="18" charset="0"/>
+                <a:cs typeface="Times New Roman" panose="02020603050405020304" pitchFamily="18" charset="0"/>
+              </a:rPr>
+              <a:t>dữ</a:t>
+            </a:r>
+            <a:r>
+              <a:rPr lang="en-US" sz="1400" dirty="0">
+                <a:latin typeface="Times New Roman" panose="02020603050405020304" pitchFamily="18" charset="0"/>
+                <a:cs typeface="Times New Roman" panose="02020603050405020304" pitchFamily="18" charset="0"/>
+              </a:rPr>
+              <a:t> </a:t>
+            </a:r>
+            <a:r>
+              <a:rPr lang="en-US" sz="1400" dirty="0" err="1">
+                <a:latin typeface="Times New Roman" panose="02020603050405020304" pitchFamily="18" charset="0"/>
+                <a:cs typeface="Times New Roman" panose="02020603050405020304" pitchFamily="18" charset="0"/>
+              </a:rPr>
+              <a:t>liệu</a:t>
+            </a:r>
+            <a:r>
+              <a:rPr lang="en-US" sz="1400" dirty="0">
+                <a:latin typeface="Times New Roman" panose="02020603050405020304" pitchFamily="18" charset="0"/>
+                <a:cs typeface="Times New Roman" panose="02020603050405020304" pitchFamily="18" charset="0"/>
+              </a:rPr>
+              <a:t> </a:t>
+            </a:r>
+            <a:r>
+              <a:rPr lang="en-US" sz="1400" dirty="0" err="1">
+                <a:latin typeface="Times New Roman" panose="02020603050405020304" pitchFamily="18" charset="0"/>
+                <a:cs typeface="Times New Roman" panose="02020603050405020304" pitchFamily="18" charset="0"/>
+              </a:rPr>
+              <a:t>tại</a:t>
+            </a:r>
+            <a:endParaRPr lang="en-US" sz="1400" dirty="0">
+              <a:latin typeface="Times New Roman" panose="02020603050405020304" pitchFamily="18" charset="0"/>
+              <a:cs typeface="Times New Roman" panose="02020603050405020304" pitchFamily="18" charset="0"/>
+            </a:endParaRPr>
+          </a:p>
+          <a:p>
+            <a:pPr algn="ctr"/>
+            <a:r>
+              <a:rPr lang="en-US" sz="1400" dirty="0" err="1">
+                <a:latin typeface="Times New Roman" panose="02020603050405020304" pitchFamily="18" charset="0"/>
+                <a:cs typeface="Times New Roman" panose="02020603050405020304" pitchFamily="18" charset="0"/>
+              </a:rPr>
+              <a:t>kho</a:t>
+            </a:r>
+            <a:r>
+              <a:rPr lang="en-US" sz="1400" dirty="0">
+                <a:latin typeface="Times New Roman" panose="02020603050405020304" pitchFamily="18" charset="0"/>
+                <a:cs typeface="Times New Roman" panose="02020603050405020304" pitchFamily="18" charset="0"/>
+              </a:rPr>
+              <a:t> </a:t>
+            </a:r>
+            <a:r>
+              <a:rPr lang="en-US" sz="1400" dirty="0" err="1">
+                <a:latin typeface="Times New Roman" panose="02020603050405020304" pitchFamily="18" charset="0"/>
+                <a:cs typeface="Times New Roman" panose="02020603050405020304" pitchFamily="18" charset="0"/>
+              </a:rPr>
+              <a:t>tài</a:t>
+            </a:r>
+            <a:r>
+              <a:rPr lang="en-US" sz="1400" dirty="0">
+                <a:latin typeface="Times New Roman" panose="02020603050405020304" pitchFamily="18" charset="0"/>
+                <a:cs typeface="Times New Roman" panose="02020603050405020304" pitchFamily="18" charset="0"/>
+              </a:rPr>
+              <a:t> </a:t>
+            </a:r>
+            <a:r>
+              <a:rPr lang="en-US" sz="1400" dirty="0" err="1">
+                <a:latin typeface="Times New Roman" panose="02020603050405020304" pitchFamily="18" charset="0"/>
+                <a:cs typeface="Times New Roman" panose="02020603050405020304" pitchFamily="18" charset="0"/>
+              </a:rPr>
+              <a:t>liệu</a:t>
+            </a:r>
+            <a:endParaRPr lang="en-US" sz="1400" dirty="0">
+              <a:latin typeface="Times New Roman" panose="02020603050405020304" pitchFamily="18" charset="0"/>
+              <a:cs typeface="Times New Roman" panose="02020603050405020304" pitchFamily="18" charset="0"/>
+            </a:endParaRPr>
+          </a:p>
+        </p:txBody>
+      </p:sp>
+      <p:sp>
+        <p:nvSpPr>
+          <p:cNvPr id="10" name="Rectangle: Rounded Corners 9">
+            <a:extLst>
+              <a:ext uri="{FF2B5EF4-FFF2-40B4-BE49-F238E27FC236}">
+                <a16:creationId xmlns:a16="http://schemas.microsoft.com/office/drawing/2014/main" id="{841B3820-D328-1DBF-5AB7-5083902FA8A9}"/>
+              </a:ext>
+            </a:extLst>
+          </p:cNvPr>
+          <p:cNvSpPr/>
+          <p:nvPr/>
+        </p:nvSpPr>
+        <p:spPr>
+          <a:xfrm>
+            <a:off x="5149895" y="367656"/>
+            <a:ext cx="1498507" cy="621928"/>
+          </a:xfrm>
+          <a:prstGeom prst="roundRect">
+            <a:avLst/>
+          </a:prstGeom>
+          <a:ln>
+            <a:solidFill>
+              <a:schemeClr val="bg2">
+                <a:lumMod val="75000"/>
+              </a:schemeClr>
+            </a:solidFill>
+          </a:ln>
+        </p:spPr>
+        <p:style>
+          <a:lnRef idx="2">
+            <a:schemeClr val="accent6"/>
+          </a:lnRef>
+          <a:fillRef idx="1">
+            <a:schemeClr val="lt1"/>
+          </a:fillRef>
+          <a:effectRef idx="0">
+            <a:schemeClr val="accent6"/>
+          </a:effectRef>
+          <a:fontRef idx="minor">
+            <a:schemeClr val="dk1"/>
+          </a:fontRef>
+        </p:style>
+        <p:txBody>
+          <a:bodyPr rtlCol="0" anchor="ctr"/>
+          <a:lstStyle/>
+          <a:p>
+            <a:pPr algn="ctr"/>
+            <a:r>
+              <a:rPr lang="en-US" sz="1400" dirty="0">
+                <a:latin typeface="Times New Roman" panose="02020603050405020304" pitchFamily="18" charset="0"/>
+                <a:cs typeface="Times New Roman" panose="02020603050405020304" pitchFamily="18" charset="0"/>
+              </a:rPr>
+              <a:t>Thu </a:t>
+            </a:r>
+            <a:r>
+              <a:rPr lang="en-US" sz="1400" dirty="0" err="1">
+                <a:latin typeface="Times New Roman" panose="02020603050405020304" pitchFamily="18" charset="0"/>
+                <a:cs typeface="Times New Roman" panose="02020603050405020304" pitchFamily="18" charset="0"/>
+              </a:rPr>
+              <a:t>thập</a:t>
+            </a:r>
+            <a:r>
+              <a:rPr lang="en-US" sz="1400" dirty="0">
+                <a:latin typeface="Times New Roman" panose="02020603050405020304" pitchFamily="18" charset="0"/>
+                <a:cs typeface="Times New Roman" panose="02020603050405020304" pitchFamily="18" charset="0"/>
+              </a:rPr>
+              <a:t> </a:t>
+            </a:r>
+            <a:r>
+              <a:rPr lang="en-US" sz="1400" dirty="0" err="1">
+                <a:latin typeface="Times New Roman" panose="02020603050405020304" pitchFamily="18" charset="0"/>
+                <a:cs typeface="Times New Roman" panose="02020603050405020304" pitchFamily="18" charset="0"/>
+              </a:rPr>
+              <a:t>dữ</a:t>
+            </a:r>
+            <a:r>
+              <a:rPr lang="en-US" sz="1400" dirty="0">
+                <a:latin typeface="Times New Roman" panose="02020603050405020304" pitchFamily="18" charset="0"/>
+                <a:cs typeface="Times New Roman" panose="02020603050405020304" pitchFamily="18" charset="0"/>
+              </a:rPr>
+              <a:t> </a:t>
+            </a:r>
+            <a:r>
+              <a:rPr lang="en-US" sz="1400" dirty="0" err="1">
+                <a:latin typeface="Times New Roman" panose="02020603050405020304" pitchFamily="18" charset="0"/>
+                <a:cs typeface="Times New Roman" panose="02020603050405020304" pitchFamily="18" charset="0"/>
+              </a:rPr>
+              <a:t>liệu</a:t>
+            </a:r>
+            <a:endParaRPr lang="en-US" sz="1400" dirty="0">
+              <a:latin typeface="Times New Roman" panose="02020603050405020304" pitchFamily="18" charset="0"/>
+              <a:cs typeface="Times New Roman" panose="02020603050405020304" pitchFamily="18" charset="0"/>
+            </a:endParaRPr>
+          </a:p>
+        </p:txBody>
+      </p:sp>
+      <p:sp>
+        <p:nvSpPr>
+          <p:cNvPr id="11" name="Rectangle: Rounded Corners 10">
+            <a:extLst>
+              <a:ext uri="{FF2B5EF4-FFF2-40B4-BE49-F238E27FC236}">
+                <a16:creationId xmlns:a16="http://schemas.microsoft.com/office/drawing/2014/main" id="{8D18D024-5D31-4437-63AE-A5A67B3A6911}"/>
+              </a:ext>
+            </a:extLst>
+          </p:cNvPr>
+          <p:cNvSpPr/>
+          <p:nvPr/>
+        </p:nvSpPr>
+        <p:spPr>
+          <a:xfrm>
+            <a:off x="7454900" y="367656"/>
+            <a:ext cx="1498507" cy="621928"/>
+          </a:xfrm>
+          <a:prstGeom prst="roundRect">
+            <a:avLst/>
+          </a:prstGeom>
+          <a:ln>
+            <a:solidFill>
+              <a:schemeClr val="bg2">
+                <a:lumMod val="75000"/>
+              </a:schemeClr>
+            </a:solidFill>
+          </a:ln>
+        </p:spPr>
+        <p:style>
+          <a:lnRef idx="2">
+            <a:schemeClr val="accent6"/>
+          </a:lnRef>
+          <a:fillRef idx="1">
+            <a:schemeClr val="lt1"/>
+          </a:fillRef>
+          <a:effectRef idx="0">
+            <a:schemeClr val="accent6"/>
+          </a:effectRef>
+          <a:fontRef idx="minor">
+            <a:schemeClr val="dk1"/>
+          </a:fontRef>
+        </p:style>
+        <p:txBody>
+          <a:bodyPr rtlCol="0" anchor="ctr"/>
+          <a:lstStyle/>
+          <a:p>
+            <a:pPr algn="ctr"/>
+            <a:r>
+              <a:rPr lang="en-US" sz="1400" dirty="0" err="1">
+                <a:latin typeface="Times New Roman" panose="02020603050405020304" pitchFamily="18" charset="0"/>
+                <a:cs typeface="Times New Roman" panose="02020603050405020304" pitchFamily="18" charset="0"/>
+              </a:rPr>
+              <a:t>Tiền</a:t>
+            </a:r>
+            <a:r>
+              <a:rPr lang="en-US" sz="1400" dirty="0">
+                <a:latin typeface="Times New Roman" panose="02020603050405020304" pitchFamily="18" charset="0"/>
+                <a:cs typeface="Times New Roman" panose="02020603050405020304" pitchFamily="18" charset="0"/>
+              </a:rPr>
+              <a:t> </a:t>
+            </a:r>
+            <a:r>
+              <a:rPr lang="en-US" sz="1400" dirty="0" err="1">
+                <a:latin typeface="Times New Roman" panose="02020603050405020304" pitchFamily="18" charset="0"/>
+                <a:cs typeface="Times New Roman" panose="02020603050405020304" pitchFamily="18" charset="0"/>
+              </a:rPr>
+              <a:t>xử</a:t>
+            </a:r>
+            <a:r>
+              <a:rPr lang="en-US" sz="1400" dirty="0">
+                <a:latin typeface="Times New Roman" panose="02020603050405020304" pitchFamily="18" charset="0"/>
+                <a:cs typeface="Times New Roman" panose="02020603050405020304" pitchFamily="18" charset="0"/>
+              </a:rPr>
+              <a:t> </a:t>
+            </a:r>
+            <a:r>
+              <a:rPr lang="en-US" sz="1400" dirty="0" err="1">
+                <a:latin typeface="Times New Roman" panose="02020603050405020304" pitchFamily="18" charset="0"/>
+                <a:cs typeface="Times New Roman" panose="02020603050405020304" pitchFamily="18" charset="0"/>
+              </a:rPr>
+              <a:t>lý</a:t>
+            </a:r>
+            <a:endParaRPr lang="en-US" sz="1400" dirty="0">
+              <a:latin typeface="Times New Roman" panose="02020603050405020304" pitchFamily="18" charset="0"/>
+              <a:cs typeface="Times New Roman" panose="02020603050405020304" pitchFamily="18" charset="0"/>
+            </a:endParaRPr>
+          </a:p>
+          <a:p>
+            <a:pPr algn="ctr"/>
+            <a:r>
+              <a:rPr lang="en-US" sz="1400" dirty="0" err="1">
+                <a:latin typeface="Times New Roman" panose="02020603050405020304" pitchFamily="18" charset="0"/>
+                <a:cs typeface="Times New Roman" panose="02020603050405020304" pitchFamily="18" charset="0"/>
+              </a:rPr>
+              <a:t>dữ</a:t>
+            </a:r>
+            <a:r>
+              <a:rPr lang="en-US" sz="1400" dirty="0">
+                <a:latin typeface="Times New Roman" panose="02020603050405020304" pitchFamily="18" charset="0"/>
+                <a:cs typeface="Times New Roman" panose="02020603050405020304" pitchFamily="18" charset="0"/>
+              </a:rPr>
+              <a:t> </a:t>
+            </a:r>
+            <a:r>
+              <a:rPr lang="en-US" sz="1400" dirty="0" err="1">
+                <a:latin typeface="Times New Roman" panose="02020603050405020304" pitchFamily="18" charset="0"/>
+                <a:cs typeface="Times New Roman" panose="02020603050405020304" pitchFamily="18" charset="0"/>
+              </a:rPr>
+              <a:t>liệu</a:t>
+            </a:r>
+            <a:endParaRPr lang="en-US" sz="1400" dirty="0">
+              <a:latin typeface="Times New Roman" panose="02020603050405020304" pitchFamily="18" charset="0"/>
+              <a:cs typeface="Times New Roman" panose="02020603050405020304" pitchFamily="18" charset="0"/>
+            </a:endParaRPr>
+          </a:p>
+        </p:txBody>
+      </p:sp>
+      <p:sp>
+        <p:nvSpPr>
+          <p:cNvPr id="12" name="Rectangle: Rounded Corners 11">
+            <a:extLst>
+              <a:ext uri="{FF2B5EF4-FFF2-40B4-BE49-F238E27FC236}">
+                <a16:creationId xmlns:a16="http://schemas.microsoft.com/office/drawing/2014/main" id="{B52DB736-6BD0-1C67-28DD-FB77776B0682}"/>
+              </a:ext>
+            </a:extLst>
+          </p:cNvPr>
+          <p:cNvSpPr/>
+          <p:nvPr/>
+        </p:nvSpPr>
+        <p:spPr>
+          <a:xfrm>
+            <a:off x="2844893" y="2633858"/>
+            <a:ext cx="1498507" cy="621928"/>
+          </a:xfrm>
+          <a:prstGeom prst="roundRect">
+            <a:avLst/>
+          </a:prstGeom>
+          <a:ln>
+            <a:solidFill>
+              <a:schemeClr val="bg2">
+                <a:lumMod val="75000"/>
+              </a:schemeClr>
+            </a:solidFill>
+          </a:ln>
+        </p:spPr>
+        <p:style>
+          <a:lnRef idx="2">
+            <a:schemeClr val="accent6"/>
+          </a:lnRef>
+          <a:fillRef idx="1">
+            <a:schemeClr val="lt1"/>
+          </a:fillRef>
+          <a:effectRef idx="0">
+            <a:schemeClr val="accent6"/>
+          </a:effectRef>
+          <a:fontRef idx="minor">
+            <a:schemeClr val="dk1"/>
+          </a:fontRef>
+        </p:style>
+        <p:txBody>
+          <a:bodyPr rtlCol="0" anchor="ctr"/>
+          <a:lstStyle/>
+          <a:p>
+            <a:pPr algn="ctr"/>
+            <a:r>
+              <a:rPr lang="en-US" sz="1400" dirty="0" err="1">
+                <a:latin typeface="Times New Roman" panose="02020603050405020304" pitchFamily="18" charset="0"/>
+                <a:cs typeface="Times New Roman" panose="02020603050405020304" pitchFamily="18" charset="0"/>
+              </a:rPr>
+              <a:t>Gửi</a:t>
+            </a:r>
+            <a:r>
+              <a:rPr lang="en-US" sz="1400" dirty="0">
+                <a:latin typeface="Times New Roman" panose="02020603050405020304" pitchFamily="18" charset="0"/>
+                <a:cs typeface="Times New Roman" panose="02020603050405020304" pitchFamily="18" charset="0"/>
+              </a:rPr>
+              <a:t> input </a:t>
+            </a:r>
+            <a:r>
+              <a:rPr lang="en-US" sz="1400" dirty="0" err="1">
+                <a:latin typeface="Times New Roman" panose="02020603050405020304" pitchFamily="18" charset="0"/>
+                <a:cs typeface="Times New Roman" panose="02020603050405020304" pitchFamily="18" charset="0"/>
+              </a:rPr>
+              <a:t>đến</a:t>
+            </a:r>
+            <a:endParaRPr lang="en-US" sz="1400" dirty="0">
+              <a:latin typeface="Times New Roman" panose="02020603050405020304" pitchFamily="18" charset="0"/>
+              <a:cs typeface="Times New Roman" panose="02020603050405020304" pitchFamily="18" charset="0"/>
+            </a:endParaRPr>
+          </a:p>
+          <a:p>
+            <a:pPr algn="ctr"/>
+            <a:r>
+              <a:rPr lang="en-US" sz="1400" dirty="0" err="1">
+                <a:latin typeface="Times New Roman" panose="02020603050405020304" pitchFamily="18" charset="0"/>
+                <a:cs typeface="Times New Roman" panose="02020603050405020304" pitchFamily="18" charset="0"/>
+              </a:rPr>
+              <a:t>hệ</a:t>
+            </a:r>
+            <a:r>
+              <a:rPr lang="en-US" sz="1400" dirty="0">
+                <a:latin typeface="Times New Roman" panose="02020603050405020304" pitchFamily="18" charset="0"/>
+                <a:cs typeface="Times New Roman" panose="02020603050405020304" pitchFamily="18" charset="0"/>
+              </a:rPr>
+              <a:t> </a:t>
+            </a:r>
+            <a:r>
+              <a:rPr lang="en-US" sz="1400" dirty="0" err="1">
+                <a:latin typeface="Times New Roman" panose="02020603050405020304" pitchFamily="18" charset="0"/>
+                <a:cs typeface="Times New Roman" panose="02020603050405020304" pitchFamily="18" charset="0"/>
+              </a:rPr>
+              <a:t>thống</a:t>
+            </a:r>
+            <a:endParaRPr lang="en-US" sz="1400" dirty="0">
+              <a:latin typeface="Times New Roman" panose="02020603050405020304" pitchFamily="18" charset="0"/>
+              <a:cs typeface="Times New Roman" panose="02020603050405020304" pitchFamily="18" charset="0"/>
+            </a:endParaRPr>
+          </a:p>
+        </p:txBody>
+      </p:sp>
+      <p:sp>
+        <p:nvSpPr>
+          <p:cNvPr id="13" name="Rectangle: Rounded Corners 12">
+            <a:extLst>
+              <a:ext uri="{FF2B5EF4-FFF2-40B4-BE49-F238E27FC236}">
+                <a16:creationId xmlns:a16="http://schemas.microsoft.com/office/drawing/2014/main" id="{B19A16DE-F0BE-959B-53BC-AAE01335888B}"/>
+              </a:ext>
+            </a:extLst>
+          </p:cNvPr>
+          <p:cNvSpPr/>
+          <p:nvPr/>
+        </p:nvSpPr>
+        <p:spPr>
+          <a:xfrm>
+            <a:off x="5149897" y="2633858"/>
+            <a:ext cx="1498507" cy="621928"/>
+          </a:xfrm>
+          <a:prstGeom prst="roundRect">
+            <a:avLst/>
+          </a:prstGeom>
+          <a:ln>
+            <a:solidFill>
+              <a:schemeClr val="bg2">
+                <a:lumMod val="75000"/>
+              </a:schemeClr>
+            </a:solidFill>
+          </a:ln>
+        </p:spPr>
+        <p:style>
+          <a:lnRef idx="2">
+            <a:schemeClr val="accent6"/>
+          </a:lnRef>
+          <a:fillRef idx="1">
+            <a:schemeClr val="lt1"/>
+          </a:fillRef>
+          <a:effectRef idx="0">
+            <a:schemeClr val="accent6"/>
+          </a:effectRef>
+          <a:fontRef idx="minor">
+            <a:schemeClr val="dk1"/>
+          </a:fontRef>
+        </p:style>
+        <p:txBody>
+          <a:bodyPr rtlCol="0" anchor="ctr"/>
+          <a:lstStyle/>
+          <a:p>
+            <a:pPr algn="ctr"/>
+            <a:r>
+              <a:rPr lang="en-US" sz="1400" dirty="0" err="1">
+                <a:latin typeface="Times New Roman" panose="02020603050405020304" pitchFamily="18" charset="0"/>
+                <a:cs typeface="Times New Roman" panose="02020603050405020304" pitchFamily="18" charset="0"/>
+              </a:rPr>
+              <a:t>Trích</a:t>
+            </a:r>
+            <a:r>
+              <a:rPr lang="en-US" sz="1400" dirty="0">
+                <a:latin typeface="Times New Roman" panose="02020603050405020304" pitchFamily="18" charset="0"/>
+                <a:cs typeface="Times New Roman" panose="02020603050405020304" pitchFamily="18" charset="0"/>
+              </a:rPr>
+              <a:t> </a:t>
+            </a:r>
+            <a:r>
+              <a:rPr lang="en-US" sz="1400" dirty="0" err="1">
+                <a:latin typeface="Times New Roman" panose="02020603050405020304" pitchFamily="18" charset="0"/>
+                <a:cs typeface="Times New Roman" panose="02020603050405020304" pitchFamily="18" charset="0"/>
+              </a:rPr>
+              <a:t>xuất</a:t>
+            </a:r>
+            <a:r>
+              <a:rPr lang="en-US" sz="1400" dirty="0">
+                <a:latin typeface="Times New Roman" panose="02020603050405020304" pitchFamily="18" charset="0"/>
+                <a:cs typeface="Times New Roman" panose="02020603050405020304" pitchFamily="18" charset="0"/>
+              </a:rPr>
+              <a:t> </a:t>
+            </a:r>
+            <a:r>
+              <a:rPr lang="en-US" sz="1400" dirty="0" err="1">
+                <a:latin typeface="Times New Roman" panose="02020603050405020304" pitchFamily="18" charset="0"/>
+                <a:cs typeface="Times New Roman" panose="02020603050405020304" pitchFamily="18" charset="0"/>
+              </a:rPr>
+              <a:t>thông</a:t>
+            </a:r>
+            <a:r>
+              <a:rPr lang="en-US" sz="1400" dirty="0">
+                <a:latin typeface="Times New Roman" panose="02020603050405020304" pitchFamily="18" charset="0"/>
+                <a:cs typeface="Times New Roman" panose="02020603050405020304" pitchFamily="18" charset="0"/>
+              </a:rPr>
+              <a:t> tin </a:t>
+            </a:r>
+            <a:r>
+              <a:rPr lang="en-US" sz="1400" dirty="0" err="1">
+                <a:latin typeface="Times New Roman" panose="02020603050405020304" pitchFamily="18" charset="0"/>
+                <a:cs typeface="Times New Roman" panose="02020603050405020304" pitchFamily="18" charset="0"/>
+              </a:rPr>
+              <a:t>đặc</a:t>
+            </a:r>
+            <a:r>
+              <a:rPr lang="en-US" sz="1400" dirty="0">
+                <a:latin typeface="Times New Roman" panose="02020603050405020304" pitchFamily="18" charset="0"/>
+                <a:cs typeface="Times New Roman" panose="02020603050405020304" pitchFamily="18" charset="0"/>
+              </a:rPr>
+              <a:t> </a:t>
+            </a:r>
+            <a:r>
+              <a:rPr lang="en-US" sz="1400" dirty="0" err="1">
+                <a:latin typeface="Times New Roman" panose="02020603050405020304" pitchFamily="18" charset="0"/>
+                <a:cs typeface="Times New Roman" panose="02020603050405020304" pitchFamily="18" charset="0"/>
+              </a:rPr>
+              <a:t>trưng</a:t>
+            </a:r>
+            <a:endParaRPr lang="en-US" sz="1400" dirty="0">
+              <a:latin typeface="Times New Roman" panose="02020603050405020304" pitchFamily="18" charset="0"/>
+              <a:cs typeface="Times New Roman" panose="02020603050405020304" pitchFamily="18" charset="0"/>
+            </a:endParaRPr>
+          </a:p>
+        </p:txBody>
+      </p:sp>
+      <p:sp>
+        <p:nvSpPr>
+          <p:cNvPr id="14" name="Rectangle: Rounded Corners 13">
+            <a:extLst>
+              <a:ext uri="{FF2B5EF4-FFF2-40B4-BE49-F238E27FC236}">
+                <a16:creationId xmlns:a16="http://schemas.microsoft.com/office/drawing/2014/main" id="{1CB58F84-B77C-D569-875E-B8B585695C81}"/>
+              </a:ext>
+            </a:extLst>
+          </p:cNvPr>
+          <p:cNvSpPr/>
+          <p:nvPr/>
+        </p:nvSpPr>
+        <p:spPr>
+          <a:xfrm>
+            <a:off x="5149895" y="4169832"/>
+            <a:ext cx="1498507" cy="621928"/>
+          </a:xfrm>
+          <a:prstGeom prst="roundRect">
+            <a:avLst/>
+          </a:prstGeom>
+          <a:ln>
+            <a:solidFill>
+              <a:schemeClr val="bg2">
+                <a:lumMod val="75000"/>
+              </a:schemeClr>
+            </a:solidFill>
+          </a:ln>
+        </p:spPr>
+        <p:style>
+          <a:lnRef idx="2">
+            <a:schemeClr val="accent6"/>
+          </a:lnRef>
+          <a:fillRef idx="1">
+            <a:schemeClr val="lt1"/>
+          </a:fillRef>
+          <a:effectRef idx="0">
+            <a:schemeClr val="accent6"/>
+          </a:effectRef>
+          <a:fontRef idx="minor">
+            <a:schemeClr val="dk1"/>
+          </a:fontRef>
+        </p:style>
+        <p:txBody>
+          <a:bodyPr rtlCol="0" anchor="ctr"/>
+          <a:lstStyle/>
+          <a:p>
+            <a:pPr algn="ctr"/>
+            <a:r>
+              <a:rPr lang="en-US" sz="1400" dirty="0" err="1">
+                <a:latin typeface="Times New Roman" panose="02020603050405020304" pitchFamily="18" charset="0"/>
+                <a:cs typeface="Times New Roman" panose="02020603050405020304" pitchFamily="18" charset="0"/>
+              </a:rPr>
+              <a:t>Tạo</a:t>
+            </a:r>
+            <a:r>
+              <a:rPr lang="en-US" sz="1400" dirty="0">
+                <a:latin typeface="Times New Roman" panose="02020603050405020304" pitchFamily="18" charset="0"/>
+                <a:cs typeface="Times New Roman" panose="02020603050405020304" pitchFamily="18" charset="0"/>
+              </a:rPr>
+              <a:t> prompt</a:t>
+            </a:r>
+          </a:p>
+        </p:txBody>
+      </p:sp>
+      <p:sp>
+        <p:nvSpPr>
+          <p:cNvPr id="15" name="Rectangle: Rounded Corners 14">
+            <a:extLst>
+              <a:ext uri="{FF2B5EF4-FFF2-40B4-BE49-F238E27FC236}">
+                <a16:creationId xmlns:a16="http://schemas.microsoft.com/office/drawing/2014/main" id="{06740C20-BE2F-0BC6-8CFC-DC1687CE15CB}"/>
+              </a:ext>
+            </a:extLst>
+          </p:cNvPr>
+          <p:cNvSpPr/>
+          <p:nvPr/>
+        </p:nvSpPr>
+        <p:spPr>
+          <a:xfrm>
+            <a:off x="2902134" y="4169832"/>
+            <a:ext cx="1498507" cy="621928"/>
+          </a:xfrm>
+          <a:prstGeom prst="roundRect">
+            <a:avLst/>
+          </a:prstGeom>
+          <a:ln>
+            <a:solidFill>
+              <a:schemeClr val="bg2">
+                <a:lumMod val="75000"/>
+              </a:schemeClr>
+            </a:solidFill>
+          </a:ln>
+        </p:spPr>
+        <p:style>
+          <a:lnRef idx="2">
+            <a:schemeClr val="accent6"/>
+          </a:lnRef>
+          <a:fillRef idx="1">
+            <a:schemeClr val="lt1"/>
+          </a:fillRef>
+          <a:effectRef idx="0">
+            <a:schemeClr val="accent6"/>
+          </a:effectRef>
+          <a:fontRef idx="minor">
+            <a:schemeClr val="dk1"/>
+          </a:fontRef>
+        </p:style>
+        <p:txBody>
+          <a:bodyPr rtlCol="0" anchor="ctr"/>
+          <a:lstStyle/>
+          <a:p>
+            <a:pPr algn="ctr"/>
+            <a:r>
+              <a:rPr lang="en-US" sz="1400" dirty="0" err="1">
+                <a:latin typeface="Times New Roman" panose="02020603050405020304" pitchFamily="18" charset="0"/>
+                <a:cs typeface="Times New Roman" panose="02020603050405020304" pitchFamily="18" charset="0"/>
+              </a:rPr>
+              <a:t>Gửi</a:t>
+            </a:r>
+            <a:r>
+              <a:rPr lang="en-US" sz="1400" dirty="0">
+                <a:latin typeface="Times New Roman" panose="02020603050405020304" pitchFamily="18" charset="0"/>
+                <a:cs typeface="Times New Roman" panose="02020603050405020304" pitchFamily="18" charset="0"/>
+              </a:rPr>
+              <a:t> output </a:t>
+            </a:r>
+            <a:r>
+              <a:rPr lang="en-US" sz="1400" dirty="0" err="1">
+                <a:latin typeface="Times New Roman" panose="02020603050405020304" pitchFamily="18" charset="0"/>
+                <a:cs typeface="Times New Roman" panose="02020603050405020304" pitchFamily="18" charset="0"/>
+              </a:rPr>
+              <a:t>đến</a:t>
+            </a:r>
+            <a:r>
+              <a:rPr lang="en-US" sz="1400" dirty="0">
+                <a:latin typeface="Times New Roman" panose="02020603050405020304" pitchFamily="18" charset="0"/>
+                <a:cs typeface="Times New Roman" panose="02020603050405020304" pitchFamily="18" charset="0"/>
+              </a:rPr>
+              <a:t> </a:t>
+            </a:r>
+            <a:r>
+              <a:rPr lang="en-US" sz="1400" dirty="0" err="1">
+                <a:latin typeface="Times New Roman" panose="02020603050405020304" pitchFamily="18" charset="0"/>
+                <a:cs typeface="Times New Roman" panose="02020603050405020304" pitchFamily="18" charset="0"/>
+              </a:rPr>
+              <a:t>người</a:t>
+            </a:r>
+            <a:r>
+              <a:rPr lang="en-US" sz="1400" dirty="0">
+                <a:latin typeface="Times New Roman" panose="02020603050405020304" pitchFamily="18" charset="0"/>
+                <a:cs typeface="Times New Roman" panose="02020603050405020304" pitchFamily="18" charset="0"/>
+              </a:rPr>
+              <a:t> </a:t>
+            </a:r>
+            <a:r>
+              <a:rPr lang="en-US" sz="1400" dirty="0" err="1">
+                <a:latin typeface="Times New Roman" panose="02020603050405020304" pitchFamily="18" charset="0"/>
+                <a:cs typeface="Times New Roman" panose="02020603050405020304" pitchFamily="18" charset="0"/>
+              </a:rPr>
+              <a:t>dùng</a:t>
+            </a:r>
+            <a:endParaRPr lang="en-US" sz="1400" dirty="0">
+              <a:latin typeface="Times New Roman" panose="02020603050405020304" pitchFamily="18" charset="0"/>
+              <a:cs typeface="Times New Roman" panose="02020603050405020304" pitchFamily="18" charset="0"/>
+            </a:endParaRPr>
+          </a:p>
+        </p:txBody>
+      </p:sp>
+      <p:pic>
+        <p:nvPicPr>
+          <p:cNvPr id="19" name="Picture 18" descr="A black and white image of a person's face&#10;&#10;AI-generated content may be incorrect.">
+            <a:extLst>
+              <a:ext uri="{FF2B5EF4-FFF2-40B4-BE49-F238E27FC236}">
+                <a16:creationId xmlns:a16="http://schemas.microsoft.com/office/drawing/2014/main" id="{ED3099EC-BF71-2F7C-0E8A-8E4EE34B8397}"/>
+              </a:ext>
+            </a:extLst>
+          </p:cNvPr>
+          <p:cNvPicPr>
+            <a:picLocks noChangeAspect="1"/>
+          </p:cNvPicPr>
+          <p:nvPr/>
+        </p:nvPicPr>
+        <p:blipFill>
+          <a:blip r:embed="rId2">
+            <a:extLst>
+              <a:ext uri="{28A0092B-C50C-407E-A947-70E740481C1C}">
+                <a14:useLocalDpi xmlns:a14="http://schemas.microsoft.com/office/drawing/2010/main" val="0"/>
+              </a:ext>
+            </a:extLst>
+          </a:blip>
+          <a:stretch>
+            <a:fillRect/>
+          </a:stretch>
+        </p:blipFill>
+        <p:spPr>
+          <a:xfrm>
+            <a:off x="950094" y="3255786"/>
+            <a:ext cx="880070" cy="1070454"/>
+          </a:xfrm>
+          <a:prstGeom prst="rect">
+            <a:avLst/>
+          </a:prstGeom>
+        </p:spPr>
+      </p:pic>
+      <p:sp>
+        <p:nvSpPr>
+          <p:cNvPr id="20" name="TextBox 19">
+            <a:extLst>
+              <a:ext uri="{FF2B5EF4-FFF2-40B4-BE49-F238E27FC236}">
+                <a16:creationId xmlns:a16="http://schemas.microsoft.com/office/drawing/2014/main" id="{6AC8D24A-9E04-FE66-66BA-F7DB58BD5EE5}"/>
+              </a:ext>
+            </a:extLst>
+          </p:cNvPr>
+          <p:cNvSpPr txBox="1"/>
+          <p:nvPr/>
+        </p:nvSpPr>
+        <p:spPr>
+          <a:xfrm>
+            <a:off x="864985" y="4329427"/>
+            <a:ext cx="1050288" cy="307777"/>
+          </a:xfrm>
+          <a:prstGeom prst="rect">
+            <a:avLst/>
+          </a:prstGeom>
+          <a:noFill/>
+        </p:spPr>
+        <p:txBody>
+          <a:bodyPr wrap="none" rtlCol="0">
+            <a:spAutoFit/>
+          </a:bodyPr>
+          <a:lstStyle/>
+          <a:p>
+            <a:r>
+              <a:rPr lang="en-US" sz="1400" dirty="0">
+                <a:latin typeface="Times New Roman" panose="02020603050405020304" pitchFamily="18" charset="0"/>
+                <a:cs typeface="Times New Roman" panose="02020603050405020304" pitchFamily="18" charset="0"/>
+              </a:rPr>
+              <a:t>Người </a:t>
+            </a:r>
+            <a:r>
+              <a:rPr lang="en-US" sz="1400" dirty="0" err="1">
+                <a:latin typeface="Times New Roman" panose="02020603050405020304" pitchFamily="18" charset="0"/>
+                <a:cs typeface="Times New Roman" panose="02020603050405020304" pitchFamily="18" charset="0"/>
+              </a:rPr>
+              <a:t>dùng</a:t>
+            </a:r>
+            <a:endParaRPr lang="en-US" sz="1400" dirty="0">
+              <a:latin typeface="Times New Roman" panose="02020603050405020304" pitchFamily="18" charset="0"/>
+              <a:cs typeface="Times New Roman" panose="02020603050405020304" pitchFamily="18" charset="0"/>
+            </a:endParaRPr>
+          </a:p>
+        </p:txBody>
+      </p:sp>
+      <p:cxnSp>
+        <p:nvCxnSpPr>
+          <p:cNvPr id="22" name="Straight Arrow Connector 21">
+            <a:extLst>
+              <a:ext uri="{FF2B5EF4-FFF2-40B4-BE49-F238E27FC236}">
+                <a16:creationId xmlns:a16="http://schemas.microsoft.com/office/drawing/2014/main" id="{3540EEEB-B16F-FE39-4D99-F7688954752C}"/>
+              </a:ext>
+            </a:extLst>
+          </p:cNvPr>
+          <p:cNvCxnSpPr>
+            <a:cxnSpLocks/>
+            <a:stCxn id="10" idx="3"/>
+            <a:endCxn id="11" idx="1"/>
+          </p:cNvCxnSpPr>
+          <p:nvPr/>
+        </p:nvCxnSpPr>
+        <p:spPr>
+          <a:xfrm>
+            <a:off x="6648402" y="678620"/>
+            <a:ext cx="806498" cy="0"/>
+          </a:xfrm>
+          <a:prstGeom prst="straightConnector1">
+            <a:avLst/>
+          </a:prstGeom>
+          <a:ln>
+            <a:solidFill>
+              <a:schemeClr val="tx1"/>
+            </a:solidFill>
+            <a:tailEnd type="triangle"/>
+          </a:ln>
+        </p:spPr>
+        <p:style>
+          <a:lnRef idx="2">
+            <a:schemeClr val="accent1"/>
+          </a:lnRef>
+          <a:fillRef idx="0">
+            <a:schemeClr val="accent1"/>
+          </a:fillRef>
+          <a:effectRef idx="1">
+            <a:schemeClr val="accent1"/>
+          </a:effectRef>
+          <a:fontRef idx="minor">
+            <a:schemeClr val="tx1"/>
+          </a:fontRef>
+        </p:style>
+      </p:cxnSp>
+      <p:cxnSp>
+        <p:nvCxnSpPr>
+          <p:cNvPr id="25" name="Straight Arrow Connector 24">
+            <a:extLst>
+              <a:ext uri="{FF2B5EF4-FFF2-40B4-BE49-F238E27FC236}">
+                <a16:creationId xmlns:a16="http://schemas.microsoft.com/office/drawing/2014/main" id="{ADAC721A-7FAE-13A6-ADA2-EC6C09DFBA29}"/>
+              </a:ext>
+            </a:extLst>
+          </p:cNvPr>
+          <p:cNvCxnSpPr>
+            <a:cxnSpLocks/>
+            <a:stCxn id="11" idx="3"/>
+            <a:endCxn id="5" idx="1"/>
+          </p:cNvCxnSpPr>
+          <p:nvPr/>
+        </p:nvCxnSpPr>
+        <p:spPr>
+          <a:xfrm>
+            <a:off x="8953407" y="678620"/>
+            <a:ext cx="831570" cy="0"/>
+          </a:xfrm>
+          <a:prstGeom prst="straightConnector1">
+            <a:avLst/>
+          </a:prstGeom>
+          <a:ln>
+            <a:solidFill>
+              <a:schemeClr val="tx1"/>
+            </a:solidFill>
+            <a:tailEnd type="triangle"/>
+          </a:ln>
+        </p:spPr>
+        <p:style>
+          <a:lnRef idx="2">
+            <a:schemeClr val="accent1"/>
+          </a:lnRef>
+          <a:fillRef idx="0">
+            <a:schemeClr val="accent1"/>
+          </a:fillRef>
+          <a:effectRef idx="1">
+            <a:schemeClr val="accent1"/>
+          </a:effectRef>
+          <a:fontRef idx="minor">
+            <a:schemeClr val="tx1"/>
+          </a:fontRef>
+        </p:style>
+      </p:cxnSp>
+      <p:cxnSp>
+        <p:nvCxnSpPr>
+          <p:cNvPr id="26" name="Straight Arrow Connector 25">
+            <a:extLst>
+              <a:ext uri="{FF2B5EF4-FFF2-40B4-BE49-F238E27FC236}">
+                <a16:creationId xmlns:a16="http://schemas.microsoft.com/office/drawing/2014/main" id="{8D77A04B-5592-2B8C-A78C-312A0FDF43A9}"/>
+              </a:ext>
+            </a:extLst>
+          </p:cNvPr>
+          <p:cNvCxnSpPr>
+            <a:cxnSpLocks/>
+            <a:stCxn id="5" idx="2"/>
+            <a:endCxn id="6" idx="0"/>
+          </p:cNvCxnSpPr>
+          <p:nvPr/>
+        </p:nvCxnSpPr>
+        <p:spPr>
+          <a:xfrm>
+            <a:off x="10753165" y="989584"/>
+            <a:ext cx="0" cy="1029722"/>
+          </a:xfrm>
+          <a:prstGeom prst="straightConnector1">
+            <a:avLst/>
+          </a:prstGeom>
+          <a:ln>
+            <a:solidFill>
+              <a:schemeClr val="tx1"/>
+            </a:solidFill>
+            <a:tailEnd type="triangle"/>
+          </a:ln>
+        </p:spPr>
+        <p:style>
+          <a:lnRef idx="2">
+            <a:schemeClr val="accent1"/>
+          </a:lnRef>
+          <a:fillRef idx="0">
+            <a:schemeClr val="accent1"/>
+          </a:fillRef>
+          <a:effectRef idx="1">
+            <a:schemeClr val="accent1"/>
+          </a:effectRef>
+          <a:fontRef idx="minor">
+            <a:schemeClr val="tx1"/>
+          </a:fontRef>
+        </p:style>
+      </p:cxnSp>
+      <p:cxnSp>
+        <p:nvCxnSpPr>
+          <p:cNvPr id="31" name="Straight Arrow Connector 30">
+            <a:extLst>
+              <a:ext uri="{FF2B5EF4-FFF2-40B4-BE49-F238E27FC236}">
+                <a16:creationId xmlns:a16="http://schemas.microsoft.com/office/drawing/2014/main" id="{DD3CEF1D-DFD6-410F-D390-26139C8200DC}"/>
+              </a:ext>
+            </a:extLst>
+          </p:cNvPr>
+          <p:cNvCxnSpPr>
+            <a:cxnSpLocks/>
+            <a:stCxn id="12" idx="3"/>
+            <a:endCxn id="13" idx="1"/>
+          </p:cNvCxnSpPr>
+          <p:nvPr/>
+        </p:nvCxnSpPr>
+        <p:spPr>
+          <a:xfrm>
+            <a:off x="4343400" y="2944822"/>
+            <a:ext cx="806497" cy="0"/>
+          </a:xfrm>
+          <a:prstGeom prst="straightConnector1">
+            <a:avLst/>
+          </a:prstGeom>
+          <a:ln>
+            <a:solidFill>
+              <a:schemeClr val="tx1"/>
+            </a:solidFill>
+            <a:tailEnd type="triangle"/>
+          </a:ln>
+        </p:spPr>
+        <p:style>
+          <a:lnRef idx="2">
+            <a:schemeClr val="accent1"/>
+          </a:lnRef>
+          <a:fillRef idx="0">
+            <a:schemeClr val="accent1"/>
+          </a:fillRef>
+          <a:effectRef idx="1">
+            <a:schemeClr val="accent1"/>
+          </a:effectRef>
+          <a:fontRef idx="minor">
+            <a:schemeClr val="tx1"/>
+          </a:fontRef>
+        </p:style>
+      </p:cxnSp>
+      <p:cxnSp>
+        <p:nvCxnSpPr>
+          <p:cNvPr id="42" name="Straight Arrow Connector 41">
+            <a:extLst>
+              <a:ext uri="{FF2B5EF4-FFF2-40B4-BE49-F238E27FC236}">
+                <a16:creationId xmlns:a16="http://schemas.microsoft.com/office/drawing/2014/main" id="{D6CCCEBF-3E22-E2F3-B5FC-C13FD2E25741}"/>
+              </a:ext>
+            </a:extLst>
+          </p:cNvPr>
+          <p:cNvCxnSpPr>
+            <a:cxnSpLocks/>
+            <a:stCxn id="13" idx="3"/>
+            <a:endCxn id="8" idx="1"/>
+          </p:cNvCxnSpPr>
+          <p:nvPr/>
+        </p:nvCxnSpPr>
+        <p:spPr>
+          <a:xfrm>
+            <a:off x="6648404" y="2944822"/>
+            <a:ext cx="815931" cy="3687"/>
+          </a:xfrm>
+          <a:prstGeom prst="straightConnector1">
+            <a:avLst/>
+          </a:prstGeom>
+          <a:ln>
+            <a:solidFill>
+              <a:schemeClr val="tx1"/>
+            </a:solidFill>
+            <a:tailEnd type="triangle"/>
+          </a:ln>
+        </p:spPr>
+        <p:style>
+          <a:lnRef idx="2">
+            <a:schemeClr val="accent1"/>
+          </a:lnRef>
+          <a:fillRef idx="0">
+            <a:schemeClr val="accent1"/>
+          </a:fillRef>
+          <a:effectRef idx="1">
+            <a:schemeClr val="accent1"/>
+          </a:effectRef>
+          <a:fontRef idx="minor">
+            <a:schemeClr val="tx1"/>
+          </a:fontRef>
+        </p:style>
+      </p:cxnSp>
+      <p:cxnSp>
+        <p:nvCxnSpPr>
+          <p:cNvPr id="43" name="Straight Arrow Connector 42">
+            <a:extLst>
+              <a:ext uri="{FF2B5EF4-FFF2-40B4-BE49-F238E27FC236}">
+                <a16:creationId xmlns:a16="http://schemas.microsoft.com/office/drawing/2014/main" id="{B59E49E9-D19E-5261-6F6B-48AE1E3C1621}"/>
+              </a:ext>
+            </a:extLst>
+          </p:cNvPr>
+          <p:cNvCxnSpPr>
+            <a:cxnSpLocks/>
+            <a:stCxn id="8" idx="2"/>
+            <a:endCxn id="9" idx="0"/>
+          </p:cNvCxnSpPr>
+          <p:nvPr/>
+        </p:nvCxnSpPr>
+        <p:spPr>
+          <a:xfrm flipH="1">
+            <a:off x="8204153" y="3256954"/>
+            <a:ext cx="9436" cy="917916"/>
+          </a:xfrm>
+          <a:prstGeom prst="straightConnector1">
+            <a:avLst/>
+          </a:prstGeom>
+          <a:ln>
+            <a:solidFill>
+              <a:schemeClr val="tx1"/>
+            </a:solidFill>
+            <a:tailEnd type="triangle"/>
+          </a:ln>
+        </p:spPr>
+        <p:style>
+          <a:lnRef idx="2">
+            <a:schemeClr val="accent1"/>
+          </a:lnRef>
+          <a:fillRef idx="0">
+            <a:schemeClr val="accent1"/>
+          </a:fillRef>
+          <a:effectRef idx="1">
+            <a:schemeClr val="accent1"/>
+          </a:effectRef>
+          <a:fontRef idx="minor">
+            <a:schemeClr val="tx1"/>
+          </a:fontRef>
+        </p:style>
+      </p:cxnSp>
+      <p:cxnSp>
+        <p:nvCxnSpPr>
+          <p:cNvPr id="48" name="Straight Arrow Connector 47">
+            <a:extLst>
+              <a:ext uri="{FF2B5EF4-FFF2-40B4-BE49-F238E27FC236}">
+                <a16:creationId xmlns:a16="http://schemas.microsoft.com/office/drawing/2014/main" id="{CA5F7461-7158-3B80-2981-8640253A2E49}"/>
+              </a:ext>
+            </a:extLst>
+          </p:cNvPr>
+          <p:cNvCxnSpPr>
+            <a:cxnSpLocks/>
+            <a:stCxn id="9" idx="1"/>
+            <a:endCxn id="14" idx="3"/>
+          </p:cNvCxnSpPr>
+          <p:nvPr/>
+        </p:nvCxnSpPr>
+        <p:spPr>
+          <a:xfrm flipH="1" flipV="1">
+            <a:off x="6648402" y="4480796"/>
+            <a:ext cx="806497" cy="2519"/>
+          </a:xfrm>
+          <a:prstGeom prst="straightConnector1">
+            <a:avLst/>
+          </a:prstGeom>
+          <a:ln>
+            <a:solidFill>
+              <a:schemeClr val="tx1"/>
+            </a:solidFill>
+            <a:tailEnd type="triangle"/>
+          </a:ln>
+        </p:spPr>
+        <p:style>
+          <a:lnRef idx="2">
+            <a:schemeClr val="accent1"/>
+          </a:lnRef>
+          <a:fillRef idx="0">
+            <a:schemeClr val="accent1"/>
+          </a:fillRef>
+          <a:effectRef idx="1">
+            <a:schemeClr val="accent1"/>
+          </a:effectRef>
+          <a:fontRef idx="minor">
+            <a:schemeClr val="tx1"/>
+          </a:fontRef>
+        </p:style>
+      </p:cxnSp>
+      <p:cxnSp>
+        <p:nvCxnSpPr>
+          <p:cNvPr id="52" name="Straight Arrow Connector 51">
+            <a:extLst>
+              <a:ext uri="{FF2B5EF4-FFF2-40B4-BE49-F238E27FC236}">
+                <a16:creationId xmlns:a16="http://schemas.microsoft.com/office/drawing/2014/main" id="{F7CBFF66-D44A-FB0C-3A64-70EA6710D10A}"/>
+              </a:ext>
+            </a:extLst>
+          </p:cNvPr>
+          <p:cNvCxnSpPr>
+            <a:cxnSpLocks/>
+            <a:stCxn id="14" idx="1"/>
+            <a:endCxn id="15" idx="3"/>
+          </p:cNvCxnSpPr>
+          <p:nvPr/>
+        </p:nvCxnSpPr>
+        <p:spPr>
+          <a:xfrm flipH="1">
+            <a:off x="4400641" y="4480796"/>
+            <a:ext cx="749254" cy="0"/>
+          </a:xfrm>
+          <a:prstGeom prst="straightConnector1">
+            <a:avLst/>
+          </a:prstGeom>
+          <a:ln>
+            <a:solidFill>
+              <a:schemeClr val="tx1"/>
+            </a:solidFill>
+            <a:tailEnd type="triangle"/>
+          </a:ln>
+        </p:spPr>
+        <p:style>
+          <a:lnRef idx="2">
+            <a:schemeClr val="accent1"/>
+          </a:lnRef>
+          <a:fillRef idx="0">
+            <a:schemeClr val="accent1"/>
+          </a:fillRef>
+          <a:effectRef idx="1">
+            <a:schemeClr val="accent1"/>
+          </a:effectRef>
+          <a:fontRef idx="minor">
+            <a:schemeClr val="tx1"/>
+          </a:fontRef>
+        </p:style>
+      </p:cxnSp>
+      <p:cxnSp>
+        <p:nvCxnSpPr>
+          <p:cNvPr id="57" name="Connector: Elbow 56">
+            <a:extLst>
+              <a:ext uri="{FF2B5EF4-FFF2-40B4-BE49-F238E27FC236}">
+                <a16:creationId xmlns:a16="http://schemas.microsoft.com/office/drawing/2014/main" id="{EAEDB875-6672-0F9F-D61A-73998C0B19C6}"/>
+              </a:ext>
+            </a:extLst>
+          </p:cNvPr>
+          <p:cNvCxnSpPr>
+            <a:cxnSpLocks/>
+            <a:stCxn id="6" idx="1"/>
+          </p:cNvCxnSpPr>
+          <p:nvPr/>
+        </p:nvCxnSpPr>
+        <p:spPr>
+          <a:xfrm rot="10800000" flipV="1">
+            <a:off x="8962845" y="2330269"/>
+            <a:ext cx="822133" cy="479601"/>
+          </a:xfrm>
+          <a:prstGeom prst="bentConnector3">
+            <a:avLst/>
+          </a:prstGeom>
+          <a:ln>
+            <a:solidFill>
+              <a:schemeClr val="tx1"/>
+            </a:solidFill>
+            <a:tailEnd type="triangle"/>
+          </a:ln>
+        </p:spPr>
+        <p:style>
+          <a:lnRef idx="2">
+            <a:schemeClr val="dk1"/>
+          </a:lnRef>
+          <a:fillRef idx="0">
+            <a:schemeClr val="dk1"/>
+          </a:fillRef>
+          <a:effectRef idx="1">
+            <a:schemeClr val="dk1"/>
+          </a:effectRef>
+          <a:fontRef idx="minor">
+            <a:schemeClr val="tx1"/>
+          </a:fontRef>
+        </p:style>
+      </p:cxnSp>
+      <p:cxnSp>
+        <p:nvCxnSpPr>
+          <p:cNvPr id="58" name="Connector: Elbow 57">
+            <a:extLst>
+              <a:ext uri="{FF2B5EF4-FFF2-40B4-BE49-F238E27FC236}">
+                <a16:creationId xmlns:a16="http://schemas.microsoft.com/office/drawing/2014/main" id="{34539EFC-02BA-0D39-57DB-FA9856F81247}"/>
+              </a:ext>
+            </a:extLst>
+          </p:cNvPr>
+          <p:cNvCxnSpPr>
+            <a:cxnSpLocks/>
+            <a:stCxn id="7" idx="1"/>
+          </p:cNvCxnSpPr>
+          <p:nvPr/>
+        </p:nvCxnSpPr>
+        <p:spPr>
+          <a:xfrm rot="10800000">
+            <a:off x="8930891" y="3120839"/>
+            <a:ext cx="854086" cy="443393"/>
+          </a:xfrm>
+          <a:prstGeom prst="bentConnector3">
+            <a:avLst/>
+          </a:prstGeom>
+          <a:ln>
+            <a:solidFill>
+              <a:schemeClr val="tx1"/>
+            </a:solidFill>
+            <a:tailEnd type="triangle"/>
+          </a:ln>
+        </p:spPr>
+        <p:style>
+          <a:lnRef idx="2">
+            <a:schemeClr val="dk1"/>
+          </a:lnRef>
+          <a:fillRef idx="0">
+            <a:schemeClr val="dk1"/>
+          </a:fillRef>
+          <a:effectRef idx="1">
+            <a:schemeClr val="dk1"/>
+          </a:effectRef>
+          <a:fontRef idx="minor">
+            <a:schemeClr val="tx1"/>
+          </a:fontRef>
+        </p:style>
+      </p:cxnSp>
+      <p:cxnSp>
+        <p:nvCxnSpPr>
+          <p:cNvPr id="83" name="Connector: Elbow 82">
+            <a:extLst>
+              <a:ext uri="{FF2B5EF4-FFF2-40B4-BE49-F238E27FC236}">
+                <a16:creationId xmlns:a16="http://schemas.microsoft.com/office/drawing/2014/main" id="{52D68A04-C40C-5521-B43D-2536923C4C4B}"/>
+              </a:ext>
+            </a:extLst>
+          </p:cNvPr>
+          <p:cNvCxnSpPr>
+            <a:stCxn id="5" idx="3"/>
+            <a:endCxn id="7" idx="3"/>
+          </p:cNvCxnSpPr>
+          <p:nvPr/>
+        </p:nvCxnSpPr>
+        <p:spPr>
+          <a:xfrm>
+            <a:off x="11721353" y="678620"/>
+            <a:ext cx="12700" cy="2885611"/>
+          </a:xfrm>
+          <a:prstGeom prst="bentConnector3">
+            <a:avLst>
+              <a:gd name="adj1" fmla="val 1800000"/>
+            </a:avLst>
+          </a:prstGeom>
+          <a:ln>
+            <a:tailEnd type="triangle"/>
+          </a:ln>
+        </p:spPr>
+        <p:style>
+          <a:lnRef idx="2">
+            <a:schemeClr val="dk1"/>
+          </a:lnRef>
+          <a:fillRef idx="0">
+            <a:schemeClr val="dk1"/>
+          </a:fillRef>
+          <a:effectRef idx="1">
+            <a:schemeClr val="dk1"/>
+          </a:effectRef>
+          <a:fontRef idx="minor">
+            <a:schemeClr val="tx1"/>
+          </a:fontRef>
+        </p:style>
+      </p:cxnSp>
+      <p:cxnSp>
+        <p:nvCxnSpPr>
+          <p:cNvPr id="111" name="Straight Arrow Connector 110">
+            <a:extLst>
+              <a:ext uri="{FF2B5EF4-FFF2-40B4-BE49-F238E27FC236}">
+                <a16:creationId xmlns:a16="http://schemas.microsoft.com/office/drawing/2014/main" id="{00B0408E-4F5B-EEB7-E3D8-BC3E7E52118F}"/>
+              </a:ext>
+            </a:extLst>
+          </p:cNvPr>
+          <p:cNvCxnSpPr>
+            <a:cxnSpLocks/>
+            <a:endCxn id="12" idx="1"/>
+          </p:cNvCxnSpPr>
+          <p:nvPr/>
+        </p:nvCxnSpPr>
+        <p:spPr>
+          <a:xfrm flipV="1">
+            <a:off x="1858784" y="2944822"/>
+            <a:ext cx="986109" cy="538414"/>
+          </a:xfrm>
+          <a:prstGeom prst="straightConnector1">
+            <a:avLst/>
+          </a:prstGeom>
+          <a:ln>
+            <a:tailEnd type="triangle"/>
+          </a:ln>
+        </p:spPr>
+        <p:style>
+          <a:lnRef idx="2">
+            <a:schemeClr val="dk1"/>
+          </a:lnRef>
+          <a:fillRef idx="0">
+            <a:schemeClr val="dk1"/>
+          </a:fillRef>
+          <a:effectRef idx="1">
+            <a:schemeClr val="dk1"/>
+          </a:effectRef>
+          <a:fontRef idx="minor">
+            <a:schemeClr val="tx1"/>
+          </a:fontRef>
+        </p:style>
+      </p:cxnSp>
+      <p:cxnSp>
+        <p:nvCxnSpPr>
+          <p:cNvPr id="113" name="Straight Arrow Connector 112">
+            <a:extLst>
+              <a:ext uri="{FF2B5EF4-FFF2-40B4-BE49-F238E27FC236}">
+                <a16:creationId xmlns:a16="http://schemas.microsoft.com/office/drawing/2014/main" id="{AF0B6387-7EE6-AD17-DAA2-E24F1D6FCD7F}"/>
+              </a:ext>
+            </a:extLst>
+          </p:cNvPr>
+          <p:cNvCxnSpPr>
+            <a:cxnSpLocks/>
+            <a:stCxn id="15" idx="1"/>
+          </p:cNvCxnSpPr>
+          <p:nvPr/>
+        </p:nvCxnSpPr>
+        <p:spPr>
+          <a:xfrm flipH="1" flipV="1">
+            <a:off x="1830164" y="4101977"/>
+            <a:ext cx="1071970" cy="378819"/>
+          </a:xfrm>
+          <a:prstGeom prst="straightConnector1">
+            <a:avLst/>
+          </a:prstGeom>
+          <a:ln>
+            <a:tailEnd type="triangle"/>
+          </a:ln>
+        </p:spPr>
+        <p:style>
+          <a:lnRef idx="2">
+            <a:schemeClr val="dk1"/>
+          </a:lnRef>
+          <a:fillRef idx="0">
+            <a:schemeClr val="dk1"/>
+          </a:fillRef>
+          <a:effectRef idx="1">
+            <a:schemeClr val="dk1"/>
+          </a:effectRef>
+          <a:fontRef idx="minor">
+            <a:schemeClr val="tx1"/>
+          </a:fontRef>
+        </p:style>
+      </p:cxnSp>
+      <p:cxnSp>
+        <p:nvCxnSpPr>
+          <p:cNvPr id="131" name="Straight Connector 130">
+            <a:extLst>
+              <a:ext uri="{FF2B5EF4-FFF2-40B4-BE49-F238E27FC236}">
+                <a16:creationId xmlns:a16="http://schemas.microsoft.com/office/drawing/2014/main" id="{1D0D6C68-7A66-C523-29CD-9E57B59C6F66}"/>
+              </a:ext>
+            </a:extLst>
+          </p:cNvPr>
+          <p:cNvCxnSpPr>
+            <a:cxnSpLocks/>
+          </p:cNvCxnSpPr>
+          <p:nvPr/>
+        </p:nvCxnSpPr>
+        <p:spPr>
+          <a:xfrm flipH="1">
+            <a:off x="4945319" y="149225"/>
+            <a:ext cx="4506" cy="1049814"/>
+          </a:xfrm>
+          <a:prstGeom prst="line">
+            <a:avLst/>
+          </a:prstGeom>
+          <a:ln>
+            <a:solidFill>
+              <a:schemeClr val="tx1"/>
+            </a:solidFill>
+            <a:prstDash val="sysDash"/>
+          </a:ln>
+        </p:spPr>
+        <p:style>
+          <a:lnRef idx="2">
+            <a:schemeClr val="accent1"/>
+          </a:lnRef>
+          <a:fillRef idx="0">
+            <a:schemeClr val="accent1"/>
+          </a:fillRef>
+          <a:effectRef idx="1">
+            <a:schemeClr val="accent1"/>
+          </a:effectRef>
+          <a:fontRef idx="minor">
+            <a:schemeClr val="tx1"/>
+          </a:fontRef>
+        </p:style>
+      </p:cxnSp>
+      <p:cxnSp>
+        <p:nvCxnSpPr>
+          <p:cNvPr id="133" name="Straight Connector 132">
+            <a:extLst>
+              <a:ext uri="{FF2B5EF4-FFF2-40B4-BE49-F238E27FC236}">
+                <a16:creationId xmlns:a16="http://schemas.microsoft.com/office/drawing/2014/main" id="{58E2D5B7-E5C3-505B-F292-F270573CA103}"/>
+              </a:ext>
+            </a:extLst>
+          </p:cNvPr>
+          <p:cNvCxnSpPr>
+            <a:cxnSpLocks/>
+          </p:cNvCxnSpPr>
+          <p:nvPr/>
+        </p:nvCxnSpPr>
+        <p:spPr>
+          <a:xfrm>
+            <a:off x="4945319" y="149225"/>
+            <a:ext cx="7155241" cy="0"/>
+          </a:xfrm>
+          <a:prstGeom prst="line">
+            <a:avLst/>
+          </a:prstGeom>
+          <a:ln>
+            <a:solidFill>
+              <a:schemeClr val="tx1"/>
+            </a:solidFill>
+            <a:prstDash val="sysDash"/>
+          </a:ln>
+        </p:spPr>
+        <p:style>
+          <a:lnRef idx="2">
+            <a:schemeClr val="accent1"/>
+          </a:lnRef>
+          <a:fillRef idx="0">
+            <a:schemeClr val="accent1"/>
+          </a:fillRef>
+          <a:effectRef idx="1">
+            <a:schemeClr val="accent1"/>
+          </a:effectRef>
+          <a:fontRef idx="minor">
+            <a:schemeClr val="tx1"/>
+          </a:fontRef>
+        </p:style>
+      </p:cxnSp>
+      <p:cxnSp>
+        <p:nvCxnSpPr>
+          <p:cNvPr id="137" name="Straight Connector 136">
+            <a:extLst>
+              <a:ext uri="{FF2B5EF4-FFF2-40B4-BE49-F238E27FC236}">
+                <a16:creationId xmlns:a16="http://schemas.microsoft.com/office/drawing/2014/main" id="{AD7EC239-0F29-0588-BFF3-332A467F769B}"/>
+              </a:ext>
+            </a:extLst>
+          </p:cNvPr>
+          <p:cNvCxnSpPr>
+            <a:cxnSpLocks/>
+          </p:cNvCxnSpPr>
+          <p:nvPr/>
+        </p:nvCxnSpPr>
+        <p:spPr>
+          <a:xfrm>
+            <a:off x="4945319" y="1199039"/>
+            <a:ext cx="2270821" cy="0"/>
+          </a:xfrm>
+          <a:prstGeom prst="line">
+            <a:avLst/>
+          </a:prstGeom>
+          <a:ln>
+            <a:solidFill>
+              <a:schemeClr val="tx1"/>
+            </a:solidFill>
+            <a:prstDash val="sysDash"/>
+          </a:ln>
+        </p:spPr>
+        <p:style>
+          <a:lnRef idx="2">
+            <a:schemeClr val="accent1"/>
+          </a:lnRef>
+          <a:fillRef idx="0">
+            <a:schemeClr val="accent1"/>
+          </a:fillRef>
+          <a:effectRef idx="1">
+            <a:schemeClr val="accent1"/>
+          </a:effectRef>
+          <a:fontRef idx="minor">
+            <a:schemeClr val="tx1"/>
+          </a:fontRef>
+        </p:style>
+      </p:cxnSp>
+      <p:cxnSp>
+        <p:nvCxnSpPr>
+          <p:cNvPr id="140" name="Straight Connector 139">
+            <a:extLst>
+              <a:ext uri="{FF2B5EF4-FFF2-40B4-BE49-F238E27FC236}">
+                <a16:creationId xmlns:a16="http://schemas.microsoft.com/office/drawing/2014/main" id="{EF6FD7B7-5B67-07EE-376B-BEBEA53B3C30}"/>
+              </a:ext>
+            </a:extLst>
+          </p:cNvPr>
+          <p:cNvCxnSpPr>
+            <a:cxnSpLocks/>
+          </p:cNvCxnSpPr>
+          <p:nvPr/>
+        </p:nvCxnSpPr>
+        <p:spPr>
+          <a:xfrm>
+            <a:off x="7216140" y="1199039"/>
+            <a:ext cx="0" cy="3776821"/>
+          </a:xfrm>
+          <a:prstGeom prst="line">
+            <a:avLst/>
+          </a:prstGeom>
+          <a:ln>
+            <a:solidFill>
+              <a:schemeClr val="tx1"/>
+            </a:solidFill>
+            <a:prstDash val="sysDash"/>
+          </a:ln>
+        </p:spPr>
+        <p:style>
+          <a:lnRef idx="2">
+            <a:schemeClr val="accent1"/>
+          </a:lnRef>
+          <a:fillRef idx="0">
+            <a:schemeClr val="accent1"/>
+          </a:fillRef>
+          <a:effectRef idx="1">
+            <a:schemeClr val="accent1"/>
+          </a:effectRef>
+          <a:fontRef idx="minor">
+            <a:schemeClr val="tx1"/>
+          </a:fontRef>
+        </p:style>
+      </p:cxnSp>
+      <p:cxnSp>
+        <p:nvCxnSpPr>
+          <p:cNvPr id="144" name="Straight Connector 143">
+            <a:extLst>
+              <a:ext uri="{FF2B5EF4-FFF2-40B4-BE49-F238E27FC236}">
+                <a16:creationId xmlns:a16="http://schemas.microsoft.com/office/drawing/2014/main" id="{DE97D5BB-3614-DCBE-B045-5CB2E1172E70}"/>
+              </a:ext>
+            </a:extLst>
+          </p:cNvPr>
+          <p:cNvCxnSpPr>
+            <a:cxnSpLocks/>
+          </p:cNvCxnSpPr>
+          <p:nvPr/>
+        </p:nvCxnSpPr>
+        <p:spPr>
+          <a:xfrm>
+            <a:off x="12100560" y="149225"/>
+            <a:ext cx="0" cy="4826635"/>
+          </a:xfrm>
+          <a:prstGeom prst="line">
+            <a:avLst/>
+          </a:prstGeom>
+          <a:ln>
+            <a:solidFill>
+              <a:schemeClr val="tx1"/>
+            </a:solidFill>
+            <a:prstDash val="sysDash"/>
+          </a:ln>
+        </p:spPr>
+        <p:style>
+          <a:lnRef idx="2">
+            <a:schemeClr val="accent1"/>
+          </a:lnRef>
+          <a:fillRef idx="0">
+            <a:schemeClr val="accent1"/>
+          </a:fillRef>
+          <a:effectRef idx="1">
+            <a:schemeClr val="accent1"/>
+          </a:effectRef>
+          <a:fontRef idx="minor">
+            <a:schemeClr val="tx1"/>
+          </a:fontRef>
+        </p:style>
+      </p:cxnSp>
+      <p:cxnSp>
+        <p:nvCxnSpPr>
+          <p:cNvPr id="147" name="Straight Connector 146">
+            <a:extLst>
+              <a:ext uri="{FF2B5EF4-FFF2-40B4-BE49-F238E27FC236}">
+                <a16:creationId xmlns:a16="http://schemas.microsoft.com/office/drawing/2014/main" id="{BD8321B7-48F4-885D-3F78-68C7ABFE6C44}"/>
+              </a:ext>
+            </a:extLst>
+          </p:cNvPr>
+          <p:cNvCxnSpPr>
+            <a:cxnSpLocks/>
+          </p:cNvCxnSpPr>
+          <p:nvPr/>
+        </p:nvCxnSpPr>
+        <p:spPr>
+          <a:xfrm>
+            <a:off x="7216140" y="4975860"/>
+            <a:ext cx="4884420" cy="0"/>
+          </a:xfrm>
+          <a:prstGeom prst="line">
+            <a:avLst/>
+          </a:prstGeom>
+          <a:ln>
+            <a:solidFill>
+              <a:schemeClr val="tx1"/>
+            </a:solidFill>
+            <a:prstDash val="sysDash"/>
+          </a:ln>
+        </p:spPr>
+        <p:style>
+          <a:lnRef idx="2">
+            <a:schemeClr val="accent1"/>
+          </a:lnRef>
+          <a:fillRef idx="0">
+            <a:schemeClr val="accent1"/>
+          </a:fillRef>
+          <a:effectRef idx="1">
+            <a:schemeClr val="accent1"/>
+          </a:effectRef>
+          <a:fontRef idx="minor">
+            <a:schemeClr val="tx1"/>
+          </a:fontRef>
+        </p:style>
+      </p:cxnSp>
+    </p:spTree>
+    <p:extLst>
+      <p:ext uri="{BB962C8B-B14F-4D97-AF65-F5344CB8AC3E}">
+        <p14:creationId xmlns:p14="http://schemas.microsoft.com/office/powerpoint/2010/main" val="4264725461"/>
+      </p:ext>
+    </p:extLst>
+  </p:cSld>
+  <p:clrMapOvr>
+    <a:masterClrMapping/>
+  </p:clrMapOvr>
+</p:sld>
+</file>
+
+<file path=ppt/slides/slide2.xml><?xml version="1.0" encoding="utf-8"?>
+<p:sld xmlns:a="http://schemas.openxmlformats.org/drawingml/2006/main" xmlns:r="http://schemas.openxmlformats.org/officeDocument/2006/relationships" xmlns:p="http://schemas.openxmlformats.org/presentationml/2006/main">
+  <p:cSld>
+    <p:spTree>
+      <p:nvGrpSpPr>
+        <p:cNvPr id="1" name=""/>
+        <p:cNvGrpSpPr/>
+        <p:nvPr/>
+      </p:nvGrpSpPr>
+      <p:grpSpPr>
+        <a:xfrm>
+          <a:off x="0" y="0"/>
+          <a:ext cx="0" cy="0"/>
+          <a:chOff x="0" y="0"/>
+          <a:chExt cx="0" cy="0"/>
+        </a:xfrm>
+      </p:grpSpPr>
       <p:pic>
         <p:nvPicPr>
           <p:cNvPr id="3" name="Graphic 2" descr="Closed book outline">
@@ -3677,6 +6006,3024 @@
     <p:extLst>
       <p:ext uri="{BB962C8B-B14F-4D97-AF65-F5344CB8AC3E}">
         <p14:creationId xmlns:p14="http://schemas.microsoft.com/office/powerpoint/2010/main" val="365958809"/>
+      </p:ext>
+    </p:extLst>
+  </p:cSld>
+  <p:clrMapOvr>
+    <a:masterClrMapping/>
+  </p:clrMapOvr>
+</p:sld>
+</file>
+
+<file path=ppt/slides/slide3.xml><?xml version="1.0" encoding="utf-8"?>
+<p:sld xmlns:a="http://schemas.openxmlformats.org/drawingml/2006/main" xmlns:r="http://schemas.openxmlformats.org/officeDocument/2006/relationships" xmlns:p="http://schemas.openxmlformats.org/presentationml/2006/main">
+  <p:cSld>
+    <p:spTree>
+      <p:nvGrpSpPr>
+        <p:cNvPr id="1" name=""/>
+        <p:cNvGrpSpPr/>
+        <p:nvPr/>
+      </p:nvGrpSpPr>
+      <p:grpSpPr>
+        <a:xfrm>
+          <a:off x="0" y="0"/>
+          <a:ext cx="0" cy="0"/>
+          <a:chOff x="0" y="0"/>
+          <a:chExt cx="0" cy="0"/>
+        </a:xfrm>
+      </p:grpSpPr>
+      <p:sp>
+        <p:nvSpPr>
+          <p:cNvPr id="2" name="TextBox 1">
+            <a:extLst>
+              <a:ext uri="{FF2B5EF4-FFF2-40B4-BE49-F238E27FC236}">
+                <a16:creationId xmlns:a16="http://schemas.microsoft.com/office/drawing/2014/main" id="{66497829-D8FF-F2E4-0A7A-09423295FBEA}"/>
+              </a:ext>
+            </a:extLst>
+          </p:cNvPr>
+          <p:cNvSpPr txBox="1"/>
+          <p:nvPr/>
+        </p:nvSpPr>
+        <p:spPr>
+          <a:xfrm>
+            <a:off x="591671" y="605118"/>
+            <a:ext cx="3809056" cy="369332"/>
+          </a:xfrm>
+          <a:prstGeom prst="rect">
+            <a:avLst/>
+          </a:prstGeom>
+          <a:noFill/>
+        </p:spPr>
+        <p:txBody>
+          <a:bodyPr wrap="none" rtlCol="0">
+            <a:spAutoFit/>
+          </a:bodyPr>
+          <a:lstStyle/>
+          <a:p>
+            <a:r>
+              <a:rPr lang="en-US" dirty="0" err="1"/>
+              <a:t>Hình</a:t>
+            </a:r>
+            <a:r>
+              <a:rPr lang="en-US" dirty="0"/>
+              <a:t> </a:t>
+            </a:r>
+            <a:r>
+              <a:rPr lang="en-US" dirty="0" err="1"/>
+              <a:t>mô</a:t>
+            </a:r>
+            <a:r>
+              <a:rPr lang="en-US" dirty="0"/>
+              <a:t> </a:t>
+            </a:r>
+            <a:r>
+              <a:rPr lang="en-US" dirty="0" err="1"/>
+              <a:t>tả</a:t>
+            </a:r>
+            <a:r>
+              <a:rPr lang="en-US" dirty="0"/>
+              <a:t> </a:t>
+            </a:r>
+            <a:r>
+              <a:rPr lang="en-US" dirty="0" err="1"/>
+              <a:t>quá</a:t>
+            </a:r>
+            <a:r>
+              <a:rPr lang="en-US" dirty="0"/>
+              <a:t> </a:t>
+            </a:r>
+            <a:r>
+              <a:rPr lang="en-US" dirty="0" err="1"/>
+              <a:t>trình</a:t>
+            </a:r>
+            <a:r>
+              <a:rPr lang="en-US" dirty="0"/>
+              <a:t> </a:t>
+            </a:r>
+            <a:r>
+              <a:rPr lang="en-US" dirty="0" err="1"/>
+              <a:t>thu</a:t>
+            </a:r>
+            <a:r>
+              <a:rPr lang="en-US" dirty="0"/>
+              <a:t> </a:t>
+            </a:r>
+            <a:r>
+              <a:rPr lang="en-US" dirty="0" err="1"/>
+              <a:t>thập</a:t>
+            </a:r>
+            <a:r>
+              <a:rPr lang="en-US" dirty="0"/>
+              <a:t> </a:t>
+            </a:r>
+            <a:r>
+              <a:rPr lang="en-US" dirty="0" err="1"/>
+              <a:t>dữ</a:t>
+            </a:r>
+            <a:r>
+              <a:rPr lang="en-US" dirty="0"/>
+              <a:t> </a:t>
+            </a:r>
+            <a:r>
+              <a:rPr lang="en-US" dirty="0" err="1"/>
+              <a:t>liệu</a:t>
+            </a:r>
+            <a:endParaRPr lang="en-US" dirty="0"/>
+          </a:p>
+        </p:txBody>
+      </p:sp>
+      <p:pic>
+        <p:nvPicPr>
+          <p:cNvPr id="5" name="Picture 4" descr="SA stack of books with a bookmark">
+            <a:extLst>
+              <a:ext uri="{FF2B5EF4-FFF2-40B4-BE49-F238E27FC236}">
+                <a16:creationId xmlns:a16="http://schemas.microsoft.com/office/drawing/2014/main" id="{6E3F6604-BA07-4786-C6BC-5C1375AD7895}"/>
+              </a:ext>
+            </a:extLst>
+          </p:cNvPr>
+          <p:cNvPicPr>
+            <a:picLocks noChangeAspect="1"/>
+          </p:cNvPicPr>
+          <p:nvPr/>
+        </p:nvPicPr>
+        <p:blipFill>
+          <a:blip r:embed="rId2">
+            <a:extLst>
+              <a:ext uri="{28A0092B-C50C-407E-A947-70E740481C1C}">
+                <a14:useLocalDpi xmlns:a14="http://schemas.microsoft.com/office/drawing/2010/main" val="0"/>
+              </a:ext>
+            </a:extLst>
+          </a:blip>
+          <a:stretch>
+            <a:fillRect/>
+          </a:stretch>
+        </p:blipFill>
+        <p:spPr>
+          <a:xfrm>
+            <a:off x="2053839" y="3074508"/>
+            <a:ext cx="2346888" cy="2234282"/>
+          </a:xfrm>
+          <a:prstGeom prst="rect">
+            <a:avLst/>
+          </a:prstGeom>
+        </p:spPr>
+      </p:pic>
+      <p:sp>
+        <p:nvSpPr>
+          <p:cNvPr id="6" name="TextBox 5">
+            <a:extLst>
+              <a:ext uri="{FF2B5EF4-FFF2-40B4-BE49-F238E27FC236}">
+                <a16:creationId xmlns:a16="http://schemas.microsoft.com/office/drawing/2014/main" id="{D6E64CA9-55C8-1D4D-D10E-4CC1A663CD46}"/>
+              </a:ext>
+            </a:extLst>
+          </p:cNvPr>
+          <p:cNvSpPr txBox="1"/>
+          <p:nvPr/>
+        </p:nvSpPr>
+        <p:spPr>
+          <a:xfrm>
+            <a:off x="2412013" y="2435597"/>
+            <a:ext cx="1717008" cy="786754"/>
+          </a:xfrm>
+          <a:prstGeom prst="rect">
+            <a:avLst/>
+          </a:prstGeom>
+          <a:noFill/>
+        </p:spPr>
+        <p:txBody>
+          <a:bodyPr wrap="none" rtlCol="0">
+            <a:spAutoFit/>
+          </a:bodyPr>
+          <a:lstStyle/>
+          <a:p>
+            <a:pPr algn="ctr">
+              <a:lnSpc>
+                <a:spcPct val="150000"/>
+              </a:lnSpc>
+            </a:pPr>
+            <a:r>
+              <a:rPr lang="en-US" sz="1600" b="1" dirty="0" err="1">
+                <a:latin typeface="Times New Roman" panose="02020603050405020304" pitchFamily="18" charset="0"/>
+                <a:cs typeface="Times New Roman" panose="02020603050405020304" pitchFamily="18" charset="0"/>
+              </a:rPr>
+              <a:t>Sách</a:t>
+            </a:r>
+            <a:r>
+              <a:rPr lang="en-US" sz="1600" b="1" dirty="0">
+                <a:latin typeface="Times New Roman" panose="02020603050405020304" pitchFamily="18" charset="0"/>
+                <a:cs typeface="Times New Roman" panose="02020603050405020304" pitchFamily="18" charset="0"/>
+              </a:rPr>
+              <a:t> </a:t>
+            </a:r>
+            <a:r>
+              <a:rPr lang="en-US" sz="1600" b="1" dirty="0" err="1">
+                <a:latin typeface="Times New Roman" panose="02020603050405020304" pitchFamily="18" charset="0"/>
+                <a:cs typeface="Times New Roman" panose="02020603050405020304" pitchFamily="18" charset="0"/>
+              </a:rPr>
+              <a:t>giáo</a:t>
+            </a:r>
+            <a:r>
+              <a:rPr lang="en-US" sz="1600" b="1" dirty="0">
+                <a:latin typeface="Times New Roman" panose="02020603050405020304" pitchFamily="18" charset="0"/>
+                <a:cs typeface="Times New Roman" panose="02020603050405020304" pitchFamily="18" charset="0"/>
+              </a:rPr>
+              <a:t> khoa</a:t>
+            </a:r>
+          </a:p>
+          <a:p>
+            <a:pPr algn="ctr">
+              <a:lnSpc>
+                <a:spcPct val="150000"/>
+              </a:lnSpc>
+            </a:pPr>
+            <a:r>
+              <a:rPr lang="en-US" sz="1600" b="1" dirty="0" err="1">
+                <a:latin typeface="Times New Roman" panose="02020603050405020304" pitchFamily="18" charset="0"/>
+                <a:cs typeface="Times New Roman" panose="02020603050405020304" pitchFamily="18" charset="0"/>
+              </a:rPr>
+              <a:t>Lịch</a:t>
+            </a:r>
+            <a:r>
+              <a:rPr lang="en-US" sz="1600" b="1" dirty="0">
+                <a:latin typeface="Times New Roman" panose="02020603050405020304" pitchFamily="18" charset="0"/>
+                <a:cs typeface="Times New Roman" panose="02020603050405020304" pitchFamily="18" charset="0"/>
+              </a:rPr>
+              <a:t> </a:t>
+            </a:r>
+            <a:r>
+              <a:rPr lang="en-US" sz="1600" b="1" dirty="0" err="1">
+                <a:latin typeface="Times New Roman" panose="02020603050405020304" pitchFamily="18" charset="0"/>
+                <a:cs typeface="Times New Roman" panose="02020603050405020304" pitchFamily="18" charset="0"/>
+              </a:rPr>
+              <a:t>sử</a:t>
+            </a:r>
+            <a:r>
+              <a:rPr lang="en-US" sz="1600" b="1" dirty="0">
+                <a:latin typeface="Times New Roman" panose="02020603050405020304" pitchFamily="18" charset="0"/>
+                <a:cs typeface="Times New Roman" panose="02020603050405020304" pitchFamily="18" charset="0"/>
+              </a:rPr>
+              <a:t> Việt Nam</a:t>
+            </a:r>
+          </a:p>
+        </p:txBody>
+      </p:sp>
+      <p:sp>
+        <p:nvSpPr>
+          <p:cNvPr id="7" name="Cylinder 6">
+            <a:extLst>
+              <a:ext uri="{FF2B5EF4-FFF2-40B4-BE49-F238E27FC236}">
+                <a16:creationId xmlns:a16="http://schemas.microsoft.com/office/drawing/2014/main" id="{332FD407-45B1-8B63-03C2-2931E3555CE3}"/>
+              </a:ext>
+            </a:extLst>
+          </p:cNvPr>
+          <p:cNvSpPr/>
+          <p:nvPr/>
+        </p:nvSpPr>
+        <p:spPr>
+          <a:xfrm>
+            <a:off x="8005949" y="2779708"/>
+            <a:ext cx="2346887" cy="2823882"/>
+          </a:xfrm>
+          <a:prstGeom prst="can">
+            <a:avLst/>
+          </a:prstGeom>
+          <a:solidFill>
+            <a:schemeClr val="bg2"/>
+          </a:solidFill>
+          <a:ln>
+            <a:solidFill>
+              <a:schemeClr val="tx1"/>
+            </a:solidFill>
+          </a:ln>
+        </p:spPr>
+        <p:style>
+          <a:lnRef idx="2">
+            <a:schemeClr val="accent1">
+              <a:shade val="15000"/>
+            </a:schemeClr>
+          </a:lnRef>
+          <a:fillRef idx="1">
+            <a:schemeClr val="accent1"/>
+          </a:fillRef>
+          <a:effectRef idx="0">
+            <a:schemeClr val="accent1"/>
+          </a:effectRef>
+          <a:fontRef idx="minor">
+            <a:schemeClr val="lt1"/>
+          </a:fontRef>
+        </p:style>
+        <p:txBody>
+          <a:bodyPr rtlCol="0" anchor="ctr"/>
+          <a:lstStyle/>
+          <a:p>
+            <a:pPr algn="ctr">
+              <a:lnSpc>
+                <a:spcPct val="150000"/>
+              </a:lnSpc>
+            </a:pPr>
+            <a:r>
+              <a:rPr lang="en-US" sz="1600" b="1" dirty="0">
+                <a:solidFill>
+                  <a:schemeClr val="tx1"/>
+                </a:solidFill>
+                <a:latin typeface="Times New Roman" panose="02020603050405020304" pitchFamily="18" charset="0"/>
+                <a:cs typeface="Times New Roman" panose="02020603050405020304" pitchFamily="18" charset="0"/>
+              </a:rPr>
+              <a:t>Kho </a:t>
+            </a:r>
+            <a:r>
+              <a:rPr lang="en-US" sz="1600" b="1" dirty="0" err="1">
+                <a:solidFill>
+                  <a:schemeClr val="tx1"/>
+                </a:solidFill>
+                <a:latin typeface="Times New Roman" panose="02020603050405020304" pitchFamily="18" charset="0"/>
+                <a:cs typeface="Times New Roman" panose="02020603050405020304" pitchFamily="18" charset="0"/>
+              </a:rPr>
+              <a:t>tài</a:t>
+            </a:r>
+            <a:r>
+              <a:rPr lang="en-US" sz="1600" b="1" dirty="0">
+                <a:solidFill>
+                  <a:schemeClr val="tx1"/>
+                </a:solidFill>
+                <a:latin typeface="Times New Roman" panose="02020603050405020304" pitchFamily="18" charset="0"/>
+                <a:cs typeface="Times New Roman" panose="02020603050405020304" pitchFamily="18" charset="0"/>
+              </a:rPr>
+              <a:t> </a:t>
+            </a:r>
+            <a:r>
+              <a:rPr lang="en-US" sz="1600" b="1" dirty="0" err="1">
+                <a:solidFill>
+                  <a:schemeClr val="tx1"/>
+                </a:solidFill>
+                <a:latin typeface="Times New Roman" panose="02020603050405020304" pitchFamily="18" charset="0"/>
+                <a:cs typeface="Times New Roman" panose="02020603050405020304" pitchFamily="18" charset="0"/>
+              </a:rPr>
+              <a:t>liệu</a:t>
+            </a:r>
+            <a:endParaRPr lang="en-US" sz="1600" b="1" dirty="0">
+              <a:solidFill>
+                <a:schemeClr val="tx1"/>
+              </a:solidFill>
+              <a:latin typeface="Times New Roman" panose="02020603050405020304" pitchFamily="18" charset="0"/>
+              <a:cs typeface="Times New Roman" panose="02020603050405020304" pitchFamily="18" charset="0"/>
+            </a:endParaRPr>
+          </a:p>
+          <a:p>
+            <a:pPr algn="ctr">
+              <a:lnSpc>
+                <a:spcPct val="150000"/>
+              </a:lnSpc>
+            </a:pPr>
+            <a:r>
+              <a:rPr lang="en-US" sz="1600" b="1" dirty="0" err="1">
+                <a:solidFill>
+                  <a:schemeClr val="tx1"/>
+                </a:solidFill>
+                <a:latin typeface="Times New Roman" panose="02020603050405020304" pitchFamily="18" charset="0"/>
+                <a:cs typeface="Times New Roman" panose="02020603050405020304" pitchFamily="18" charset="0"/>
+              </a:rPr>
+              <a:t>Lịch</a:t>
+            </a:r>
+            <a:r>
+              <a:rPr lang="en-US" sz="1600" b="1" dirty="0">
+                <a:solidFill>
+                  <a:schemeClr val="tx1"/>
+                </a:solidFill>
+                <a:latin typeface="Times New Roman" panose="02020603050405020304" pitchFamily="18" charset="0"/>
+                <a:cs typeface="Times New Roman" panose="02020603050405020304" pitchFamily="18" charset="0"/>
+              </a:rPr>
+              <a:t> </a:t>
+            </a:r>
+            <a:r>
+              <a:rPr lang="en-US" sz="1600" b="1" dirty="0" err="1">
+                <a:solidFill>
+                  <a:schemeClr val="tx1"/>
+                </a:solidFill>
+                <a:latin typeface="Times New Roman" panose="02020603050405020304" pitchFamily="18" charset="0"/>
+                <a:cs typeface="Times New Roman" panose="02020603050405020304" pitchFamily="18" charset="0"/>
+              </a:rPr>
+              <a:t>sử</a:t>
+            </a:r>
+            <a:r>
+              <a:rPr lang="en-US" sz="1600" b="1" dirty="0">
+                <a:solidFill>
+                  <a:schemeClr val="tx1"/>
+                </a:solidFill>
+                <a:latin typeface="Times New Roman" panose="02020603050405020304" pitchFamily="18" charset="0"/>
+                <a:cs typeface="Times New Roman" panose="02020603050405020304" pitchFamily="18" charset="0"/>
+              </a:rPr>
+              <a:t> Việt Nam</a:t>
+            </a:r>
+          </a:p>
+        </p:txBody>
+      </p:sp>
+      <p:cxnSp>
+        <p:nvCxnSpPr>
+          <p:cNvPr id="9" name="Straight Arrow Connector 8">
+            <a:extLst>
+              <a:ext uri="{FF2B5EF4-FFF2-40B4-BE49-F238E27FC236}">
+                <a16:creationId xmlns:a16="http://schemas.microsoft.com/office/drawing/2014/main" id="{2ACE4B27-B07C-3A57-4391-61D5579D75BC}"/>
+              </a:ext>
+            </a:extLst>
+          </p:cNvPr>
+          <p:cNvCxnSpPr>
+            <a:cxnSpLocks/>
+            <a:stCxn id="5" idx="3"/>
+            <a:endCxn id="7" idx="2"/>
+          </p:cNvCxnSpPr>
+          <p:nvPr/>
+        </p:nvCxnSpPr>
+        <p:spPr>
+          <a:xfrm>
+            <a:off x="4400727" y="4191649"/>
+            <a:ext cx="3605222" cy="0"/>
+          </a:xfrm>
+          <a:prstGeom prst="straightConnector1">
+            <a:avLst/>
+          </a:prstGeom>
+          <a:ln>
+            <a:tailEnd type="triangle"/>
+          </a:ln>
+        </p:spPr>
+        <p:style>
+          <a:lnRef idx="2">
+            <a:schemeClr val="dk1"/>
+          </a:lnRef>
+          <a:fillRef idx="0">
+            <a:schemeClr val="dk1"/>
+          </a:fillRef>
+          <a:effectRef idx="1">
+            <a:schemeClr val="dk1"/>
+          </a:effectRef>
+          <a:fontRef idx="minor">
+            <a:schemeClr val="tx1"/>
+          </a:fontRef>
+        </p:style>
+      </p:cxnSp>
+      <p:sp>
+        <p:nvSpPr>
+          <p:cNvPr id="11" name="TextBox 10">
+            <a:extLst>
+              <a:ext uri="{FF2B5EF4-FFF2-40B4-BE49-F238E27FC236}">
+                <a16:creationId xmlns:a16="http://schemas.microsoft.com/office/drawing/2014/main" id="{E8B193BF-D9F4-2D52-CF09-9F83F9F743EB}"/>
+              </a:ext>
+            </a:extLst>
+          </p:cNvPr>
+          <p:cNvSpPr txBox="1"/>
+          <p:nvPr/>
+        </p:nvSpPr>
+        <p:spPr>
+          <a:xfrm>
+            <a:off x="5450472" y="3696149"/>
+            <a:ext cx="1545616" cy="417422"/>
+          </a:xfrm>
+          <a:prstGeom prst="rect">
+            <a:avLst/>
+          </a:prstGeom>
+          <a:noFill/>
+        </p:spPr>
+        <p:txBody>
+          <a:bodyPr wrap="none" rtlCol="0">
+            <a:spAutoFit/>
+          </a:bodyPr>
+          <a:lstStyle/>
+          <a:p>
+            <a:pPr algn="ctr">
+              <a:lnSpc>
+                <a:spcPct val="150000"/>
+              </a:lnSpc>
+            </a:pPr>
+            <a:r>
+              <a:rPr lang="en-US" sz="1600" dirty="0">
+                <a:latin typeface="Times New Roman" panose="02020603050405020304" pitchFamily="18" charset="0"/>
+                <a:cs typeface="Times New Roman" panose="02020603050405020304" pitchFamily="18" charset="0"/>
+              </a:rPr>
+              <a:t>Thu </a:t>
+            </a:r>
+            <a:r>
+              <a:rPr lang="en-US" sz="1600" dirty="0" err="1">
+                <a:latin typeface="Times New Roman" panose="02020603050405020304" pitchFamily="18" charset="0"/>
+                <a:cs typeface="Times New Roman" panose="02020603050405020304" pitchFamily="18" charset="0"/>
+              </a:rPr>
+              <a:t>thập</a:t>
+            </a:r>
+            <a:r>
+              <a:rPr lang="en-US" sz="1600" dirty="0">
+                <a:latin typeface="Times New Roman" panose="02020603050405020304" pitchFamily="18" charset="0"/>
+                <a:cs typeface="Times New Roman" panose="02020603050405020304" pitchFamily="18" charset="0"/>
+              </a:rPr>
+              <a:t> </a:t>
+            </a:r>
+            <a:r>
+              <a:rPr lang="en-US" sz="1600" dirty="0" err="1">
+                <a:latin typeface="Times New Roman" panose="02020603050405020304" pitchFamily="18" charset="0"/>
+                <a:cs typeface="Times New Roman" panose="02020603050405020304" pitchFamily="18" charset="0"/>
+              </a:rPr>
+              <a:t>dữ</a:t>
+            </a:r>
+            <a:r>
+              <a:rPr lang="en-US" sz="1600" dirty="0">
+                <a:latin typeface="Times New Roman" panose="02020603050405020304" pitchFamily="18" charset="0"/>
+                <a:cs typeface="Times New Roman" panose="02020603050405020304" pitchFamily="18" charset="0"/>
+              </a:rPr>
+              <a:t> </a:t>
+            </a:r>
+            <a:r>
+              <a:rPr lang="en-US" sz="1600" dirty="0" err="1">
+                <a:latin typeface="Times New Roman" panose="02020603050405020304" pitchFamily="18" charset="0"/>
+                <a:cs typeface="Times New Roman" panose="02020603050405020304" pitchFamily="18" charset="0"/>
+              </a:rPr>
+              <a:t>liệu</a:t>
+            </a:r>
+            <a:endParaRPr lang="en-US" sz="1600" dirty="0">
+              <a:latin typeface="Times New Roman" panose="02020603050405020304" pitchFamily="18" charset="0"/>
+              <a:cs typeface="Times New Roman" panose="02020603050405020304" pitchFamily="18" charset="0"/>
+            </a:endParaRPr>
+          </a:p>
+        </p:txBody>
+      </p:sp>
+    </p:spTree>
+    <p:extLst>
+      <p:ext uri="{BB962C8B-B14F-4D97-AF65-F5344CB8AC3E}">
+        <p14:creationId xmlns:p14="http://schemas.microsoft.com/office/powerpoint/2010/main" val="1574673704"/>
+      </p:ext>
+    </p:extLst>
+  </p:cSld>
+  <p:clrMapOvr>
+    <a:masterClrMapping/>
+  </p:clrMapOvr>
+</p:sld>
+</file>
+
+<file path=ppt/slides/slide4.xml><?xml version="1.0" encoding="utf-8"?>
+<p:sld xmlns:a="http://schemas.openxmlformats.org/drawingml/2006/main" xmlns:r="http://schemas.openxmlformats.org/officeDocument/2006/relationships" xmlns:p="http://schemas.openxmlformats.org/presentationml/2006/main">
+  <p:cSld>
+    <p:spTree>
+      <p:nvGrpSpPr>
+        <p:cNvPr id="1" name=""/>
+        <p:cNvGrpSpPr/>
+        <p:nvPr/>
+      </p:nvGrpSpPr>
+      <p:grpSpPr>
+        <a:xfrm>
+          <a:off x="0" y="0"/>
+          <a:ext cx="0" cy="0"/>
+          <a:chOff x="0" y="0"/>
+          <a:chExt cx="0" cy="0"/>
+        </a:xfrm>
+      </p:grpSpPr>
+      <p:sp>
+        <p:nvSpPr>
+          <p:cNvPr id="3" name="TextBox 2">
+            <a:extLst>
+              <a:ext uri="{FF2B5EF4-FFF2-40B4-BE49-F238E27FC236}">
+                <a16:creationId xmlns:a16="http://schemas.microsoft.com/office/drawing/2014/main" id="{8074387C-7151-E493-401D-5410235D8517}"/>
+              </a:ext>
+            </a:extLst>
+          </p:cNvPr>
+          <p:cNvSpPr txBox="1"/>
+          <p:nvPr/>
+        </p:nvSpPr>
+        <p:spPr>
+          <a:xfrm>
+            <a:off x="203200" y="348343"/>
+            <a:ext cx="3852337" cy="369332"/>
+          </a:xfrm>
+          <a:prstGeom prst="rect">
+            <a:avLst/>
+          </a:prstGeom>
+          <a:noFill/>
+        </p:spPr>
+        <p:txBody>
+          <a:bodyPr wrap="none" rtlCol="0">
+            <a:spAutoFit/>
+          </a:bodyPr>
+          <a:lstStyle/>
+          <a:p>
+            <a:r>
+              <a:rPr lang="en-US" dirty="0" err="1"/>
+              <a:t>Hình</a:t>
+            </a:r>
+            <a:r>
+              <a:rPr lang="en-US" dirty="0"/>
+              <a:t> </a:t>
+            </a:r>
+            <a:r>
+              <a:rPr lang="en-US" dirty="0" err="1"/>
+              <a:t>mô</a:t>
+            </a:r>
+            <a:r>
+              <a:rPr lang="en-US" dirty="0"/>
+              <a:t> </a:t>
+            </a:r>
+            <a:r>
+              <a:rPr lang="en-US" dirty="0" err="1"/>
+              <a:t>tả</a:t>
+            </a:r>
+            <a:r>
+              <a:rPr lang="en-US" dirty="0"/>
+              <a:t> </a:t>
+            </a:r>
+            <a:r>
+              <a:rPr lang="en-US" dirty="0" err="1"/>
+              <a:t>quá</a:t>
+            </a:r>
+            <a:r>
+              <a:rPr lang="en-US" dirty="0"/>
+              <a:t> </a:t>
+            </a:r>
+            <a:r>
+              <a:rPr lang="en-US" dirty="0" err="1"/>
+              <a:t>trình</a:t>
+            </a:r>
+            <a:r>
+              <a:rPr lang="en-US" dirty="0"/>
+              <a:t> </a:t>
+            </a:r>
+            <a:r>
+              <a:rPr lang="en-US" dirty="0" err="1"/>
+              <a:t>tiền</a:t>
+            </a:r>
+            <a:r>
+              <a:rPr lang="en-US" dirty="0"/>
+              <a:t> </a:t>
+            </a:r>
+            <a:r>
+              <a:rPr lang="en-US" dirty="0" err="1"/>
+              <a:t>xử</a:t>
+            </a:r>
+            <a:r>
+              <a:rPr lang="en-US" dirty="0"/>
+              <a:t> </a:t>
+            </a:r>
+            <a:r>
+              <a:rPr lang="en-US" dirty="0" err="1"/>
+              <a:t>lý</a:t>
+            </a:r>
+            <a:r>
+              <a:rPr lang="en-US" dirty="0"/>
+              <a:t> </a:t>
+            </a:r>
+            <a:r>
+              <a:rPr lang="en-US" dirty="0" err="1"/>
+              <a:t>dữ</a:t>
+            </a:r>
+            <a:r>
+              <a:rPr lang="en-US" dirty="0"/>
+              <a:t> </a:t>
+            </a:r>
+            <a:r>
+              <a:rPr lang="en-US" dirty="0" err="1"/>
+              <a:t>liệu</a:t>
+            </a:r>
+            <a:endParaRPr lang="en-US" dirty="0"/>
+          </a:p>
+        </p:txBody>
+      </p:sp>
+      <p:sp>
+        <p:nvSpPr>
+          <p:cNvPr id="4" name="Cylinder 3">
+            <a:extLst>
+              <a:ext uri="{FF2B5EF4-FFF2-40B4-BE49-F238E27FC236}">
+                <a16:creationId xmlns:a16="http://schemas.microsoft.com/office/drawing/2014/main" id="{FA213825-21FB-D393-25C1-EDD9B72EC561}"/>
+              </a:ext>
+            </a:extLst>
+          </p:cNvPr>
+          <p:cNvSpPr/>
+          <p:nvPr/>
+        </p:nvSpPr>
+        <p:spPr>
+          <a:xfrm>
+            <a:off x="1727197" y="1178895"/>
+            <a:ext cx="3077029" cy="1146628"/>
+          </a:xfrm>
+          <a:prstGeom prst="can">
+            <a:avLst/>
+          </a:prstGeom>
+          <a:noFill/>
+          <a:ln>
+            <a:solidFill>
+              <a:schemeClr val="tx1">
+                <a:lumMod val="95000"/>
+                <a:lumOff val="5000"/>
+              </a:schemeClr>
+            </a:solidFill>
+          </a:ln>
+        </p:spPr>
+        <p:style>
+          <a:lnRef idx="2">
+            <a:schemeClr val="accent1">
+              <a:shade val="15000"/>
+            </a:schemeClr>
+          </a:lnRef>
+          <a:fillRef idx="1">
+            <a:schemeClr val="accent1"/>
+          </a:fillRef>
+          <a:effectRef idx="0">
+            <a:schemeClr val="accent1"/>
+          </a:effectRef>
+          <a:fontRef idx="minor">
+            <a:schemeClr val="lt1"/>
+          </a:fontRef>
+        </p:style>
+        <p:txBody>
+          <a:bodyPr rtlCol="0" anchor="ctr"/>
+          <a:lstStyle/>
+          <a:p>
+            <a:pPr algn="ctr">
+              <a:lnSpc>
+                <a:spcPct val="150000"/>
+              </a:lnSpc>
+            </a:pPr>
+            <a:r>
+              <a:rPr lang="en-US" sz="1600" dirty="0" err="1">
+                <a:solidFill>
+                  <a:schemeClr val="tx1"/>
+                </a:solidFill>
+                <a:latin typeface="Times New Roman" panose="02020603050405020304" pitchFamily="18" charset="0"/>
+                <a:cs typeface="Times New Roman" panose="02020603050405020304" pitchFamily="18" charset="0"/>
+              </a:rPr>
+              <a:t>Bộ</a:t>
+            </a:r>
+            <a:r>
+              <a:rPr lang="en-US" sz="1600" dirty="0">
+                <a:solidFill>
+                  <a:schemeClr val="tx1"/>
+                </a:solidFill>
+                <a:latin typeface="Times New Roman" panose="02020603050405020304" pitchFamily="18" charset="0"/>
+                <a:cs typeface="Times New Roman" panose="02020603050405020304" pitchFamily="18" charset="0"/>
+              </a:rPr>
+              <a:t> </a:t>
+            </a:r>
+            <a:r>
+              <a:rPr lang="en-US" sz="1600" dirty="0" err="1">
+                <a:solidFill>
+                  <a:schemeClr val="tx1"/>
+                </a:solidFill>
+                <a:latin typeface="Times New Roman" panose="02020603050405020304" pitchFamily="18" charset="0"/>
+                <a:cs typeface="Times New Roman" panose="02020603050405020304" pitchFamily="18" charset="0"/>
+              </a:rPr>
+              <a:t>dữ</a:t>
+            </a:r>
+            <a:r>
+              <a:rPr lang="en-US" sz="1600" dirty="0">
+                <a:solidFill>
+                  <a:schemeClr val="tx1"/>
+                </a:solidFill>
+                <a:latin typeface="Times New Roman" panose="02020603050405020304" pitchFamily="18" charset="0"/>
+                <a:cs typeface="Times New Roman" panose="02020603050405020304" pitchFamily="18" charset="0"/>
+              </a:rPr>
+              <a:t> </a:t>
+            </a:r>
+            <a:r>
+              <a:rPr lang="en-US" sz="1600" dirty="0" err="1">
+                <a:solidFill>
+                  <a:schemeClr val="tx1"/>
+                </a:solidFill>
+                <a:latin typeface="Times New Roman" panose="02020603050405020304" pitchFamily="18" charset="0"/>
+                <a:cs typeface="Times New Roman" panose="02020603050405020304" pitchFamily="18" charset="0"/>
+              </a:rPr>
+              <a:t>liệu</a:t>
+            </a:r>
+            <a:endParaRPr lang="en-US" sz="1600" dirty="0">
+              <a:solidFill>
+                <a:schemeClr val="tx1"/>
+              </a:solidFill>
+              <a:latin typeface="Times New Roman" panose="02020603050405020304" pitchFamily="18" charset="0"/>
+              <a:cs typeface="Times New Roman" panose="02020603050405020304" pitchFamily="18" charset="0"/>
+            </a:endParaRPr>
+          </a:p>
+          <a:p>
+            <a:pPr algn="ctr">
+              <a:lnSpc>
+                <a:spcPct val="150000"/>
+              </a:lnSpc>
+            </a:pPr>
+            <a:r>
+              <a:rPr lang="en-US" sz="1600" dirty="0" err="1">
+                <a:solidFill>
+                  <a:schemeClr val="tx1"/>
+                </a:solidFill>
+                <a:latin typeface="Times New Roman" panose="02020603050405020304" pitchFamily="18" charset="0"/>
+                <a:cs typeface="Times New Roman" panose="02020603050405020304" pitchFamily="18" charset="0"/>
+              </a:rPr>
+              <a:t>Lịch</a:t>
+            </a:r>
+            <a:r>
+              <a:rPr lang="en-US" sz="1600" dirty="0">
+                <a:solidFill>
+                  <a:schemeClr val="tx1"/>
+                </a:solidFill>
+                <a:latin typeface="Times New Roman" panose="02020603050405020304" pitchFamily="18" charset="0"/>
+                <a:cs typeface="Times New Roman" panose="02020603050405020304" pitchFamily="18" charset="0"/>
+              </a:rPr>
+              <a:t> </a:t>
+            </a:r>
+            <a:r>
+              <a:rPr lang="en-US" sz="1600" dirty="0" err="1">
+                <a:solidFill>
+                  <a:schemeClr val="tx1"/>
+                </a:solidFill>
+                <a:latin typeface="Times New Roman" panose="02020603050405020304" pitchFamily="18" charset="0"/>
+                <a:cs typeface="Times New Roman" panose="02020603050405020304" pitchFamily="18" charset="0"/>
+              </a:rPr>
+              <a:t>sử</a:t>
+            </a:r>
+            <a:r>
+              <a:rPr lang="en-US" sz="1600" dirty="0">
+                <a:solidFill>
+                  <a:schemeClr val="tx1"/>
+                </a:solidFill>
+                <a:latin typeface="Times New Roman" panose="02020603050405020304" pitchFamily="18" charset="0"/>
+                <a:cs typeface="Times New Roman" panose="02020603050405020304" pitchFamily="18" charset="0"/>
+              </a:rPr>
+              <a:t> Việt Nam</a:t>
+            </a:r>
+          </a:p>
+        </p:txBody>
+      </p:sp>
+      <p:sp>
+        <p:nvSpPr>
+          <p:cNvPr id="5" name="Rectangle: Rounded Corners 4">
+            <a:extLst>
+              <a:ext uri="{FF2B5EF4-FFF2-40B4-BE49-F238E27FC236}">
+                <a16:creationId xmlns:a16="http://schemas.microsoft.com/office/drawing/2014/main" id="{966BEAD6-C222-7228-EB97-818F29BBF5A4}"/>
+              </a:ext>
+            </a:extLst>
+          </p:cNvPr>
+          <p:cNvSpPr/>
+          <p:nvPr/>
+        </p:nvSpPr>
+        <p:spPr>
+          <a:xfrm>
+            <a:off x="1727196" y="3182257"/>
+            <a:ext cx="3077029" cy="493486"/>
+          </a:xfrm>
+          <a:prstGeom prst="roundRect">
+            <a:avLst/>
+          </a:prstGeom>
+          <a:solidFill>
+            <a:schemeClr val="bg1"/>
+          </a:solidFill>
+          <a:ln>
+            <a:solidFill>
+              <a:schemeClr val="tx1"/>
+            </a:solidFill>
+          </a:ln>
+        </p:spPr>
+        <p:style>
+          <a:lnRef idx="2">
+            <a:schemeClr val="accent1">
+              <a:shade val="15000"/>
+            </a:schemeClr>
+          </a:lnRef>
+          <a:fillRef idx="1">
+            <a:schemeClr val="accent1"/>
+          </a:fillRef>
+          <a:effectRef idx="0">
+            <a:schemeClr val="accent1"/>
+          </a:effectRef>
+          <a:fontRef idx="minor">
+            <a:schemeClr val="lt1"/>
+          </a:fontRef>
+        </p:style>
+        <p:txBody>
+          <a:bodyPr rtlCol="0" anchor="ctr"/>
+          <a:lstStyle/>
+          <a:p>
+            <a:pPr algn="ctr"/>
+            <a:r>
+              <a:rPr lang="en-US" sz="1600" dirty="0" err="1">
+                <a:solidFill>
+                  <a:schemeClr val="tx1"/>
+                </a:solidFill>
+                <a:latin typeface="Times New Roman" panose="02020603050405020304" pitchFamily="18" charset="0"/>
+                <a:cs typeface="Times New Roman" panose="02020603050405020304" pitchFamily="18" charset="0"/>
+              </a:rPr>
+              <a:t>Loại</a:t>
+            </a:r>
+            <a:r>
+              <a:rPr lang="en-US" sz="1600" dirty="0">
+                <a:solidFill>
+                  <a:schemeClr val="tx1"/>
+                </a:solidFill>
+                <a:latin typeface="Times New Roman" panose="02020603050405020304" pitchFamily="18" charset="0"/>
+                <a:cs typeface="Times New Roman" panose="02020603050405020304" pitchFamily="18" charset="0"/>
+              </a:rPr>
+              <a:t> </a:t>
+            </a:r>
+            <a:r>
+              <a:rPr lang="en-US" sz="1600" dirty="0" err="1">
+                <a:solidFill>
+                  <a:schemeClr val="tx1"/>
+                </a:solidFill>
+                <a:latin typeface="Times New Roman" panose="02020603050405020304" pitchFamily="18" charset="0"/>
+                <a:cs typeface="Times New Roman" panose="02020603050405020304" pitchFamily="18" charset="0"/>
+              </a:rPr>
+              <a:t>bỏ</a:t>
+            </a:r>
+            <a:r>
+              <a:rPr lang="en-US" sz="1600" dirty="0">
+                <a:solidFill>
+                  <a:schemeClr val="tx1"/>
+                </a:solidFill>
+                <a:latin typeface="Times New Roman" panose="02020603050405020304" pitchFamily="18" charset="0"/>
+                <a:cs typeface="Times New Roman" panose="02020603050405020304" pitchFamily="18" charset="0"/>
+              </a:rPr>
+              <a:t> </a:t>
+            </a:r>
+            <a:r>
+              <a:rPr lang="en-US" sz="1600" dirty="0" err="1">
+                <a:solidFill>
+                  <a:schemeClr val="tx1"/>
+                </a:solidFill>
+                <a:latin typeface="Times New Roman" panose="02020603050405020304" pitchFamily="18" charset="0"/>
+                <a:cs typeface="Times New Roman" panose="02020603050405020304" pitchFamily="18" charset="0"/>
+              </a:rPr>
+              <a:t>dữ</a:t>
+            </a:r>
+            <a:r>
+              <a:rPr lang="en-US" sz="1600" dirty="0">
+                <a:solidFill>
+                  <a:schemeClr val="tx1"/>
+                </a:solidFill>
+                <a:latin typeface="Times New Roman" panose="02020603050405020304" pitchFamily="18" charset="0"/>
+                <a:cs typeface="Times New Roman" panose="02020603050405020304" pitchFamily="18" charset="0"/>
+              </a:rPr>
+              <a:t> </a:t>
+            </a:r>
+            <a:r>
+              <a:rPr lang="en-US" sz="1600" dirty="0" err="1">
+                <a:solidFill>
+                  <a:schemeClr val="tx1"/>
+                </a:solidFill>
+                <a:latin typeface="Times New Roman" panose="02020603050405020304" pitchFamily="18" charset="0"/>
+                <a:cs typeface="Times New Roman" panose="02020603050405020304" pitchFamily="18" charset="0"/>
+              </a:rPr>
+              <a:t>liệu</a:t>
+            </a:r>
+            <a:r>
+              <a:rPr lang="en-US" sz="1600" dirty="0">
+                <a:solidFill>
+                  <a:schemeClr val="tx1"/>
+                </a:solidFill>
+                <a:latin typeface="Times New Roman" panose="02020603050405020304" pitchFamily="18" charset="0"/>
+                <a:cs typeface="Times New Roman" panose="02020603050405020304" pitchFamily="18" charset="0"/>
+              </a:rPr>
+              <a:t> </a:t>
+            </a:r>
+            <a:r>
+              <a:rPr lang="en-US" sz="1600" dirty="0" err="1">
+                <a:solidFill>
+                  <a:schemeClr val="tx1"/>
+                </a:solidFill>
+                <a:latin typeface="Times New Roman" panose="02020603050405020304" pitchFamily="18" charset="0"/>
+                <a:cs typeface="Times New Roman" panose="02020603050405020304" pitchFamily="18" charset="0"/>
+              </a:rPr>
+              <a:t>trùng</a:t>
+            </a:r>
+            <a:endParaRPr lang="en-US" sz="1600" dirty="0">
+              <a:solidFill>
+                <a:schemeClr val="tx1"/>
+              </a:solidFill>
+              <a:latin typeface="Times New Roman" panose="02020603050405020304" pitchFamily="18" charset="0"/>
+              <a:cs typeface="Times New Roman" panose="02020603050405020304" pitchFamily="18" charset="0"/>
+            </a:endParaRPr>
+          </a:p>
+        </p:txBody>
+      </p:sp>
+      <p:sp>
+        <p:nvSpPr>
+          <p:cNvPr id="6" name="Rectangle: Rounded Corners 5">
+            <a:extLst>
+              <a:ext uri="{FF2B5EF4-FFF2-40B4-BE49-F238E27FC236}">
+                <a16:creationId xmlns:a16="http://schemas.microsoft.com/office/drawing/2014/main" id="{7D5B7AA2-9D05-9670-3CD5-4C61D3BCBB2B}"/>
+              </a:ext>
+            </a:extLst>
+          </p:cNvPr>
+          <p:cNvSpPr/>
+          <p:nvPr/>
+        </p:nvSpPr>
+        <p:spPr>
+          <a:xfrm>
+            <a:off x="1727195" y="4532477"/>
+            <a:ext cx="3077029" cy="493486"/>
+          </a:xfrm>
+          <a:prstGeom prst="roundRect">
+            <a:avLst/>
+          </a:prstGeom>
+          <a:solidFill>
+            <a:schemeClr val="bg1"/>
+          </a:solidFill>
+          <a:ln>
+            <a:solidFill>
+              <a:schemeClr val="tx1"/>
+            </a:solidFill>
+          </a:ln>
+        </p:spPr>
+        <p:style>
+          <a:lnRef idx="2">
+            <a:schemeClr val="accent1">
+              <a:shade val="15000"/>
+            </a:schemeClr>
+          </a:lnRef>
+          <a:fillRef idx="1">
+            <a:schemeClr val="accent1"/>
+          </a:fillRef>
+          <a:effectRef idx="0">
+            <a:schemeClr val="accent1"/>
+          </a:effectRef>
+          <a:fontRef idx="minor">
+            <a:schemeClr val="lt1"/>
+          </a:fontRef>
+        </p:style>
+        <p:txBody>
+          <a:bodyPr rtlCol="0" anchor="ctr"/>
+          <a:lstStyle/>
+          <a:p>
+            <a:pPr algn="ctr"/>
+            <a:r>
+              <a:rPr lang="en-US" sz="1600" dirty="0" err="1">
+                <a:solidFill>
+                  <a:schemeClr val="tx1"/>
+                </a:solidFill>
+                <a:latin typeface="Times New Roman" panose="02020603050405020304" pitchFamily="18" charset="0"/>
+                <a:cs typeface="Times New Roman" panose="02020603050405020304" pitchFamily="18" charset="0"/>
+              </a:rPr>
+              <a:t>Chuẩn</a:t>
+            </a:r>
+            <a:r>
+              <a:rPr lang="en-US" sz="1600" dirty="0">
+                <a:solidFill>
+                  <a:schemeClr val="tx1"/>
+                </a:solidFill>
+                <a:latin typeface="Times New Roman" panose="02020603050405020304" pitchFamily="18" charset="0"/>
+                <a:cs typeface="Times New Roman" panose="02020603050405020304" pitchFamily="18" charset="0"/>
+              </a:rPr>
+              <a:t> </a:t>
+            </a:r>
+            <a:r>
+              <a:rPr lang="en-US" sz="1600" dirty="0" err="1">
+                <a:solidFill>
+                  <a:schemeClr val="tx1"/>
+                </a:solidFill>
+                <a:latin typeface="Times New Roman" panose="02020603050405020304" pitchFamily="18" charset="0"/>
+                <a:cs typeface="Times New Roman" panose="02020603050405020304" pitchFamily="18" charset="0"/>
+              </a:rPr>
+              <a:t>hóa</a:t>
+            </a:r>
+            <a:r>
+              <a:rPr lang="en-US" sz="1600" dirty="0">
+                <a:solidFill>
+                  <a:schemeClr val="tx1"/>
+                </a:solidFill>
+                <a:latin typeface="Times New Roman" panose="02020603050405020304" pitchFamily="18" charset="0"/>
+                <a:cs typeface="Times New Roman" panose="02020603050405020304" pitchFamily="18" charset="0"/>
+              </a:rPr>
+              <a:t> </a:t>
+            </a:r>
+            <a:r>
+              <a:rPr lang="en-US" sz="1600" dirty="0" err="1">
+                <a:solidFill>
+                  <a:schemeClr val="tx1"/>
+                </a:solidFill>
+                <a:latin typeface="Times New Roman" panose="02020603050405020304" pitchFamily="18" charset="0"/>
+                <a:cs typeface="Times New Roman" panose="02020603050405020304" pitchFamily="18" charset="0"/>
+              </a:rPr>
+              <a:t>định</a:t>
+            </a:r>
+            <a:r>
+              <a:rPr lang="en-US" sz="1600" dirty="0">
+                <a:solidFill>
+                  <a:schemeClr val="tx1"/>
+                </a:solidFill>
+                <a:latin typeface="Times New Roman" panose="02020603050405020304" pitchFamily="18" charset="0"/>
+                <a:cs typeface="Times New Roman" panose="02020603050405020304" pitchFamily="18" charset="0"/>
+              </a:rPr>
+              <a:t> </a:t>
+            </a:r>
+            <a:r>
+              <a:rPr lang="en-US" sz="1600" dirty="0" err="1">
+                <a:solidFill>
+                  <a:schemeClr val="tx1"/>
+                </a:solidFill>
+                <a:latin typeface="Times New Roman" panose="02020603050405020304" pitchFamily="18" charset="0"/>
+                <a:cs typeface="Times New Roman" panose="02020603050405020304" pitchFamily="18" charset="0"/>
+              </a:rPr>
+              <a:t>dạng</a:t>
+            </a:r>
+            <a:endParaRPr lang="en-US" sz="1600" dirty="0">
+              <a:solidFill>
+                <a:schemeClr val="tx1"/>
+              </a:solidFill>
+              <a:latin typeface="Times New Roman" panose="02020603050405020304" pitchFamily="18" charset="0"/>
+              <a:cs typeface="Times New Roman" panose="02020603050405020304" pitchFamily="18" charset="0"/>
+            </a:endParaRPr>
+          </a:p>
+        </p:txBody>
+      </p:sp>
+      <p:sp>
+        <p:nvSpPr>
+          <p:cNvPr id="7" name="Rectangle: Rounded Corners 6">
+            <a:extLst>
+              <a:ext uri="{FF2B5EF4-FFF2-40B4-BE49-F238E27FC236}">
+                <a16:creationId xmlns:a16="http://schemas.microsoft.com/office/drawing/2014/main" id="{2C3E0BC4-0FAF-8C46-689D-0849E5990CAF}"/>
+              </a:ext>
+            </a:extLst>
+          </p:cNvPr>
+          <p:cNvSpPr/>
+          <p:nvPr/>
+        </p:nvSpPr>
+        <p:spPr>
+          <a:xfrm>
+            <a:off x="6096000" y="1959428"/>
+            <a:ext cx="3077029" cy="493486"/>
+          </a:xfrm>
+          <a:prstGeom prst="roundRect">
+            <a:avLst/>
+          </a:prstGeom>
+          <a:solidFill>
+            <a:schemeClr val="bg1"/>
+          </a:solidFill>
+          <a:ln>
+            <a:solidFill>
+              <a:schemeClr val="tx1"/>
+            </a:solidFill>
+          </a:ln>
+        </p:spPr>
+        <p:style>
+          <a:lnRef idx="2">
+            <a:schemeClr val="accent1">
+              <a:shade val="15000"/>
+            </a:schemeClr>
+          </a:lnRef>
+          <a:fillRef idx="1">
+            <a:schemeClr val="accent1"/>
+          </a:fillRef>
+          <a:effectRef idx="0">
+            <a:schemeClr val="accent1"/>
+          </a:effectRef>
+          <a:fontRef idx="minor">
+            <a:schemeClr val="lt1"/>
+          </a:fontRef>
+        </p:style>
+        <p:txBody>
+          <a:bodyPr rtlCol="0" anchor="ctr"/>
+          <a:lstStyle/>
+          <a:p>
+            <a:pPr algn="ctr"/>
+            <a:r>
+              <a:rPr lang="en-US" sz="1600" dirty="0">
+                <a:solidFill>
+                  <a:schemeClr val="tx1"/>
+                </a:solidFill>
+                <a:latin typeface="Times New Roman" panose="02020603050405020304" pitchFamily="18" charset="0"/>
+                <a:cs typeface="Times New Roman" panose="02020603050405020304" pitchFamily="18" charset="0"/>
+              </a:rPr>
+              <a:t>Thống </a:t>
+            </a:r>
+            <a:r>
+              <a:rPr lang="en-US" sz="1600" dirty="0" err="1">
+                <a:solidFill>
+                  <a:schemeClr val="tx1"/>
+                </a:solidFill>
+                <a:latin typeface="Times New Roman" panose="02020603050405020304" pitchFamily="18" charset="0"/>
+                <a:cs typeface="Times New Roman" panose="02020603050405020304" pitchFamily="18" charset="0"/>
+              </a:rPr>
+              <a:t>kê</a:t>
+            </a:r>
+            <a:r>
+              <a:rPr lang="en-US" sz="1600" dirty="0">
+                <a:solidFill>
+                  <a:schemeClr val="tx1"/>
+                </a:solidFill>
+                <a:latin typeface="Times New Roman" panose="02020603050405020304" pitchFamily="18" charset="0"/>
+                <a:cs typeface="Times New Roman" panose="02020603050405020304" pitchFamily="18" charset="0"/>
+              </a:rPr>
+              <a:t> </a:t>
+            </a:r>
+            <a:r>
+              <a:rPr lang="en-US" sz="1600" dirty="0" err="1">
+                <a:solidFill>
+                  <a:schemeClr val="tx1"/>
+                </a:solidFill>
+                <a:latin typeface="Times New Roman" panose="02020603050405020304" pitchFamily="18" charset="0"/>
+                <a:cs typeface="Times New Roman" panose="02020603050405020304" pitchFamily="18" charset="0"/>
+              </a:rPr>
+              <a:t>dữ</a:t>
+            </a:r>
+            <a:r>
+              <a:rPr lang="en-US" sz="1600" dirty="0">
+                <a:solidFill>
+                  <a:schemeClr val="tx1"/>
+                </a:solidFill>
+                <a:latin typeface="Times New Roman" panose="02020603050405020304" pitchFamily="18" charset="0"/>
+                <a:cs typeface="Times New Roman" panose="02020603050405020304" pitchFamily="18" charset="0"/>
+              </a:rPr>
+              <a:t> </a:t>
+            </a:r>
+            <a:r>
+              <a:rPr lang="en-US" sz="1600" dirty="0" err="1">
+                <a:solidFill>
+                  <a:schemeClr val="tx1"/>
+                </a:solidFill>
+                <a:latin typeface="Times New Roman" panose="02020603050405020304" pitchFamily="18" charset="0"/>
+                <a:cs typeface="Times New Roman" panose="02020603050405020304" pitchFamily="18" charset="0"/>
+              </a:rPr>
+              <a:t>liệu</a:t>
+            </a:r>
+            <a:endParaRPr lang="en-US" sz="1600" dirty="0">
+              <a:solidFill>
+                <a:schemeClr val="tx1"/>
+              </a:solidFill>
+              <a:latin typeface="Times New Roman" panose="02020603050405020304" pitchFamily="18" charset="0"/>
+              <a:cs typeface="Times New Roman" panose="02020603050405020304" pitchFamily="18" charset="0"/>
+            </a:endParaRPr>
+          </a:p>
+        </p:txBody>
+      </p:sp>
+      <p:sp>
+        <p:nvSpPr>
+          <p:cNvPr id="8" name="Rectangle: Rounded Corners 7">
+            <a:extLst>
+              <a:ext uri="{FF2B5EF4-FFF2-40B4-BE49-F238E27FC236}">
+                <a16:creationId xmlns:a16="http://schemas.microsoft.com/office/drawing/2014/main" id="{91E55AF0-BC6B-A76D-D104-35360C50726C}"/>
+              </a:ext>
+            </a:extLst>
+          </p:cNvPr>
+          <p:cNvSpPr/>
+          <p:nvPr/>
+        </p:nvSpPr>
+        <p:spPr>
+          <a:xfrm>
+            <a:off x="6095999" y="3429000"/>
+            <a:ext cx="3077029" cy="493486"/>
+          </a:xfrm>
+          <a:prstGeom prst="roundRect">
+            <a:avLst/>
+          </a:prstGeom>
+          <a:solidFill>
+            <a:schemeClr val="bg1"/>
+          </a:solidFill>
+          <a:ln>
+            <a:solidFill>
+              <a:schemeClr val="tx1"/>
+            </a:solidFill>
+          </a:ln>
+        </p:spPr>
+        <p:style>
+          <a:lnRef idx="2">
+            <a:schemeClr val="accent1">
+              <a:shade val="15000"/>
+            </a:schemeClr>
+          </a:lnRef>
+          <a:fillRef idx="1">
+            <a:schemeClr val="accent1"/>
+          </a:fillRef>
+          <a:effectRef idx="0">
+            <a:schemeClr val="accent1"/>
+          </a:effectRef>
+          <a:fontRef idx="minor">
+            <a:schemeClr val="lt1"/>
+          </a:fontRef>
+        </p:style>
+        <p:txBody>
+          <a:bodyPr rtlCol="0" anchor="ctr"/>
+          <a:lstStyle/>
+          <a:p>
+            <a:pPr algn="ctr"/>
+            <a:r>
+              <a:rPr lang="en-US" sz="1600" dirty="0" err="1">
+                <a:solidFill>
+                  <a:schemeClr val="tx1"/>
+                </a:solidFill>
+                <a:latin typeface="Times New Roman" panose="02020603050405020304" pitchFamily="18" charset="0"/>
+                <a:cs typeface="Times New Roman" panose="02020603050405020304" pitchFamily="18" charset="0"/>
+              </a:rPr>
+              <a:t>Phân</a:t>
+            </a:r>
+            <a:r>
+              <a:rPr lang="en-US" sz="1600" dirty="0">
+                <a:solidFill>
+                  <a:schemeClr val="tx1"/>
+                </a:solidFill>
+                <a:latin typeface="Times New Roman" panose="02020603050405020304" pitchFamily="18" charset="0"/>
+                <a:cs typeface="Times New Roman" panose="02020603050405020304" pitchFamily="18" charset="0"/>
+              </a:rPr>
+              <a:t> </a:t>
+            </a:r>
+            <a:r>
+              <a:rPr lang="en-US" sz="1600" dirty="0" err="1">
+                <a:solidFill>
+                  <a:schemeClr val="tx1"/>
+                </a:solidFill>
+                <a:latin typeface="Times New Roman" panose="02020603050405020304" pitchFamily="18" charset="0"/>
+                <a:cs typeface="Times New Roman" panose="02020603050405020304" pitchFamily="18" charset="0"/>
+              </a:rPr>
+              <a:t>đoạn</a:t>
+            </a:r>
+            <a:r>
+              <a:rPr lang="en-US" sz="1600" dirty="0">
+                <a:solidFill>
+                  <a:schemeClr val="tx1"/>
+                </a:solidFill>
+                <a:latin typeface="Times New Roman" panose="02020603050405020304" pitchFamily="18" charset="0"/>
+                <a:cs typeface="Times New Roman" panose="02020603050405020304" pitchFamily="18" charset="0"/>
+              </a:rPr>
+              <a:t> </a:t>
+            </a:r>
+            <a:r>
+              <a:rPr lang="en-US" sz="1600" dirty="0" err="1">
+                <a:solidFill>
+                  <a:schemeClr val="tx1"/>
+                </a:solidFill>
+                <a:latin typeface="Times New Roman" panose="02020603050405020304" pitchFamily="18" charset="0"/>
+                <a:cs typeface="Times New Roman" panose="02020603050405020304" pitchFamily="18" charset="0"/>
+              </a:rPr>
+              <a:t>dữ</a:t>
+            </a:r>
+            <a:r>
+              <a:rPr lang="en-US" sz="1600" dirty="0">
+                <a:solidFill>
+                  <a:schemeClr val="tx1"/>
+                </a:solidFill>
+                <a:latin typeface="Times New Roman" panose="02020603050405020304" pitchFamily="18" charset="0"/>
+                <a:cs typeface="Times New Roman" panose="02020603050405020304" pitchFamily="18" charset="0"/>
+              </a:rPr>
+              <a:t> </a:t>
+            </a:r>
+            <a:r>
+              <a:rPr lang="en-US" sz="1600" dirty="0" err="1">
+                <a:solidFill>
+                  <a:schemeClr val="tx1"/>
+                </a:solidFill>
+                <a:latin typeface="Times New Roman" panose="02020603050405020304" pitchFamily="18" charset="0"/>
+                <a:cs typeface="Times New Roman" panose="02020603050405020304" pitchFamily="18" charset="0"/>
+              </a:rPr>
+              <a:t>liệu</a:t>
+            </a:r>
+            <a:endParaRPr lang="en-US" sz="1600" dirty="0">
+              <a:solidFill>
+                <a:schemeClr val="tx1"/>
+              </a:solidFill>
+              <a:latin typeface="Times New Roman" panose="02020603050405020304" pitchFamily="18" charset="0"/>
+              <a:cs typeface="Times New Roman" panose="02020603050405020304" pitchFamily="18" charset="0"/>
+            </a:endParaRPr>
+          </a:p>
+        </p:txBody>
+      </p:sp>
+      <p:sp>
+        <p:nvSpPr>
+          <p:cNvPr id="11" name="Cylinder 10">
+            <a:extLst>
+              <a:ext uri="{FF2B5EF4-FFF2-40B4-BE49-F238E27FC236}">
+                <a16:creationId xmlns:a16="http://schemas.microsoft.com/office/drawing/2014/main" id="{1F94BD18-380C-ED8C-E224-998E4ADE3417}"/>
+              </a:ext>
+            </a:extLst>
+          </p:cNvPr>
+          <p:cNvSpPr/>
+          <p:nvPr/>
+        </p:nvSpPr>
+        <p:spPr>
+          <a:xfrm>
+            <a:off x="6095999" y="4898572"/>
+            <a:ext cx="3077029" cy="1146628"/>
+          </a:xfrm>
+          <a:prstGeom prst="can">
+            <a:avLst/>
+          </a:prstGeom>
+          <a:noFill/>
+          <a:ln>
+            <a:solidFill>
+              <a:schemeClr val="tx1">
+                <a:lumMod val="95000"/>
+                <a:lumOff val="5000"/>
+              </a:schemeClr>
+            </a:solidFill>
+          </a:ln>
+        </p:spPr>
+        <p:style>
+          <a:lnRef idx="2">
+            <a:schemeClr val="accent1">
+              <a:shade val="15000"/>
+            </a:schemeClr>
+          </a:lnRef>
+          <a:fillRef idx="1">
+            <a:schemeClr val="accent1"/>
+          </a:fillRef>
+          <a:effectRef idx="0">
+            <a:schemeClr val="accent1"/>
+          </a:effectRef>
+          <a:fontRef idx="minor">
+            <a:schemeClr val="lt1"/>
+          </a:fontRef>
+        </p:style>
+        <p:txBody>
+          <a:bodyPr rtlCol="0" anchor="ctr"/>
+          <a:lstStyle/>
+          <a:p>
+            <a:pPr algn="ctr">
+              <a:lnSpc>
+                <a:spcPct val="150000"/>
+              </a:lnSpc>
+            </a:pPr>
+            <a:r>
+              <a:rPr lang="en-US" sz="1600" dirty="0" err="1">
+                <a:solidFill>
+                  <a:schemeClr val="tx1"/>
+                </a:solidFill>
+                <a:latin typeface="Times New Roman" panose="02020603050405020304" pitchFamily="18" charset="0"/>
+                <a:cs typeface="Times New Roman" panose="02020603050405020304" pitchFamily="18" charset="0"/>
+              </a:rPr>
+              <a:t>Dữ</a:t>
+            </a:r>
+            <a:r>
+              <a:rPr lang="en-US" sz="1600" dirty="0">
+                <a:solidFill>
+                  <a:schemeClr val="tx1"/>
+                </a:solidFill>
+                <a:latin typeface="Times New Roman" panose="02020603050405020304" pitchFamily="18" charset="0"/>
+                <a:cs typeface="Times New Roman" panose="02020603050405020304" pitchFamily="18" charset="0"/>
+              </a:rPr>
+              <a:t> </a:t>
+            </a:r>
+            <a:r>
+              <a:rPr lang="en-US" sz="1600" dirty="0" err="1">
+                <a:solidFill>
+                  <a:schemeClr val="tx1"/>
+                </a:solidFill>
+                <a:latin typeface="Times New Roman" panose="02020603050405020304" pitchFamily="18" charset="0"/>
+                <a:cs typeface="Times New Roman" panose="02020603050405020304" pitchFamily="18" charset="0"/>
+              </a:rPr>
+              <a:t>liệu</a:t>
+            </a:r>
+            <a:r>
+              <a:rPr lang="en-US" sz="1600" dirty="0">
+                <a:solidFill>
+                  <a:schemeClr val="tx1"/>
+                </a:solidFill>
+                <a:latin typeface="Times New Roman" panose="02020603050405020304" pitchFamily="18" charset="0"/>
+                <a:cs typeface="Times New Roman" panose="02020603050405020304" pitchFamily="18" charset="0"/>
+              </a:rPr>
+              <a:t> </a:t>
+            </a:r>
+            <a:r>
+              <a:rPr lang="en-US" sz="1600" dirty="0" err="1">
+                <a:solidFill>
+                  <a:schemeClr val="tx1"/>
+                </a:solidFill>
+                <a:latin typeface="Times New Roman" panose="02020603050405020304" pitchFamily="18" charset="0"/>
+                <a:cs typeface="Times New Roman" panose="02020603050405020304" pitchFamily="18" charset="0"/>
+              </a:rPr>
+              <a:t>đã</a:t>
+            </a:r>
+            <a:r>
+              <a:rPr lang="en-US" sz="1600" dirty="0">
+                <a:solidFill>
+                  <a:schemeClr val="tx1"/>
+                </a:solidFill>
+                <a:latin typeface="Times New Roman" panose="02020603050405020304" pitchFamily="18" charset="0"/>
+                <a:cs typeface="Times New Roman" panose="02020603050405020304" pitchFamily="18" charset="0"/>
+              </a:rPr>
+              <a:t> </a:t>
+            </a:r>
+            <a:r>
+              <a:rPr lang="en-US" sz="1600" dirty="0" err="1">
+                <a:solidFill>
+                  <a:schemeClr val="tx1"/>
+                </a:solidFill>
+                <a:latin typeface="Times New Roman" panose="02020603050405020304" pitchFamily="18" charset="0"/>
+                <a:cs typeface="Times New Roman" panose="02020603050405020304" pitchFamily="18" charset="0"/>
+              </a:rPr>
+              <a:t>được</a:t>
+            </a:r>
+            <a:r>
+              <a:rPr lang="en-US" sz="1600" dirty="0">
+                <a:solidFill>
+                  <a:schemeClr val="tx1"/>
+                </a:solidFill>
+                <a:latin typeface="Times New Roman" panose="02020603050405020304" pitchFamily="18" charset="0"/>
+                <a:cs typeface="Times New Roman" panose="02020603050405020304" pitchFamily="18" charset="0"/>
+              </a:rPr>
+              <a:t> </a:t>
+            </a:r>
+            <a:r>
+              <a:rPr lang="en-US" sz="1600" dirty="0" err="1">
+                <a:solidFill>
+                  <a:schemeClr val="tx1"/>
+                </a:solidFill>
+                <a:latin typeface="Times New Roman" panose="02020603050405020304" pitchFamily="18" charset="0"/>
+                <a:cs typeface="Times New Roman" panose="02020603050405020304" pitchFamily="18" charset="0"/>
+              </a:rPr>
+              <a:t>chuẩn</a:t>
+            </a:r>
+            <a:r>
+              <a:rPr lang="en-US" sz="1600" dirty="0">
+                <a:solidFill>
+                  <a:schemeClr val="tx1"/>
+                </a:solidFill>
+                <a:latin typeface="Times New Roman" panose="02020603050405020304" pitchFamily="18" charset="0"/>
+                <a:cs typeface="Times New Roman" panose="02020603050405020304" pitchFamily="18" charset="0"/>
+              </a:rPr>
+              <a:t> </a:t>
+            </a:r>
+            <a:r>
+              <a:rPr lang="en-US" sz="1600" dirty="0" err="1">
+                <a:solidFill>
+                  <a:schemeClr val="tx1"/>
+                </a:solidFill>
+                <a:latin typeface="Times New Roman" panose="02020603050405020304" pitchFamily="18" charset="0"/>
+                <a:cs typeface="Times New Roman" panose="02020603050405020304" pitchFamily="18" charset="0"/>
+              </a:rPr>
+              <a:t>hóa</a:t>
+            </a:r>
+            <a:endParaRPr lang="en-US" sz="1600" dirty="0">
+              <a:solidFill>
+                <a:schemeClr val="tx1"/>
+              </a:solidFill>
+              <a:latin typeface="Times New Roman" panose="02020603050405020304" pitchFamily="18" charset="0"/>
+              <a:cs typeface="Times New Roman" panose="02020603050405020304" pitchFamily="18" charset="0"/>
+            </a:endParaRPr>
+          </a:p>
+        </p:txBody>
+      </p:sp>
+      <p:cxnSp>
+        <p:nvCxnSpPr>
+          <p:cNvPr id="13" name="Straight Arrow Connector 12">
+            <a:extLst>
+              <a:ext uri="{FF2B5EF4-FFF2-40B4-BE49-F238E27FC236}">
+                <a16:creationId xmlns:a16="http://schemas.microsoft.com/office/drawing/2014/main" id="{5A729E3A-7C20-7C54-406E-B3A88C00CD88}"/>
+              </a:ext>
+            </a:extLst>
+          </p:cNvPr>
+          <p:cNvCxnSpPr>
+            <a:stCxn id="4" idx="3"/>
+            <a:endCxn id="5" idx="0"/>
+          </p:cNvCxnSpPr>
+          <p:nvPr/>
+        </p:nvCxnSpPr>
+        <p:spPr>
+          <a:xfrm flipH="1">
+            <a:off x="3265711" y="2325523"/>
+            <a:ext cx="1" cy="856734"/>
+          </a:xfrm>
+          <a:prstGeom prst="straightConnector1">
+            <a:avLst/>
+          </a:prstGeom>
+          <a:ln>
+            <a:tailEnd type="triangle"/>
+          </a:ln>
+        </p:spPr>
+        <p:style>
+          <a:lnRef idx="2">
+            <a:schemeClr val="dk1"/>
+          </a:lnRef>
+          <a:fillRef idx="0">
+            <a:schemeClr val="dk1"/>
+          </a:fillRef>
+          <a:effectRef idx="1">
+            <a:schemeClr val="dk1"/>
+          </a:effectRef>
+          <a:fontRef idx="minor">
+            <a:schemeClr val="tx1"/>
+          </a:fontRef>
+        </p:style>
+      </p:cxnSp>
+      <p:cxnSp>
+        <p:nvCxnSpPr>
+          <p:cNvPr id="14" name="Straight Arrow Connector 13">
+            <a:extLst>
+              <a:ext uri="{FF2B5EF4-FFF2-40B4-BE49-F238E27FC236}">
+                <a16:creationId xmlns:a16="http://schemas.microsoft.com/office/drawing/2014/main" id="{61D8FACA-E638-D9B7-BD93-6CA2533B974E}"/>
+              </a:ext>
+            </a:extLst>
+          </p:cNvPr>
+          <p:cNvCxnSpPr/>
+          <p:nvPr/>
+        </p:nvCxnSpPr>
+        <p:spPr>
+          <a:xfrm flipH="1">
+            <a:off x="3265708" y="3675743"/>
+            <a:ext cx="1" cy="856734"/>
+          </a:xfrm>
+          <a:prstGeom prst="straightConnector1">
+            <a:avLst/>
+          </a:prstGeom>
+          <a:ln>
+            <a:tailEnd type="triangle"/>
+          </a:ln>
+        </p:spPr>
+        <p:style>
+          <a:lnRef idx="2">
+            <a:schemeClr val="dk1"/>
+          </a:lnRef>
+          <a:fillRef idx="0">
+            <a:schemeClr val="dk1"/>
+          </a:fillRef>
+          <a:effectRef idx="1">
+            <a:schemeClr val="dk1"/>
+          </a:effectRef>
+          <a:fontRef idx="minor">
+            <a:schemeClr val="tx1"/>
+          </a:fontRef>
+        </p:style>
+      </p:cxnSp>
+      <p:cxnSp>
+        <p:nvCxnSpPr>
+          <p:cNvPr id="15" name="Straight Arrow Connector 14">
+            <a:extLst>
+              <a:ext uri="{FF2B5EF4-FFF2-40B4-BE49-F238E27FC236}">
+                <a16:creationId xmlns:a16="http://schemas.microsoft.com/office/drawing/2014/main" id="{8E060477-1CCF-6479-36F5-35D4304BC48D}"/>
+              </a:ext>
+            </a:extLst>
+          </p:cNvPr>
+          <p:cNvCxnSpPr>
+            <a:cxnSpLocks/>
+            <a:stCxn id="7" idx="2"/>
+            <a:endCxn id="8" idx="0"/>
+          </p:cNvCxnSpPr>
+          <p:nvPr/>
+        </p:nvCxnSpPr>
+        <p:spPr>
+          <a:xfrm flipH="1">
+            <a:off x="7634514" y="2452914"/>
+            <a:ext cx="1" cy="976086"/>
+          </a:xfrm>
+          <a:prstGeom prst="straightConnector1">
+            <a:avLst/>
+          </a:prstGeom>
+          <a:ln>
+            <a:tailEnd type="triangle"/>
+          </a:ln>
+        </p:spPr>
+        <p:style>
+          <a:lnRef idx="2">
+            <a:schemeClr val="dk1"/>
+          </a:lnRef>
+          <a:fillRef idx="0">
+            <a:schemeClr val="dk1"/>
+          </a:fillRef>
+          <a:effectRef idx="1">
+            <a:schemeClr val="dk1"/>
+          </a:effectRef>
+          <a:fontRef idx="minor">
+            <a:schemeClr val="tx1"/>
+          </a:fontRef>
+        </p:style>
+      </p:cxnSp>
+      <p:cxnSp>
+        <p:nvCxnSpPr>
+          <p:cNvPr id="17" name="Straight Arrow Connector 16">
+            <a:extLst>
+              <a:ext uri="{FF2B5EF4-FFF2-40B4-BE49-F238E27FC236}">
+                <a16:creationId xmlns:a16="http://schemas.microsoft.com/office/drawing/2014/main" id="{1ECF5B3E-3D13-3D5F-E1B4-0509537BCD62}"/>
+              </a:ext>
+            </a:extLst>
+          </p:cNvPr>
+          <p:cNvCxnSpPr>
+            <a:cxnSpLocks/>
+            <a:stCxn id="8" idx="2"/>
+            <a:endCxn id="11" idx="1"/>
+          </p:cNvCxnSpPr>
+          <p:nvPr/>
+        </p:nvCxnSpPr>
+        <p:spPr>
+          <a:xfrm>
+            <a:off x="7634514" y="3922486"/>
+            <a:ext cx="0" cy="976086"/>
+          </a:xfrm>
+          <a:prstGeom prst="straightConnector1">
+            <a:avLst/>
+          </a:prstGeom>
+          <a:ln>
+            <a:tailEnd type="triangle"/>
+          </a:ln>
+        </p:spPr>
+        <p:style>
+          <a:lnRef idx="2">
+            <a:schemeClr val="dk1"/>
+          </a:lnRef>
+          <a:fillRef idx="0">
+            <a:schemeClr val="dk1"/>
+          </a:fillRef>
+          <a:effectRef idx="1">
+            <a:schemeClr val="dk1"/>
+          </a:effectRef>
+          <a:fontRef idx="minor">
+            <a:schemeClr val="tx1"/>
+          </a:fontRef>
+        </p:style>
+      </p:cxnSp>
+      <p:cxnSp>
+        <p:nvCxnSpPr>
+          <p:cNvPr id="23" name="Connector: Elbow 22">
+            <a:extLst>
+              <a:ext uri="{FF2B5EF4-FFF2-40B4-BE49-F238E27FC236}">
+                <a16:creationId xmlns:a16="http://schemas.microsoft.com/office/drawing/2014/main" id="{964F5165-9267-B007-0868-3EB17AFC93D1}"/>
+              </a:ext>
+            </a:extLst>
+          </p:cNvPr>
+          <p:cNvCxnSpPr>
+            <a:stCxn id="6" idx="3"/>
+            <a:endCxn id="7" idx="1"/>
+          </p:cNvCxnSpPr>
+          <p:nvPr/>
+        </p:nvCxnSpPr>
+        <p:spPr>
+          <a:xfrm flipV="1">
+            <a:off x="4804224" y="2206171"/>
+            <a:ext cx="1291776" cy="2573049"/>
+          </a:xfrm>
+          <a:prstGeom prst="bentConnector3">
+            <a:avLst/>
+          </a:prstGeom>
+          <a:ln>
+            <a:tailEnd type="triangle"/>
+          </a:ln>
+        </p:spPr>
+        <p:style>
+          <a:lnRef idx="2">
+            <a:schemeClr val="dk1"/>
+          </a:lnRef>
+          <a:fillRef idx="0">
+            <a:schemeClr val="dk1"/>
+          </a:fillRef>
+          <a:effectRef idx="1">
+            <a:schemeClr val="dk1"/>
+          </a:effectRef>
+          <a:fontRef idx="minor">
+            <a:schemeClr val="tx1"/>
+          </a:fontRef>
+        </p:style>
+      </p:cxnSp>
+      <p:sp>
+        <p:nvSpPr>
+          <p:cNvPr id="24" name="Rectangle: Rounded Corners 23">
+            <a:extLst>
+              <a:ext uri="{FF2B5EF4-FFF2-40B4-BE49-F238E27FC236}">
+                <a16:creationId xmlns:a16="http://schemas.microsoft.com/office/drawing/2014/main" id="{BD303870-B68F-0187-206C-9F78F33C4E0F}"/>
+              </a:ext>
+            </a:extLst>
+          </p:cNvPr>
+          <p:cNvSpPr/>
+          <p:nvPr/>
+        </p:nvSpPr>
+        <p:spPr>
+          <a:xfrm>
+            <a:off x="1248229" y="952500"/>
+            <a:ext cx="8316685" cy="5557157"/>
+          </a:xfrm>
+          <a:prstGeom prst="roundRect">
+            <a:avLst/>
+          </a:prstGeom>
+          <a:noFill/>
+          <a:ln>
+            <a:solidFill>
+              <a:srgbClr val="FFC000"/>
+            </a:solidFill>
+            <a:prstDash val="sysDot"/>
+          </a:ln>
+        </p:spPr>
+        <p:style>
+          <a:lnRef idx="2">
+            <a:schemeClr val="accent1">
+              <a:shade val="15000"/>
+            </a:schemeClr>
+          </a:lnRef>
+          <a:fillRef idx="1">
+            <a:schemeClr val="accent1"/>
+          </a:fillRef>
+          <a:effectRef idx="0">
+            <a:schemeClr val="accent1"/>
+          </a:effectRef>
+          <a:fontRef idx="minor">
+            <a:schemeClr val="lt1"/>
+          </a:fontRef>
+        </p:style>
+        <p:txBody>
+          <a:bodyPr rtlCol="0" anchor="ctr"/>
+          <a:lstStyle/>
+          <a:p>
+            <a:pPr algn="ctr"/>
+            <a:endParaRPr lang="en-US"/>
+          </a:p>
+        </p:txBody>
+      </p:sp>
+    </p:spTree>
+    <p:extLst>
+      <p:ext uri="{BB962C8B-B14F-4D97-AF65-F5344CB8AC3E}">
+        <p14:creationId xmlns:p14="http://schemas.microsoft.com/office/powerpoint/2010/main" val="234760488"/>
+      </p:ext>
+    </p:extLst>
+  </p:cSld>
+  <p:clrMapOvr>
+    <a:masterClrMapping/>
+  </p:clrMapOvr>
+</p:sld>
+</file>
+
+<file path=ppt/slides/slide5.xml><?xml version="1.0" encoding="utf-8"?>
+<p:sld xmlns:a="http://schemas.openxmlformats.org/drawingml/2006/main" xmlns:r="http://schemas.openxmlformats.org/officeDocument/2006/relationships" xmlns:p="http://schemas.openxmlformats.org/presentationml/2006/main">
+  <p:cSld>
+    <p:spTree>
+      <p:nvGrpSpPr>
+        <p:cNvPr id="1" name=""/>
+        <p:cNvGrpSpPr/>
+        <p:nvPr/>
+      </p:nvGrpSpPr>
+      <p:grpSpPr>
+        <a:xfrm>
+          <a:off x="0" y="0"/>
+          <a:ext cx="0" cy="0"/>
+          <a:chOff x="0" y="0"/>
+          <a:chExt cx="0" cy="0"/>
+        </a:xfrm>
+      </p:grpSpPr>
+      <p:sp>
+        <p:nvSpPr>
+          <p:cNvPr id="2" name="TextBox 1">
+            <a:extLst>
+              <a:ext uri="{FF2B5EF4-FFF2-40B4-BE49-F238E27FC236}">
+                <a16:creationId xmlns:a16="http://schemas.microsoft.com/office/drawing/2014/main" id="{DDC3B24D-E97B-2982-21AB-8F7CB06C7A45}"/>
+              </a:ext>
+            </a:extLst>
+          </p:cNvPr>
+          <p:cNvSpPr txBox="1"/>
+          <p:nvPr/>
+        </p:nvSpPr>
+        <p:spPr>
+          <a:xfrm>
+            <a:off x="282388" y="349624"/>
+            <a:ext cx="5611088" cy="369332"/>
+          </a:xfrm>
+          <a:prstGeom prst="rect">
+            <a:avLst/>
+          </a:prstGeom>
+          <a:noFill/>
+        </p:spPr>
+        <p:txBody>
+          <a:bodyPr wrap="none" rtlCol="0">
+            <a:spAutoFit/>
+          </a:bodyPr>
+          <a:lstStyle/>
+          <a:p>
+            <a:r>
+              <a:rPr lang="en-US" dirty="0"/>
+              <a:t>Minh </a:t>
+            </a:r>
+            <a:r>
+              <a:rPr lang="en-US" dirty="0" err="1"/>
+              <a:t>họa</a:t>
+            </a:r>
+            <a:r>
+              <a:rPr lang="en-US" dirty="0"/>
+              <a:t> </a:t>
+            </a:r>
+            <a:r>
+              <a:rPr lang="en-US" dirty="0" err="1"/>
+              <a:t>tại</a:t>
+            </a:r>
+            <a:r>
+              <a:rPr lang="en-US" dirty="0"/>
+              <a:t> </a:t>
+            </a:r>
+            <a:r>
+              <a:rPr lang="en-US" dirty="0" err="1"/>
+              <a:t>sao</a:t>
+            </a:r>
+            <a:r>
+              <a:rPr lang="en-US" dirty="0"/>
+              <a:t> </a:t>
+            </a:r>
+            <a:r>
+              <a:rPr lang="en-US" dirty="0" err="1"/>
+              <a:t>phải</a:t>
+            </a:r>
+            <a:r>
+              <a:rPr lang="en-US" dirty="0"/>
+              <a:t> </a:t>
+            </a:r>
+            <a:r>
+              <a:rPr lang="en-US" dirty="0" err="1"/>
+              <a:t>đánh</a:t>
+            </a:r>
+            <a:r>
+              <a:rPr lang="en-US" dirty="0"/>
+              <a:t> </a:t>
+            </a:r>
+            <a:r>
+              <a:rPr lang="en-US" dirty="0" err="1"/>
+              <a:t>giá</a:t>
+            </a:r>
+            <a:r>
+              <a:rPr lang="en-US" dirty="0"/>
+              <a:t> </a:t>
+            </a:r>
+            <a:r>
+              <a:rPr lang="en-US" dirty="0" err="1"/>
+              <a:t>các</a:t>
+            </a:r>
+            <a:r>
+              <a:rPr lang="en-US" dirty="0"/>
+              <a:t> </a:t>
+            </a:r>
+            <a:r>
+              <a:rPr lang="en-US" dirty="0" err="1"/>
+              <a:t>mô</a:t>
+            </a:r>
+            <a:r>
+              <a:rPr lang="en-US" dirty="0"/>
+              <a:t> </a:t>
+            </a:r>
+            <a:r>
+              <a:rPr lang="en-US" dirty="0" err="1"/>
+              <a:t>hình</a:t>
+            </a:r>
+            <a:r>
+              <a:rPr lang="en-US" dirty="0"/>
+              <a:t> embedding</a:t>
+            </a:r>
+          </a:p>
+        </p:txBody>
+      </p:sp>
+      <p:sp>
+        <p:nvSpPr>
+          <p:cNvPr id="3" name="Cylinder 2">
+            <a:extLst>
+              <a:ext uri="{FF2B5EF4-FFF2-40B4-BE49-F238E27FC236}">
+                <a16:creationId xmlns:a16="http://schemas.microsoft.com/office/drawing/2014/main" id="{EFD720A1-B5A9-025E-F0E1-35974EF4CB3C}"/>
+              </a:ext>
+            </a:extLst>
+          </p:cNvPr>
+          <p:cNvSpPr/>
+          <p:nvPr/>
+        </p:nvSpPr>
+        <p:spPr>
+          <a:xfrm>
+            <a:off x="282388" y="3507485"/>
+            <a:ext cx="2918012" cy="1405419"/>
+          </a:xfrm>
+          <a:prstGeom prst="can">
+            <a:avLst/>
+          </a:prstGeom>
+        </p:spPr>
+        <p:style>
+          <a:lnRef idx="2">
+            <a:schemeClr val="dk1"/>
+          </a:lnRef>
+          <a:fillRef idx="1">
+            <a:schemeClr val="lt1"/>
+          </a:fillRef>
+          <a:effectRef idx="0">
+            <a:schemeClr val="dk1"/>
+          </a:effectRef>
+          <a:fontRef idx="minor">
+            <a:schemeClr val="dk1"/>
+          </a:fontRef>
+        </p:style>
+        <p:txBody>
+          <a:bodyPr rtlCol="0" anchor="ctr"/>
+          <a:lstStyle/>
+          <a:p>
+            <a:pPr algn="ctr">
+              <a:lnSpc>
+                <a:spcPct val="150000"/>
+              </a:lnSpc>
+            </a:pPr>
+            <a:r>
+              <a:rPr lang="en-US" dirty="0" err="1">
+                <a:latin typeface="Times New Roman" panose="02020603050405020304" pitchFamily="18" charset="0"/>
+                <a:cs typeface="Times New Roman" panose="02020603050405020304" pitchFamily="18" charset="0"/>
+              </a:rPr>
+              <a:t>Dữ</a:t>
+            </a:r>
+            <a:r>
+              <a:rPr lang="en-US" dirty="0">
+                <a:latin typeface="Times New Roman" panose="02020603050405020304" pitchFamily="18" charset="0"/>
+                <a:cs typeface="Times New Roman" panose="02020603050405020304" pitchFamily="18" charset="0"/>
+              </a:rPr>
+              <a:t> </a:t>
+            </a:r>
+            <a:r>
+              <a:rPr lang="en-US" dirty="0" err="1">
+                <a:latin typeface="Times New Roman" panose="02020603050405020304" pitchFamily="18" charset="0"/>
+                <a:cs typeface="Times New Roman" panose="02020603050405020304" pitchFamily="18" charset="0"/>
+              </a:rPr>
+              <a:t>liệu</a:t>
+            </a:r>
+            <a:r>
+              <a:rPr lang="en-US" dirty="0">
+                <a:latin typeface="Times New Roman" panose="02020603050405020304" pitchFamily="18" charset="0"/>
+                <a:cs typeface="Times New Roman" panose="02020603050405020304" pitchFamily="18" charset="0"/>
+              </a:rPr>
+              <a:t> </a:t>
+            </a:r>
+            <a:r>
+              <a:rPr lang="en-US" dirty="0" err="1">
+                <a:latin typeface="Times New Roman" panose="02020603050405020304" pitchFamily="18" charset="0"/>
+                <a:cs typeface="Times New Roman" panose="02020603050405020304" pitchFamily="18" charset="0"/>
+              </a:rPr>
+              <a:t>đã</a:t>
+            </a:r>
+            <a:r>
+              <a:rPr lang="en-US" dirty="0">
+                <a:latin typeface="Times New Roman" panose="02020603050405020304" pitchFamily="18" charset="0"/>
+                <a:cs typeface="Times New Roman" panose="02020603050405020304" pitchFamily="18" charset="0"/>
+              </a:rPr>
+              <a:t> </a:t>
+            </a:r>
+            <a:r>
+              <a:rPr lang="en-US" dirty="0" err="1">
+                <a:latin typeface="Times New Roman" panose="02020603050405020304" pitchFamily="18" charset="0"/>
+                <a:cs typeface="Times New Roman" panose="02020603050405020304" pitchFamily="18" charset="0"/>
+              </a:rPr>
+              <a:t>được</a:t>
+            </a:r>
+            <a:r>
+              <a:rPr lang="en-US" dirty="0">
+                <a:latin typeface="Times New Roman" panose="02020603050405020304" pitchFamily="18" charset="0"/>
+                <a:cs typeface="Times New Roman" panose="02020603050405020304" pitchFamily="18" charset="0"/>
+              </a:rPr>
+              <a:t> </a:t>
+            </a:r>
+            <a:r>
+              <a:rPr lang="en-US" dirty="0" err="1">
+                <a:latin typeface="Times New Roman" panose="02020603050405020304" pitchFamily="18" charset="0"/>
+                <a:cs typeface="Times New Roman" panose="02020603050405020304" pitchFamily="18" charset="0"/>
+              </a:rPr>
+              <a:t>chuẩn</a:t>
+            </a:r>
+            <a:r>
+              <a:rPr lang="en-US" dirty="0">
+                <a:latin typeface="Times New Roman" panose="02020603050405020304" pitchFamily="18" charset="0"/>
+                <a:cs typeface="Times New Roman" panose="02020603050405020304" pitchFamily="18" charset="0"/>
+              </a:rPr>
+              <a:t> </a:t>
+            </a:r>
+            <a:r>
+              <a:rPr lang="en-US" dirty="0" err="1">
+                <a:latin typeface="Times New Roman" panose="02020603050405020304" pitchFamily="18" charset="0"/>
+                <a:cs typeface="Times New Roman" panose="02020603050405020304" pitchFamily="18" charset="0"/>
+              </a:rPr>
+              <a:t>hóa</a:t>
+            </a:r>
+            <a:endParaRPr lang="en-US" dirty="0">
+              <a:latin typeface="Times New Roman" panose="02020603050405020304" pitchFamily="18" charset="0"/>
+              <a:cs typeface="Times New Roman" panose="02020603050405020304" pitchFamily="18" charset="0"/>
+            </a:endParaRPr>
+          </a:p>
+        </p:txBody>
+      </p:sp>
+      <p:sp>
+        <p:nvSpPr>
+          <p:cNvPr id="4" name="Rectangle: Rounded Corners 3">
+            <a:extLst>
+              <a:ext uri="{FF2B5EF4-FFF2-40B4-BE49-F238E27FC236}">
+                <a16:creationId xmlns:a16="http://schemas.microsoft.com/office/drawing/2014/main" id="{9D554426-02F7-6201-3382-1D1AE96B3CE9}"/>
+              </a:ext>
+            </a:extLst>
+          </p:cNvPr>
+          <p:cNvSpPr/>
+          <p:nvPr/>
+        </p:nvSpPr>
+        <p:spPr>
+          <a:xfrm>
+            <a:off x="4199664" y="2161516"/>
+            <a:ext cx="3106270" cy="564775"/>
+          </a:xfrm>
+          <a:prstGeom prst="roundRect">
+            <a:avLst/>
+          </a:prstGeom>
+        </p:spPr>
+        <p:style>
+          <a:lnRef idx="2">
+            <a:schemeClr val="dk1"/>
+          </a:lnRef>
+          <a:fillRef idx="1">
+            <a:schemeClr val="lt1"/>
+          </a:fillRef>
+          <a:effectRef idx="0">
+            <a:schemeClr val="dk1"/>
+          </a:effectRef>
+          <a:fontRef idx="minor">
+            <a:schemeClr val="dk1"/>
+          </a:fontRef>
+        </p:style>
+        <p:txBody>
+          <a:bodyPr rtlCol="0" anchor="ctr"/>
+          <a:lstStyle/>
+          <a:p>
+            <a:pPr algn="ctr">
+              <a:lnSpc>
+                <a:spcPct val="150000"/>
+              </a:lnSpc>
+            </a:pPr>
+            <a:r>
+              <a:rPr lang="en-US" dirty="0" err="1">
+                <a:latin typeface="Times New Roman" panose="02020603050405020304" pitchFamily="18" charset="0"/>
+                <a:cs typeface="Times New Roman" panose="02020603050405020304" pitchFamily="18" charset="0"/>
+              </a:rPr>
+              <a:t>Mô</a:t>
+            </a:r>
+            <a:r>
+              <a:rPr lang="en-US" dirty="0">
+                <a:latin typeface="Times New Roman" panose="02020603050405020304" pitchFamily="18" charset="0"/>
+                <a:cs typeface="Times New Roman" panose="02020603050405020304" pitchFamily="18" charset="0"/>
+              </a:rPr>
+              <a:t> </a:t>
+            </a:r>
+            <a:r>
+              <a:rPr lang="en-US" dirty="0" err="1">
+                <a:latin typeface="Times New Roman" panose="02020603050405020304" pitchFamily="18" charset="0"/>
+                <a:cs typeface="Times New Roman" panose="02020603050405020304" pitchFamily="18" charset="0"/>
+              </a:rPr>
+              <a:t>hình</a:t>
+            </a:r>
+            <a:r>
+              <a:rPr lang="en-US" dirty="0">
+                <a:latin typeface="Times New Roman" panose="02020603050405020304" pitchFamily="18" charset="0"/>
+                <a:cs typeface="Times New Roman" panose="02020603050405020304" pitchFamily="18" charset="0"/>
+              </a:rPr>
+              <a:t> embedding </a:t>
+            </a:r>
+            <a:r>
+              <a:rPr lang="en-US" dirty="0" err="1">
+                <a:latin typeface="Times New Roman" panose="02020603050405020304" pitchFamily="18" charset="0"/>
+                <a:cs typeface="Times New Roman" panose="02020603050405020304" pitchFamily="18" charset="0"/>
+              </a:rPr>
+              <a:t>thứ</a:t>
+            </a:r>
+            <a:r>
+              <a:rPr lang="en-US" dirty="0">
+                <a:latin typeface="Times New Roman" panose="02020603050405020304" pitchFamily="18" charset="0"/>
+                <a:cs typeface="Times New Roman" panose="02020603050405020304" pitchFamily="18" charset="0"/>
+              </a:rPr>
+              <a:t> 1</a:t>
+            </a:r>
+          </a:p>
+        </p:txBody>
+      </p:sp>
+      <p:sp>
+        <p:nvSpPr>
+          <p:cNvPr id="5" name="Rectangle: Rounded Corners 4">
+            <a:extLst>
+              <a:ext uri="{FF2B5EF4-FFF2-40B4-BE49-F238E27FC236}">
+                <a16:creationId xmlns:a16="http://schemas.microsoft.com/office/drawing/2014/main" id="{F5077656-6A4D-58F0-8A7A-9FBD56E062FD}"/>
+              </a:ext>
+            </a:extLst>
+          </p:cNvPr>
+          <p:cNvSpPr/>
+          <p:nvPr/>
+        </p:nvSpPr>
+        <p:spPr>
+          <a:xfrm>
+            <a:off x="4199664" y="2864225"/>
+            <a:ext cx="3106270" cy="564775"/>
+          </a:xfrm>
+          <a:prstGeom prst="roundRect">
+            <a:avLst/>
+          </a:prstGeom>
+        </p:spPr>
+        <p:style>
+          <a:lnRef idx="2">
+            <a:schemeClr val="dk1"/>
+          </a:lnRef>
+          <a:fillRef idx="1">
+            <a:schemeClr val="lt1"/>
+          </a:fillRef>
+          <a:effectRef idx="0">
+            <a:schemeClr val="dk1"/>
+          </a:effectRef>
+          <a:fontRef idx="minor">
+            <a:schemeClr val="dk1"/>
+          </a:fontRef>
+        </p:style>
+        <p:txBody>
+          <a:bodyPr rtlCol="0" anchor="ctr"/>
+          <a:lstStyle/>
+          <a:p>
+            <a:pPr algn="ctr">
+              <a:lnSpc>
+                <a:spcPct val="150000"/>
+              </a:lnSpc>
+            </a:pPr>
+            <a:r>
+              <a:rPr lang="en-US" dirty="0" err="1">
+                <a:latin typeface="Times New Roman" panose="02020603050405020304" pitchFamily="18" charset="0"/>
+                <a:cs typeface="Times New Roman" panose="02020603050405020304" pitchFamily="18" charset="0"/>
+              </a:rPr>
+              <a:t>Mô</a:t>
+            </a:r>
+            <a:r>
+              <a:rPr lang="en-US" dirty="0">
+                <a:latin typeface="Times New Roman" panose="02020603050405020304" pitchFamily="18" charset="0"/>
+                <a:cs typeface="Times New Roman" panose="02020603050405020304" pitchFamily="18" charset="0"/>
+              </a:rPr>
+              <a:t> </a:t>
+            </a:r>
+            <a:r>
+              <a:rPr lang="en-US" dirty="0" err="1">
+                <a:latin typeface="Times New Roman" panose="02020603050405020304" pitchFamily="18" charset="0"/>
+                <a:cs typeface="Times New Roman" panose="02020603050405020304" pitchFamily="18" charset="0"/>
+              </a:rPr>
+              <a:t>hình</a:t>
+            </a:r>
+            <a:r>
+              <a:rPr lang="en-US" dirty="0">
+                <a:latin typeface="Times New Roman" panose="02020603050405020304" pitchFamily="18" charset="0"/>
+                <a:cs typeface="Times New Roman" panose="02020603050405020304" pitchFamily="18" charset="0"/>
+              </a:rPr>
+              <a:t> embedding </a:t>
+            </a:r>
+            <a:r>
+              <a:rPr lang="en-US" dirty="0" err="1">
+                <a:latin typeface="Times New Roman" panose="02020603050405020304" pitchFamily="18" charset="0"/>
+                <a:cs typeface="Times New Roman" panose="02020603050405020304" pitchFamily="18" charset="0"/>
+              </a:rPr>
+              <a:t>thứ</a:t>
+            </a:r>
+            <a:r>
+              <a:rPr lang="en-US" dirty="0">
+                <a:latin typeface="Times New Roman" panose="02020603050405020304" pitchFamily="18" charset="0"/>
+                <a:cs typeface="Times New Roman" panose="02020603050405020304" pitchFamily="18" charset="0"/>
+              </a:rPr>
+              <a:t> 2</a:t>
+            </a:r>
+          </a:p>
+        </p:txBody>
+      </p:sp>
+      <p:sp>
+        <p:nvSpPr>
+          <p:cNvPr id="6" name="Rectangle: Rounded Corners 5">
+            <a:extLst>
+              <a:ext uri="{FF2B5EF4-FFF2-40B4-BE49-F238E27FC236}">
+                <a16:creationId xmlns:a16="http://schemas.microsoft.com/office/drawing/2014/main" id="{14119826-8CDE-7B01-CE12-92B08DA695BA}"/>
+              </a:ext>
+            </a:extLst>
+          </p:cNvPr>
+          <p:cNvSpPr/>
+          <p:nvPr/>
+        </p:nvSpPr>
+        <p:spPr>
+          <a:xfrm>
+            <a:off x="4199664" y="3566934"/>
+            <a:ext cx="3106270" cy="564775"/>
+          </a:xfrm>
+          <a:prstGeom prst="roundRect">
+            <a:avLst/>
+          </a:prstGeom>
+        </p:spPr>
+        <p:style>
+          <a:lnRef idx="2">
+            <a:schemeClr val="dk1"/>
+          </a:lnRef>
+          <a:fillRef idx="1">
+            <a:schemeClr val="lt1"/>
+          </a:fillRef>
+          <a:effectRef idx="0">
+            <a:schemeClr val="dk1"/>
+          </a:effectRef>
+          <a:fontRef idx="minor">
+            <a:schemeClr val="dk1"/>
+          </a:fontRef>
+        </p:style>
+        <p:txBody>
+          <a:bodyPr rtlCol="0" anchor="ctr"/>
+          <a:lstStyle/>
+          <a:p>
+            <a:pPr algn="ctr">
+              <a:lnSpc>
+                <a:spcPct val="150000"/>
+              </a:lnSpc>
+            </a:pPr>
+            <a:r>
+              <a:rPr lang="en-US" dirty="0">
+                <a:latin typeface="Times New Roman" panose="02020603050405020304" pitchFamily="18" charset="0"/>
+                <a:cs typeface="Times New Roman" panose="02020603050405020304" pitchFamily="18" charset="0"/>
+              </a:rPr>
+              <a:t>…</a:t>
+            </a:r>
+          </a:p>
+        </p:txBody>
+      </p:sp>
+      <p:sp>
+        <p:nvSpPr>
+          <p:cNvPr id="7" name="Rectangle: Rounded Corners 6">
+            <a:extLst>
+              <a:ext uri="{FF2B5EF4-FFF2-40B4-BE49-F238E27FC236}">
+                <a16:creationId xmlns:a16="http://schemas.microsoft.com/office/drawing/2014/main" id="{D509198A-0DC1-1DD7-2B6F-2F4D3465A857}"/>
+              </a:ext>
+            </a:extLst>
+          </p:cNvPr>
+          <p:cNvSpPr/>
+          <p:nvPr/>
+        </p:nvSpPr>
+        <p:spPr>
+          <a:xfrm>
+            <a:off x="4199664" y="4269643"/>
+            <a:ext cx="3106270" cy="564775"/>
+          </a:xfrm>
+          <a:prstGeom prst="roundRect">
+            <a:avLst/>
+          </a:prstGeom>
+        </p:spPr>
+        <p:style>
+          <a:lnRef idx="2">
+            <a:schemeClr val="dk1"/>
+          </a:lnRef>
+          <a:fillRef idx="1">
+            <a:schemeClr val="lt1"/>
+          </a:fillRef>
+          <a:effectRef idx="0">
+            <a:schemeClr val="dk1"/>
+          </a:effectRef>
+          <a:fontRef idx="minor">
+            <a:schemeClr val="dk1"/>
+          </a:fontRef>
+        </p:style>
+        <p:txBody>
+          <a:bodyPr rtlCol="0" anchor="ctr"/>
+          <a:lstStyle/>
+          <a:p>
+            <a:pPr algn="ctr">
+              <a:lnSpc>
+                <a:spcPct val="150000"/>
+              </a:lnSpc>
+            </a:pPr>
+            <a:r>
+              <a:rPr lang="en-US" dirty="0" err="1">
+                <a:latin typeface="Times New Roman" panose="02020603050405020304" pitchFamily="18" charset="0"/>
+                <a:cs typeface="Times New Roman" panose="02020603050405020304" pitchFamily="18" charset="0"/>
+              </a:rPr>
+              <a:t>Mô</a:t>
+            </a:r>
+            <a:r>
+              <a:rPr lang="en-US" dirty="0">
+                <a:latin typeface="Times New Roman" panose="02020603050405020304" pitchFamily="18" charset="0"/>
+                <a:cs typeface="Times New Roman" panose="02020603050405020304" pitchFamily="18" charset="0"/>
+              </a:rPr>
+              <a:t> </a:t>
+            </a:r>
+            <a:r>
+              <a:rPr lang="en-US" dirty="0" err="1">
+                <a:latin typeface="Times New Roman" panose="02020603050405020304" pitchFamily="18" charset="0"/>
+                <a:cs typeface="Times New Roman" panose="02020603050405020304" pitchFamily="18" charset="0"/>
+              </a:rPr>
+              <a:t>hình</a:t>
+            </a:r>
+            <a:r>
+              <a:rPr lang="en-US" dirty="0">
+                <a:latin typeface="Times New Roman" panose="02020603050405020304" pitchFamily="18" charset="0"/>
+                <a:cs typeface="Times New Roman" panose="02020603050405020304" pitchFamily="18" charset="0"/>
+              </a:rPr>
+              <a:t> embedding </a:t>
+            </a:r>
+            <a:r>
+              <a:rPr lang="en-US" dirty="0" err="1">
+                <a:latin typeface="Times New Roman" panose="02020603050405020304" pitchFamily="18" charset="0"/>
+                <a:cs typeface="Times New Roman" panose="02020603050405020304" pitchFamily="18" charset="0"/>
+              </a:rPr>
+              <a:t>thứ</a:t>
+            </a:r>
+            <a:r>
+              <a:rPr lang="en-US" dirty="0">
+                <a:latin typeface="Times New Roman" panose="02020603050405020304" pitchFamily="18" charset="0"/>
+                <a:cs typeface="Times New Roman" panose="02020603050405020304" pitchFamily="18" charset="0"/>
+              </a:rPr>
+              <a:t> 9</a:t>
+            </a:r>
+          </a:p>
+        </p:txBody>
+      </p:sp>
+      <p:sp>
+        <p:nvSpPr>
+          <p:cNvPr id="8" name="Rectangle: Rounded Corners 7">
+            <a:extLst>
+              <a:ext uri="{FF2B5EF4-FFF2-40B4-BE49-F238E27FC236}">
+                <a16:creationId xmlns:a16="http://schemas.microsoft.com/office/drawing/2014/main" id="{652C132B-786B-4BBA-58ED-644F7C300F16}"/>
+              </a:ext>
+            </a:extLst>
+          </p:cNvPr>
+          <p:cNvSpPr/>
+          <p:nvPr/>
+        </p:nvSpPr>
+        <p:spPr>
+          <a:xfrm>
+            <a:off x="8628642" y="1810160"/>
+            <a:ext cx="3106270" cy="1267485"/>
+          </a:xfrm>
+          <a:prstGeom prst="roundRect">
+            <a:avLst/>
+          </a:prstGeom>
+        </p:spPr>
+        <p:style>
+          <a:lnRef idx="2">
+            <a:schemeClr val="dk1"/>
+          </a:lnRef>
+          <a:fillRef idx="1">
+            <a:schemeClr val="lt1"/>
+          </a:fillRef>
+          <a:effectRef idx="0">
+            <a:schemeClr val="dk1"/>
+          </a:effectRef>
+          <a:fontRef idx="minor">
+            <a:schemeClr val="dk1"/>
+          </a:fontRef>
+        </p:style>
+        <p:txBody>
+          <a:bodyPr rtlCol="0" anchor="ctr"/>
+          <a:lstStyle/>
+          <a:p>
+            <a:pPr algn="ctr">
+              <a:lnSpc>
+                <a:spcPct val="150000"/>
+              </a:lnSpc>
+            </a:pPr>
+            <a:r>
+              <a:rPr lang="en-US" dirty="0" err="1">
+                <a:latin typeface="Times New Roman" panose="02020603050405020304" pitchFamily="18" charset="0"/>
+                <a:cs typeface="Times New Roman" panose="02020603050405020304" pitchFamily="18" charset="0"/>
+              </a:rPr>
+              <a:t>Đánh</a:t>
+            </a:r>
+            <a:r>
+              <a:rPr lang="en-US" dirty="0">
+                <a:latin typeface="Times New Roman" panose="02020603050405020304" pitchFamily="18" charset="0"/>
+                <a:cs typeface="Times New Roman" panose="02020603050405020304" pitchFamily="18" charset="0"/>
+              </a:rPr>
+              <a:t> </a:t>
+            </a:r>
+            <a:r>
+              <a:rPr lang="en-US" dirty="0" err="1">
+                <a:latin typeface="Times New Roman" panose="02020603050405020304" pitchFamily="18" charset="0"/>
+                <a:cs typeface="Times New Roman" panose="02020603050405020304" pitchFamily="18" charset="0"/>
+              </a:rPr>
+              <a:t>giá</a:t>
+            </a:r>
+            <a:r>
+              <a:rPr lang="en-US" dirty="0">
+                <a:latin typeface="Times New Roman" panose="02020603050405020304" pitchFamily="18" charset="0"/>
+                <a:cs typeface="Times New Roman" panose="02020603050405020304" pitchFamily="18" charset="0"/>
+              </a:rPr>
+              <a:t> </a:t>
+            </a:r>
+            <a:r>
+              <a:rPr lang="en-US" dirty="0" err="1">
+                <a:latin typeface="Times New Roman" panose="02020603050405020304" pitchFamily="18" charset="0"/>
+                <a:cs typeface="Times New Roman" panose="02020603050405020304" pitchFamily="18" charset="0"/>
+              </a:rPr>
+              <a:t>các</a:t>
+            </a:r>
+            <a:r>
+              <a:rPr lang="en-US" dirty="0">
+                <a:latin typeface="Times New Roman" panose="02020603050405020304" pitchFamily="18" charset="0"/>
+                <a:cs typeface="Times New Roman" panose="02020603050405020304" pitchFamily="18" charset="0"/>
+              </a:rPr>
+              <a:t> </a:t>
+            </a:r>
+            <a:r>
+              <a:rPr lang="en-US" dirty="0" err="1">
+                <a:latin typeface="Times New Roman" panose="02020603050405020304" pitchFamily="18" charset="0"/>
+                <a:cs typeface="Times New Roman" panose="02020603050405020304" pitchFamily="18" charset="0"/>
+              </a:rPr>
+              <a:t>mô</a:t>
+            </a:r>
+            <a:r>
+              <a:rPr lang="en-US" dirty="0">
+                <a:latin typeface="Times New Roman" panose="02020603050405020304" pitchFamily="18" charset="0"/>
+                <a:cs typeface="Times New Roman" panose="02020603050405020304" pitchFamily="18" charset="0"/>
+              </a:rPr>
+              <a:t> </a:t>
+            </a:r>
+            <a:r>
+              <a:rPr lang="en-US" dirty="0" err="1">
+                <a:latin typeface="Times New Roman" panose="02020603050405020304" pitchFamily="18" charset="0"/>
+                <a:cs typeface="Times New Roman" panose="02020603050405020304" pitchFamily="18" charset="0"/>
+              </a:rPr>
+              <a:t>hình</a:t>
+            </a:r>
+            <a:endParaRPr lang="en-US" dirty="0">
+              <a:latin typeface="Times New Roman" panose="02020603050405020304" pitchFamily="18" charset="0"/>
+              <a:cs typeface="Times New Roman" panose="02020603050405020304" pitchFamily="18" charset="0"/>
+            </a:endParaRPr>
+          </a:p>
+          <a:p>
+            <a:pPr algn="ctr">
+              <a:lnSpc>
+                <a:spcPct val="150000"/>
+              </a:lnSpc>
+            </a:pPr>
+            <a:r>
+              <a:rPr lang="en-US" dirty="0">
+                <a:latin typeface="Times New Roman" panose="02020603050405020304" pitchFamily="18" charset="0"/>
+                <a:cs typeface="Times New Roman" panose="02020603050405020304" pitchFamily="18" charset="0"/>
+              </a:rPr>
+              <a:t>embedding</a:t>
+            </a:r>
+          </a:p>
+        </p:txBody>
+      </p:sp>
+      <p:sp>
+        <p:nvSpPr>
+          <p:cNvPr id="9" name="Rectangle: Rounded Corners 8">
+            <a:extLst>
+              <a:ext uri="{FF2B5EF4-FFF2-40B4-BE49-F238E27FC236}">
+                <a16:creationId xmlns:a16="http://schemas.microsoft.com/office/drawing/2014/main" id="{702AFE56-144B-3D67-0AA6-792A70207318}"/>
+              </a:ext>
+            </a:extLst>
+          </p:cNvPr>
+          <p:cNvSpPr/>
+          <p:nvPr/>
+        </p:nvSpPr>
+        <p:spPr>
+          <a:xfrm>
+            <a:off x="8628642" y="3849321"/>
+            <a:ext cx="3106270" cy="564775"/>
+          </a:xfrm>
+          <a:prstGeom prst="roundRect">
+            <a:avLst/>
+          </a:prstGeom>
+        </p:spPr>
+        <p:style>
+          <a:lnRef idx="2">
+            <a:schemeClr val="dk1"/>
+          </a:lnRef>
+          <a:fillRef idx="1">
+            <a:schemeClr val="lt1"/>
+          </a:fillRef>
+          <a:effectRef idx="0">
+            <a:schemeClr val="dk1"/>
+          </a:effectRef>
+          <a:fontRef idx="minor">
+            <a:schemeClr val="dk1"/>
+          </a:fontRef>
+        </p:style>
+        <p:txBody>
+          <a:bodyPr rtlCol="0" anchor="ctr"/>
+          <a:lstStyle/>
+          <a:p>
+            <a:pPr algn="ctr">
+              <a:lnSpc>
+                <a:spcPct val="150000"/>
+              </a:lnSpc>
+            </a:pPr>
+            <a:r>
+              <a:rPr lang="en-US" dirty="0" err="1">
+                <a:latin typeface="Times New Roman" panose="02020603050405020304" pitchFamily="18" charset="0"/>
+                <a:cs typeface="Times New Roman" panose="02020603050405020304" pitchFamily="18" charset="0"/>
+              </a:rPr>
+              <a:t>Mô</a:t>
+            </a:r>
+            <a:r>
+              <a:rPr lang="en-US" dirty="0">
+                <a:latin typeface="Times New Roman" panose="02020603050405020304" pitchFamily="18" charset="0"/>
+                <a:cs typeface="Times New Roman" panose="02020603050405020304" pitchFamily="18" charset="0"/>
+              </a:rPr>
+              <a:t> </a:t>
+            </a:r>
+            <a:r>
+              <a:rPr lang="en-US" dirty="0" err="1">
+                <a:latin typeface="Times New Roman" panose="02020603050405020304" pitchFamily="18" charset="0"/>
+                <a:cs typeface="Times New Roman" panose="02020603050405020304" pitchFamily="18" charset="0"/>
+              </a:rPr>
+              <a:t>hình</a:t>
+            </a:r>
+            <a:r>
+              <a:rPr lang="en-US" dirty="0">
+                <a:latin typeface="Times New Roman" panose="02020603050405020304" pitchFamily="18" charset="0"/>
+                <a:cs typeface="Times New Roman" panose="02020603050405020304" pitchFamily="18" charset="0"/>
+              </a:rPr>
+              <a:t> embedding </a:t>
+            </a:r>
+            <a:r>
+              <a:rPr lang="en-US" dirty="0" err="1">
+                <a:latin typeface="Times New Roman" panose="02020603050405020304" pitchFamily="18" charset="0"/>
+                <a:cs typeface="Times New Roman" panose="02020603050405020304" pitchFamily="18" charset="0"/>
+              </a:rPr>
+              <a:t>tốt</a:t>
+            </a:r>
+            <a:r>
+              <a:rPr lang="en-US" dirty="0">
+                <a:latin typeface="Times New Roman" panose="02020603050405020304" pitchFamily="18" charset="0"/>
+                <a:cs typeface="Times New Roman" panose="02020603050405020304" pitchFamily="18" charset="0"/>
+              </a:rPr>
+              <a:t> </a:t>
+            </a:r>
+            <a:r>
+              <a:rPr lang="en-US" dirty="0" err="1">
+                <a:latin typeface="Times New Roman" panose="02020603050405020304" pitchFamily="18" charset="0"/>
+                <a:cs typeface="Times New Roman" panose="02020603050405020304" pitchFamily="18" charset="0"/>
+              </a:rPr>
+              <a:t>nhất</a:t>
+            </a:r>
+            <a:endParaRPr lang="en-US" dirty="0">
+              <a:latin typeface="Times New Roman" panose="02020603050405020304" pitchFamily="18" charset="0"/>
+              <a:cs typeface="Times New Roman" panose="02020603050405020304" pitchFamily="18" charset="0"/>
+            </a:endParaRPr>
+          </a:p>
+        </p:txBody>
+      </p:sp>
+      <p:cxnSp>
+        <p:nvCxnSpPr>
+          <p:cNvPr id="11" name="Connector: Elbow 10">
+            <a:extLst>
+              <a:ext uri="{FF2B5EF4-FFF2-40B4-BE49-F238E27FC236}">
+                <a16:creationId xmlns:a16="http://schemas.microsoft.com/office/drawing/2014/main" id="{3D85151E-3E44-E803-2997-4A581D50A246}"/>
+              </a:ext>
+            </a:extLst>
+          </p:cNvPr>
+          <p:cNvCxnSpPr>
+            <a:cxnSpLocks/>
+            <a:stCxn id="3" idx="4"/>
+            <a:endCxn id="7" idx="1"/>
+          </p:cNvCxnSpPr>
+          <p:nvPr/>
+        </p:nvCxnSpPr>
+        <p:spPr>
+          <a:xfrm>
+            <a:off x="3200400" y="4210195"/>
+            <a:ext cx="999264" cy="341836"/>
+          </a:xfrm>
+          <a:prstGeom prst="bentConnector3">
+            <a:avLst/>
+          </a:prstGeom>
+          <a:ln>
+            <a:tailEnd type="triangle"/>
+          </a:ln>
+        </p:spPr>
+        <p:style>
+          <a:lnRef idx="2">
+            <a:schemeClr val="dk1"/>
+          </a:lnRef>
+          <a:fillRef idx="0">
+            <a:schemeClr val="dk1"/>
+          </a:fillRef>
+          <a:effectRef idx="1">
+            <a:schemeClr val="dk1"/>
+          </a:effectRef>
+          <a:fontRef idx="minor">
+            <a:schemeClr val="tx1"/>
+          </a:fontRef>
+        </p:style>
+      </p:cxnSp>
+      <p:cxnSp>
+        <p:nvCxnSpPr>
+          <p:cNvPr id="12" name="Connector: Elbow 11">
+            <a:extLst>
+              <a:ext uri="{FF2B5EF4-FFF2-40B4-BE49-F238E27FC236}">
+                <a16:creationId xmlns:a16="http://schemas.microsoft.com/office/drawing/2014/main" id="{3B416591-AA92-CD3B-CB62-161FE2288E92}"/>
+              </a:ext>
+            </a:extLst>
+          </p:cNvPr>
+          <p:cNvCxnSpPr>
+            <a:cxnSpLocks/>
+            <a:stCxn id="3" idx="4"/>
+            <a:endCxn id="6" idx="1"/>
+          </p:cNvCxnSpPr>
+          <p:nvPr/>
+        </p:nvCxnSpPr>
+        <p:spPr>
+          <a:xfrm flipV="1">
+            <a:off x="3200400" y="3849322"/>
+            <a:ext cx="999264" cy="360873"/>
+          </a:xfrm>
+          <a:prstGeom prst="bentConnector3">
+            <a:avLst/>
+          </a:prstGeom>
+          <a:ln>
+            <a:tailEnd type="triangle"/>
+          </a:ln>
+        </p:spPr>
+        <p:style>
+          <a:lnRef idx="2">
+            <a:schemeClr val="dk1"/>
+          </a:lnRef>
+          <a:fillRef idx="0">
+            <a:schemeClr val="dk1"/>
+          </a:fillRef>
+          <a:effectRef idx="1">
+            <a:schemeClr val="dk1"/>
+          </a:effectRef>
+          <a:fontRef idx="minor">
+            <a:schemeClr val="tx1"/>
+          </a:fontRef>
+        </p:style>
+      </p:cxnSp>
+      <p:cxnSp>
+        <p:nvCxnSpPr>
+          <p:cNvPr id="15" name="Connector: Elbow 14">
+            <a:extLst>
+              <a:ext uri="{FF2B5EF4-FFF2-40B4-BE49-F238E27FC236}">
+                <a16:creationId xmlns:a16="http://schemas.microsoft.com/office/drawing/2014/main" id="{DA66796E-470B-F597-8EB2-BA2BC0D79DFB}"/>
+              </a:ext>
+            </a:extLst>
+          </p:cNvPr>
+          <p:cNvCxnSpPr>
+            <a:cxnSpLocks/>
+            <a:stCxn id="3" idx="4"/>
+            <a:endCxn id="5" idx="1"/>
+          </p:cNvCxnSpPr>
+          <p:nvPr/>
+        </p:nvCxnSpPr>
+        <p:spPr>
+          <a:xfrm flipV="1">
+            <a:off x="3200400" y="3146613"/>
+            <a:ext cx="999264" cy="1063582"/>
+          </a:xfrm>
+          <a:prstGeom prst="bentConnector3">
+            <a:avLst/>
+          </a:prstGeom>
+          <a:ln>
+            <a:tailEnd type="triangle"/>
+          </a:ln>
+        </p:spPr>
+        <p:style>
+          <a:lnRef idx="2">
+            <a:schemeClr val="dk1"/>
+          </a:lnRef>
+          <a:fillRef idx="0">
+            <a:schemeClr val="dk1"/>
+          </a:fillRef>
+          <a:effectRef idx="1">
+            <a:schemeClr val="dk1"/>
+          </a:effectRef>
+          <a:fontRef idx="minor">
+            <a:schemeClr val="tx1"/>
+          </a:fontRef>
+        </p:style>
+      </p:cxnSp>
+      <p:cxnSp>
+        <p:nvCxnSpPr>
+          <p:cNvPr id="18" name="Connector: Elbow 17">
+            <a:extLst>
+              <a:ext uri="{FF2B5EF4-FFF2-40B4-BE49-F238E27FC236}">
+                <a16:creationId xmlns:a16="http://schemas.microsoft.com/office/drawing/2014/main" id="{582234F0-BED0-EFF6-A032-BC295D83E412}"/>
+              </a:ext>
+            </a:extLst>
+          </p:cNvPr>
+          <p:cNvCxnSpPr>
+            <a:cxnSpLocks/>
+            <a:stCxn id="3" idx="4"/>
+            <a:endCxn id="4" idx="1"/>
+          </p:cNvCxnSpPr>
+          <p:nvPr/>
+        </p:nvCxnSpPr>
+        <p:spPr>
+          <a:xfrm flipV="1">
+            <a:off x="3200400" y="2443904"/>
+            <a:ext cx="999264" cy="1766291"/>
+          </a:xfrm>
+          <a:prstGeom prst="bentConnector3">
+            <a:avLst>
+              <a:gd name="adj1" fmla="val 50000"/>
+            </a:avLst>
+          </a:prstGeom>
+          <a:ln>
+            <a:tailEnd type="triangle"/>
+          </a:ln>
+        </p:spPr>
+        <p:style>
+          <a:lnRef idx="2">
+            <a:schemeClr val="dk1"/>
+          </a:lnRef>
+          <a:fillRef idx="0">
+            <a:schemeClr val="dk1"/>
+          </a:fillRef>
+          <a:effectRef idx="1">
+            <a:schemeClr val="dk1"/>
+          </a:effectRef>
+          <a:fontRef idx="minor">
+            <a:schemeClr val="tx1"/>
+          </a:fontRef>
+        </p:style>
+      </p:cxnSp>
+      <p:cxnSp>
+        <p:nvCxnSpPr>
+          <p:cNvPr id="22" name="Connector: Elbow 21">
+            <a:extLst>
+              <a:ext uri="{FF2B5EF4-FFF2-40B4-BE49-F238E27FC236}">
+                <a16:creationId xmlns:a16="http://schemas.microsoft.com/office/drawing/2014/main" id="{33CD101D-6DFE-141C-1EA5-3FA099A1402B}"/>
+              </a:ext>
+            </a:extLst>
+          </p:cNvPr>
+          <p:cNvCxnSpPr>
+            <a:cxnSpLocks/>
+            <a:stCxn id="4" idx="3"/>
+            <a:endCxn id="8" idx="1"/>
+          </p:cNvCxnSpPr>
+          <p:nvPr/>
+        </p:nvCxnSpPr>
+        <p:spPr>
+          <a:xfrm flipV="1">
+            <a:off x="7305934" y="2443903"/>
+            <a:ext cx="1322708" cy="1"/>
+          </a:xfrm>
+          <a:prstGeom prst="bentConnector3">
+            <a:avLst>
+              <a:gd name="adj1" fmla="val 50000"/>
+            </a:avLst>
+          </a:prstGeom>
+          <a:ln>
+            <a:tailEnd type="triangle"/>
+          </a:ln>
+        </p:spPr>
+        <p:style>
+          <a:lnRef idx="2">
+            <a:schemeClr val="dk1"/>
+          </a:lnRef>
+          <a:fillRef idx="0">
+            <a:schemeClr val="dk1"/>
+          </a:fillRef>
+          <a:effectRef idx="1">
+            <a:schemeClr val="dk1"/>
+          </a:effectRef>
+          <a:fontRef idx="minor">
+            <a:schemeClr val="tx1"/>
+          </a:fontRef>
+        </p:style>
+      </p:cxnSp>
+      <p:cxnSp>
+        <p:nvCxnSpPr>
+          <p:cNvPr id="25" name="Connector: Elbow 24">
+            <a:extLst>
+              <a:ext uri="{FF2B5EF4-FFF2-40B4-BE49-F238E27FC236}">
+                <a16:creationId xmlns:a16="http://schemas.microsoft.com/office/drawing/2014/main" id="{3BD9F433-E4E8-0D2A-74D6-95D14C182EBD}"/>
+              </a:ext>
+            </a:extLst>
+          </p:cNvPr>
+          <p:cNvCxnSpPr>
+            <a:cxnSpLocks/>
+            <a:stCxn id="5" idx="3"/>
+            <a:endCxn id="8" idx="1"/>
+          </p:cNvCxnSpPr>
+          <p:nvPr/>
+        </p:nvCxnSpPr>
+        <p:spPr>
+          <a:xfrm flipV="1">
+            <a:off x="7305934" y="2443903"/>
+            <a:ext cx="1322708" cy="702710"/>
+          </a:xfrm>
+          <a:prstGeom prst="bentConnector3">
+            <a:avLst>
+              <a:gd name="adj1" fmla="val 50000"/>
+            </a:avLst>
+          </a:prstGeom>
+          <a:ln>
+            <a:tailEnd type="triangle"/>
+          </a:ln>
+        </p:spPr>
+        <p:style>
+          <a:lnRef idx="2">
+            <a:schemeClr val="dk1"/>
+          </a:lnRef>
+          <a:fillRef idx="0">
+            <a:schemeClr val="dk1"/>
+          </a:fillRef>
+          <a:effectRef idx="1">
+            <a:schemeClr val="dk1"/>
+          </a:effectRef>
+          <a:fontRef idx="minor">
+            <a:schemeClr val="tx1"/>
+          </a:fontRef>
+        </p:style>
+      </p:cxnSp>
+      <p:cxnSp>
+        <p:nvCxnSpPr>
+          <p:cNvPr id="28" name="Connector: Elbow 27">
+            <a:extLst>
+              <a:ext uri="{FF2B5EF4-FFF2-40B4-BE49-F238E27FC236}">
+                <a16:creationId xmlns:a16="http://schemas.microsoft.com/office/drawing/2014/main" id="{D7DA4822-67CF-5A59-146F-E542C24B2290}"/>
+              </a:ext>
+            </a:extLst>
+          </p:cNvPr>
+          <p:cNvCxnSpPr>
+            <a:cxnSpLocks/>
+            <a:stCxn id="6" idx="3"/>
+            <a:endCxn id="8" idx="1"/>
+          </p:cNvCxnSpPr>
+          <p:nvPr/>
+        </p:nvCxnSpPr>
+        <p:spPr>
+          <a:xfrm flipV="1">
+            <a:off x="7305934" y="2443903"/>
+            <a:ext cx="1322708" cy="1405419"/>
+          </a:xfrm>
+          <a:prstGeom prst="bentConnector3">
+            <a:avLst>
+              <a:gd name="adj1" fmla="val 50000"/>
+            </a:avLst>
+          </a:prstGeom>
+          <a:ln>
+            <a:tailEnd type="triangle"/>
+          </a:ln>
+        </p:spPr>
+        <p:style>
+          <a:lnRef idx="2">
+            <a:schemeClr val="dk1"/>
+          </a:lnRef>
+          <a:fillRef idx="0">
+            <a:schemeClr val="dk1"/>
+          </a:fillRef>
+          <a:effectRef idx="1">
+            <a:schemeClr val="dk1"/>
+          </a:effectRef>
+          <a:fontRef idx="minor">
+            <a:schemeClr val="tx1"/>
+          </a:fontRef>
+        </p:style>
+      </p:cxnSp>
+      <p:cxnSp>
+        <p:nvCxnSpPr>
+          <p:cNvPr id="31" name="Connector: Elbow 30">
+            <a:extLst>
+              <a:ext uri="{FF2B5EF4-FFF2-40B4-BE49-F238E27FC236}">
+                <a16:creationId xmlns:a16="http://schemas.microsoft.com/office/drawing/2014/main" id="{EDE7D1EE-109E-83EC-0BD9-4020CD37FCCC}"/>
+              </a:ext>
+            </a:extLst>
+          </p:cNvPr>
+          <p:cNvCxnSpPr>
+            <a:cxnSpLocks/>
+            <a:stCxn id="7" idx="3"/>
+            <a:endCxn id="8" idx="1"/>
+          </p:cNvCxnSpPr>
+          <p:nvPr/>
+        </p:nvCxnSpPr>
+        <p:spPr>
+          <a:xfrm flipV="1">
+            <a:off x="7305934" y="2443903"/>
+            <a:ext cx="1322708" cy="2108128"/>
+          </a:xfrm>
+          <a:prstGeom prst="bentConnector3">
+            <a:avLst>
+              <a:gd name="adj1" fmla="val 50000"/>
+            </a:avLst>
+          </a:prstGeom>
+          <a:ln>
+            <a:tailEnd type="triangle"/>
+          </a:ln>
+        </p:spPr>
+        <p:style>
+          <a:lnRef idx="2">
+            <a:schemeClr val="dk1"/>
+          </a:lnRef>
+          <a:fillRef idx="0">
+            <a:schemeClr val="dk1"/>
+          </a:fillRef>
+          <a:effectRef idx="1">
+            <a:schemeClr val="dk1"/>
+          </a:effectRef>
+          <a:fontRef idx="minor">
+            <a:schemeClr val="tx1"/>
+          </a:fontRef>
+        </p:style>
+      </p:cxnSp>
+      <p:cxnSp>
+        <p:nvCxnSpPr>
+          <p:cNvPr id="35" name="Straight Arrow Connector 34">
+            <a:extLst>
+              <a:ext uri="{FF2B5EF4-FFF2-40B4-BE49-F238E27FC236}">
+                <a16:creationId xmlns:a16="http://schemas.microsoft.com/office/drawing/2014/main" id="{A49B7D38-4D52-C275-261C-25F35EDADFA9}"/>
+              </a:ext>
+            </a:extLst>
+          </p:cNvPr>
+          <p:cNvCxnSpPr>
+            <a:stCxn id="8" idx="2"/>
+            <a:endCxn id="9" idx="0"/>
+          </p:cNvCxnSpPr>
+          <p:nvPr/>
+        </p:nvCxnSpPr>
+        <p:spPr>
+          <a:xfrm>
+            <a:off x="10181777" y="3077645"/>
+            <a:ext cx="0" cy="771676"/>
+          </a:xfrm>
+          <a:prstGeom prst="straightConnector1">
+            <a:avLst/>
+          </a:prstGeom>
+          <a:ln>
+            <a:tailEnd type="triangle"/>
+          </a:ln>
+        </p:spPr>
+        <p:style>
+          <a:lnRef idx="2">
+            <a:schemeClr val="dk1"/>
+          </a:lnRef>
+          <a:fillRef idx="0">
+            <a:schemeClr val="dk1"/>
+          </a:fillRef>
+          <a:effectRef idx="1">
+            <a:schemeClr val="dk1"/>
+          </a:effectRef>
+          <a:fontRef idx="minor">
+            <a:schemeClr val="tx1"/>
+          </a:fontRef>
+        </p:style>
+      </p:cxnSp>
+    </p:spTree>
+    <p:extLst>
+      <p:ext uri="{BB962C8B-B14F-4D97-AF65-F5344CB8AC3E}">
+        <p14:creationId xmlns:p14="http://schemas.microsoft.com/office/powerpoint/2010/main" val="3763551740"/>
       </p:ext>
     </p:extLst>
   </p:cSld>
